--- a/demo.pptx
+++ b/demo.pptx
@@ -21,6 +21,11 @@
     <p:sldId id="268" r:id="rId16"/>
     <p:sldId id="269" r:id="rId17"/>
     <p:sldId id="270" r:id="rId18"/>
+    <p:sldId id="271" r:id="rId19"/>
+    <p:sldId id="272" r:id="rId20"/>
+    <p:sldId id="273" r:id="rId21"/>
+    <p:sldId id="274" r:id="rId22"/>
+    <p:sldId id="275" r:id="rId23"/>
   </p:sldIdLst>
   <p:sldSz cx="9144000" cy="5143500"/>
   <p:notesSz cx="7559675" cy="10691812"/>
@@ -3233,7 +3238,7 @@
         <p:spPr>
           <a:xfrm>
             <a:off x="311760" y="744480"/>
-            <a:ext cx="8502120" cy="2034360"/>
+            <a:ext cx="8499600" cy="2031840"/>
           </a:xfrm>
           <a:prstGeom prst="rect">
             <a:avLst/>
@@ -3250,9 +3255,7 @@
           <a:fontRef idx="minor"/>
         </p:style>
         <p:txBody>
-          <a:bodyPr lIns="90000" rIns="90000" tIns="91440" bIns="91440" anchor="b">
-            <a:normAutofit/>
-          </a:bodyPr>
+          <a:bodyPr lIns="90000" rIns="90000" tIns="91440" bIns="91440" anchor="b"/>
           <a:p>
             <a:pPr algn="ctr">
               <a:lnSpc>
@@ -3267,7 +3270,7 @@
                 <a:latin typeface="Arial"/>
                 <a:ea typeface="Arial"/>
               </a:rPr>
-              <a:t>+++INS schemname +++</a:t>
+              <a:t>+++INS schemeName +++</a:t>
             </a:r>
             <a:br/>
             <a:r>
@@ -3275,7 +3278,7 @@
                 <a:solidFill>
                   <a:srgbClr val="000000"/>
                 </a:solidFill>
-                <a:latin typeface="Purisa"/>
+                <a:latin typeface="Arial"/>
                 <a:ea typeface="Arial"/>
               </a:rPr>
               <a:t>+++INS position +++</a:t>
@@ -3286,7 +3289,7 @@
                 <a:solidFill>
                   <a:srgbClr val="000000"/>
                 </a:solidFill>
-                <a:latin typeface="Keraleeyam"/>
+                <a:latin typeface="Arial"/>
                 <a:ea typeface="Arial"/>
               </a:rPr>
               <a:t>+++INS city +++</a:t>
@@ -3306,7 +3309,7 @@
         <p:spPr>
           <a:xfrm>
             <a:off x="311760" y="2834280"/>
-            <a:ext cx="8502120" cy="774360"/>
+            <a:ext cx="8499600" cy="771840"/>
           </a:xfrm>
           <a:prstGeom prst="rect">
             <a:avLst/>
@@ -3374,14 +3377,14 @@
       </p:grpSpPr>
       <p:sp>
         <p:nvSpPr>
-          <p:cNvPr id="96" name="CustomShape 1"/>
+          <p:cNvPr id="107" name="CustomShape 1"/>
           <p:cNvSpPr/>
           <p:nvPr/>
         </p:nvSpPr>
         <p:spPr>
           <a:xfrm>
-            <a:off x="311760" y="1152360"/>
-            <a:ext cx="8502120" cy="3398040"/>
+            <a:off x="640080" y="640080"/>
+            <a:ext cx="7936200" cy="327240"/>
           </a:xfrm>
           <a:prstGeom prst="rect">
             <a:avLst/>
@@ -3397,18 +3400,39 @@
           <a:effectRef idx="0"/>
           <a:fontRef idx="minor"/>
         </p:style>
-        <p:txBody>
-          <a:bodyPr lIns="90000" rIns="90000" tIns="91440" bIns="91440">
-            <a:normAutofit/>
-          </a:bodyPr>
+      </p:sp>
+      <p:sp>
+        <p:nvSpPr>
+          <p:cNvPr id="108" name="CustomShape 2"/>
+          <p:cNvSpPr/>
+          <p:nvPr/>
+        </p:nvSpPr>
+        <p:spPr>
+          <a:xfrm>
+            <a:off x="311760" y="1152360"/>
+            <a:ext cx="8499600" cy="3395520"/>
+          </a:xfrm>
+          <a:prstGeom prst="rect">
+            <a:avLst/>
+          </a:prstGeom>
+          <a:noFill/>
+          <a:ln>
+            <a:noFill/>
+          </a:ln>
+        </p:spPr>
+        <p:style>
+          <a:lnRef idx="0"/>
+          <a:fillRef idx="0"/>
+          <a:effectRef idx="0"/>
+          <a:fontRef idx="minor"/>
+        </p:style>
+        <p:txBody>
+          <a:bodyPr lIns="90000" rIns="90000" tIns="91440" bIns="91440"/>
           <a:p>
             <a:pPr>
               <a:lnSpc>
                 <a:spcPct val="115000"/>
               </a:lnSpc>
-              <a:spcAft>
-                <a:spcPts val="1199"/>
-              </a:spcAft>
             </a:pPr>
             <a:r>
               <a:rPr b="0" lang="en-US" sz="1800" spc="-1" strike="noStrike">
@@ -3421,6 +3445,55 @@
               <a:t>+++ EXTRA_SLIDE +++</a:t>
             </a:r>
             <a:endParaRPr b="0" lang="en-US" sz="1800" spc="-1" strike="noStrike">
+              <a:latin typeface="Arial"/>
+            </a:endParaRPr>
+          </a:p>
+        </p:txBody>
+      </p:sp>
+      <p:sp>
+        <p:nvSpPr>
+          <p:cNvPr id="109" name="CustomShape 3"/>
+          <p:cNvSpPr/>
+          <p:nvPr/>
+        </p:nvSpPr>
+        <p:spPr>
+          <a:xfrm>
+            <a:off x="8556840" y="4749840"/>
+            <a:ext cx="546480" cy="391320"/>
+          </a:xfrm>
+          <a:prstGeom prst="rect">
+            <a:avLst/>
+          </a:prstGeom>
+          <a:noFill/>
+          <a:ln>
+            <a:noFill/>
+          </a:ln>
+        </p:spPr>
+        <p:style>
+          <a:lnRef idx="0"/>
+          <a:fillRef idx="0"/>
+          <a:effectRef idx="0"/>
+          <a:fontRef idx="minor"/>
+        </p:style>
+        <p:txBody>
+          <a:bodyPr lIns="90000" rIns="90000" tIns="91440" bIns="91440"/>
+          <a:p>
+            <a:pPr algn="r">
+              <a:lnSpc>
+                <a:spcPct val="100000"/>
+              </a:lnSpc>
+            </a:pPr>
+            <a:fld id="{07C55F8B-73BE-4249-809D-A30D85F9AC90}" type="slidenum">
+              <a:rPr b="0" lang="en-US" sz="1300" spc="-1" strike="noStrike">
+                <a:solidFill>
+                  <a:srgbClr val="000000"/>
+                </a:solidFill>
+                <a:latin typeface="Arial"/>
+                <a:ea typeface="Arial"/>
+              </a:rPr>
+              <a:t>&lt;number&gt;</a:t>
+            </a:fld>
+            <a:endParaRPr b="0" lang="en-US" sz="1300" spc="-1" strike="noStrike">
               <a:latin typeface="Arial"/>
             </a:endParaRPr>
           </a:p>
@@ -3477,14 +3550,14 @@
       </p:grpSpPr>
       <p:sp>
         <p:nvSpPr>
-          <p:cNvPr id="97" name="CustomShape 1"/>
+          <p:cNvPr id="110" name="CustomShape 1"/>
           <p:cNvSpPr/>
           <p:nvPr/>
         </p:nvSpPr>
         <p:spPr>
           <a:xfrm>
             <a:off x="311760" y="1152360"/>
-            <a:ext cx="8502120" cy="3398040"/>
+            <a:ext cx="8499600" cy="3395520"/>
           </a:xfrm>
           <a:prstGeom prst="rect">
             <a:avLst/>
@@ -3501,17 +3574,12 @@
           <a:fontRef idx="minor"/>
         </p:style>
         <p:txBody>
-          <a:bodyPr lIns="90000" rIns="90000" tIns="91440" bIns="91440">
-            <a:normAutofit/>
-          </a:bodyPr>
+          <a:bodyPr lIns="90000" rIns="90000" tIns="91440" bIns="91440"/>
           <a:p>
             <a:pPr>
               <a:lnSpc>
                 <a:spcPct val="115000"/>
               </a:lnSpc>
-              <a:spcAft>
-                <a:spcPts val="1199"/>
-              </a:spcAft>
             </a:pPr>
             <a:r>
               <a:rPr b="0" lang="en-US" sz="1800" spc="-1" strike="noStrike">
@@ -3524,6 +3592,55 @@
               <a:t>+++ EXTRA_SLIDE +++</a:t>
             </a:r>
             <a:endParaRPr b="0" lang="en-US" sz="1800" spc="-1" strike="noStrike">
+              <a:latin typeface="Arial"/>
+            </a:endParaRPr>
+          </a:p>
+        </p:txBody>
+      </p:sp>
+      <p:sp>
+        <p:nvSpPr>
+          <p:cNvPr id="111" name="CustomShape 2"/>
+          <p:cNvSpPr/>
+          <p:nvPr/>
+        </p:nvSpPr>
+        <p:spPr>
+          <a:xfrm>
+            <a:off x="8556840" y="4749840"/>
+            <a:ext cx="546480" cy="391320"/>
+          </a:xfrm>
+          <a:prstGeom prst="rect">
+            <a:avLst/>
+          </a:prstGeom>
+          <a:noFill/>
+          <a:ln>
+            <a:noFill/>
+          </a:ln>
+        </p:spPr>
+        <p:style>
+          <a:lnRef idx="0"/>
+          <a:fillRef idx="0"/>
+          <a:effectRef idx="0"/>
+          <a:fontRef idx="minor"/>
+        </p:style>
+        <p:txBody>
+          <a:bodyPr lIns="90000" rIns="90000" tIns="91440" bIns="91440"/>
+          <a:p>
+            <a:pPr algn="r">
+              <a:lnSpc>
+                <a:spcPct val="100000"/>
+              </a:lnSpc>
+            </a:pPr>
+            <a:fld id="{F8537EB6-274D-4E94-9D57-9BF0B0C99FBD}" type="slidenum">
+              <a:rPr b="0" lang="en-US" sz="1300" spc="-1" strike="noStrike">
+                <a:solidFill>
+                  <a:srgbClr val="000000"/>
+                </a:solidFill>
+                <a:latin typeface="Arial"/>
+                <a:ea typeface="Arial"/>
+              </a:rPr>
+              <a:t>&lt;number&gt;</a:t>
+            </a:fld>
+            <a:endParaRPr b="0" lang="en-US" sz="1300" spc="-1" strike="noStrike">
               <a:latin typeface="Arial"/>
             </a:endParaRPr>
           </a:p>
@@ -3580,14 +3697,14 @@
       </p:grpSpPr>
       <p:sp>
         <p:nvSpPr>
-          <p:cNvPr id="98" name="CustomShape 1"/>
+          <p:cNvPr id="112" name="CustomShape 1"/>
           <p:cNvSpPr/>
           <p:nvPr/>
         </p:nvSpPr>
         <p:spPr>
           <a:xfrm>
             <a:off x="311760" y="1152360"/>
-            <a:ext cx="8502120" cy="3398040"/>
+            <a:ext cx="8499600" cy="3395520"/>
           </a:xfrm>
           <a:prstGeom prst="rect">
             <a:avLst/>
@@ -3604,17 +3721,12 @@
           <a:fontRef idx="minor"/>
         </p:style>
         <p:txBody>
-          <a:bodyPr lIns="90000" rIns="90000" tIns="91440" bIns="91440">
-            <a:normAutofit/>
-          </a:bodyPr>
+          <a:bodyPr lIns="90000" rIns="90000" tIns="91440" bIns="91440"/>
           <a:p>
             <a:pPr>
               <a:lnSpc>
                 <a:spcPct val="115000"/>
               </a:lnSpc>
-              <a:spcAft>
-                <a:spcPts val="1199"/>
-              </a:spcAft>
             </a:pPr>
             <a:r>
               <a:rPr b="0" lang="en-US" sz="1800" spc="-1" strike="noStrike">
@@ -3627,6 +3739,55 @@
               <a:t>+++ EXTRA_SLIDE +++</a:t>
             </a:r>
             <a:endParaRPr b="0" lang="en-US" sz="1800" spc="-1" strike="noStrike">
+              <a:latin typeface="Arial"/>
+            </a:endParaRPr>
+          </a:p>
+        </p:txBody>
+      </p:sp>
+      <p:sp>
+        <p:nvSpPr>
+          <p:cNvPr id="113" name="CustomShape 2"/>
+          <p:cNvSpPr/>
+          <p:nvPr/>
+        </p:nvSpPr>
+        <p:spPr>
+          <a:xfrm>
+            <a:off x="8556840" y="4749840"/>
+            <a:ext cx="546480" cy="391320"/>
+          </a:xfrm>
+          <a:prstGeom prst="rect">
+            <a:avLst/>
+          </a:prstGeom>
+          <a:noFill/>
+          <a:ln>
+            <a:noFill/>
+          </a:ln>
+        </p:spPr>
+        <p:style>
+          <a:lnRef idx="0"/>
+          <a:fillRef idx="0"/>
+          <a:effectRef idx="0"/>
+          <a:fontRef idx="minor"/>
+        </p:style>
+        <p:txBody>
+          <a:bodyPr lIns="90000" rIns="90000" tIns="91440" bIns="91440"/>
+          <a:p>
+            <a:pPr algn="r">
+              <a:lnSpc>
+                <a:spcPct val="100000"/>
+              </a:lnSpc>
+            </a:pPr>
+            <a:fld id="{945D7F4D-845B-493A-9B50-CB8807188B4D}" type="slidenum">
+              <a:rPr b="0" lang="en-US" sz="1300" spc="-1" strike="noStrike">
+                <a:solidFill>
+                  <a:srgbClr val="000000"/>
+                </a:solidFill>
+                <a:latin typeface="Arial"/>
+                <a:ea typeface="Arial"/>
+              </a:rPr>
+              <a:t>&lt;number&gt;</a:t>
+            </a:fld>
+            <a:endParaRPr b="0" lang="en-US" sz="1300" spc="-1" strike="noStrike">
               <a:latin typeface="Arial"/>
             </a:endParaRPr>
           </a:p>
@@ -3683,14 +3844,14 @@
       </p:grpSpPr>
       <p:sp>
         <p:nvSpPr>
-          <p:cNvPr id="99" name="CustomShape 1"/>
+          <p:cNvPr id="114" name="CustomShape 1"/>
           <p:cNvSpPr/>
           <p:nvPr/>
         </p:nvSpPr>
         <p:spPr>
           <a:xfrm>
             <a:off x="311760" y="1152360"/>
-            <a:ext cx="8502120" cy="3398040"/>
+            <a:ext cx="8499600" cy="3395520"/>
           </a:xfrm>
           <a:prstGeom prst="rect">
             <a:avLst/>
@@ -3707,17 +3868,12 @@
           <a:fontRef idx="minor"/>
         </p:style>
         <p:txBody>
-          <a:bodyPr lIns="90000" rIns="90000" tIns="91440" bIns="91440">
-            <a:normAutofit/>
-          </a:bodyPr>
+          <a:bodyPr lIns="90000" rIns="90000" tIns="91440" bIns="91440"/>
           <a:p>
             <a:pPr>
               <a:lnSpc>
                 <a:spcPct val="115000"/>
               </a:lnSpc>
-              <a:spcAft>
-                <a:spcPts val="1199"/>
-              </a:spcAft>
             </a:pPr>
             <a:r>
               <a:rPr b="0" lang="en-US" sz="1800" spc="-1" strike="noStrike">
@@ -3730,6 +3886,55 @@
               <a:t>+++ EXTRA_SLIDE +++</a:t>
             </a:r>
             <a:endParaRPr b="0" lang="en-US" sz="1800" spc="-1" strike="noStrike">
+              <a:latin typeface="Arial"/>
+            </a:endParaRPr>
+          </a:p>
+        </p:txBody>
+      </p:sp>
+      <p:sp>
+        <p:nvSpPr>
+          <p:cNvPr id="115" name="CustomShape 2"/>
+          <p:cNvSpPr/>
+          <p:nvPr/>
+        </p:nvSpPr>
+        <p:spPr>
+          <a:xfrm>
+            <a:off x="8556840" y="4749840"/>
+            <a:ext cx="546480" cy="391320"/>
+          </a:xfrm>
+          <a:prstGeom prst="rect">
+            <a:avLst/>
+          </a:prstGeom>
+          <a:noFill/>
+          <a:ln>
+            <a:noFill/>
+          </a:ln>
+        </p:spPr>
+        <p:style>
+          <a:lnRef idx="0"/>
+          <a:fillRef idx="0"/>
+          <a:effectRef idx="0"/>
+          <a:fontRef idx="minor"/>
+        </p:style>
+        <p:txBody>
+          <a:bodyPr lIns="90000" rIns="90000" tIns="91440" bIns="91440"/>
+          <a:p>
+            <a:pPr algn="r">
+              <a:lnSpc>
+                <a:spcPct val="100000"/>
+              </a:lnSpc>
+            </a:pPr>
+            <a:fld id="{D0706E41-6734-49AB-9438-071459A1779C}" type="slidenum">
+              <a:rPr b="0" lang="en-US" sz="1300" spc="-1" strike="noStrike">
+                <a:solidFill>
+                  <a:srgbClr val="000000"/>
+                </a:solidFill>
+                <a:latin typeface="Arial"/>
+                <a:ea typeface="Arial"/>
+              </a:rPr>
+              <a:t>&lt;number&gt;</a:t>
+            </a:fld>
+            <a:endParaRPr b="0" lang="en-US" sz="1300" spc="-1" strike="noStrike">
               <a:latin typeface="Arial"/>
             </a:endParaRPr>
           </a:p>
@@ -3786,14 +3991,14 @@
       </p:grpSpPr>
       <p:sp>
         <p:nvSpPr>
-          <p:cNvPr id="100" name="CustomShape 1"/>
+          <p:cNvPr id="116" name="CustomShape 1"/>
           <p:cNvSpPr/>
           <p:nvPr/>
         </p:nvSpPr>
         <p:spPr>
           <a:xfrm>
             <a:off x="311760" y="1152360"/>
-            <a:ext cx="8502120" cy="3398040"/>
+            <a:ext cx="8499600" cy="3395520"/>
           </a:xfrm>
           <a:prstGeom prst="rect">
             <a:avLst/>
@@ -3810,17 +4015,12 @@
           <a:fontRef idx="minor"/>
         </p:style>
         <p:txBody>
-          <a:bodyPr lIns="90000" rIns="90000" tIns="91440" bIns="91440">
-            <a:normAutofit/>
-          </a:bodyPr>
+          <a:bodyPr lIns="90000" rIns="90000" tIns="91440" bIns="91440"/>
           <a:p>
             <a:pPr>
               <a:lnSpc>
                 <a:spcPct val="115000"/>
               </a:lnSpc>
-              <a:spcAft>
-                <a:spcPts val="1199"/>
-              </a:spcAft>
             </a:pPr>
             <a:r>
               <a:rPr b="0" lang="en-US" sz="1800" spc="-1" strike="noStrike">
@@ -3833,6 +4033,55 @@
               <a:t>+++ EXTRA_SLIDE +++</a:t>
             </a:r>
             <a:endParaRPr b="0" lang="en-US" sz="1800" spc="-1" strike="noStrike">
+              <a:latin typeface="Arial"/>
+            </a:endParaRPr>
+          </a:p>
+        </p:txBody>
+      </p:sp>
+      <p:sp>
+        <p:nvSpPr>
+          <p:cNvPr id="117" name="CustomShape 2"/>
+          <p:cNvSpPr/>
+          <p:nvPr/>
+        </p:nvSpPr>
+        <p:spPr>
+          <a:xfrm>
+            <a:off x="8556840" y="4749840"/>
+            <a:ext cx="546480" cy="391320"/>
+          </a:xfrm>
+          <a:prstGeom prst="rect">
+            <a:avLst/>
+          </a:prstGeom>
+          <a:noFill/>
+          <a:ln>
+            <a:noFill/>
+          </a:ln>
+        </p:spPr>
+        <p:style>
+          <a:lnRef idx="0"/>
+          <a:fillRef idx="0"/>
+          <a:effectRef idx="0"/>
+          <a:fontRef idx="minor"/>
+        </p:style>
+        <p:txBody>
+          <a:bodyPr lIns="90000" rIns="90000" tIns="91440" bIns="91440"/>
+          <a:p>
+            <a:pPr algn="r">
+              <a:lnSpc>
+                <a:spcPct val="100000"/>
+              </a:lnSpc>
+            </a:pPr>
+            <a:fld id="{B55DB10B-8F49-47E1-9717-28B01480E40A}" type="slidenum">
+              <a:rPr b="0" lang="en-US" sz="1300" spc="-1" strike="noStrike">
+                <a:solidFill>
+                  <a:srgbClr val="000000"/>
+                </a:solidFill>
+                <a:latin typeface="Arial"/>
+                <a:ea typeface="Arial"/>
+              </a:rPr>
+              <a:t>&lt;number&gt;</a:t>
+            </a:fld>
+            <a:endParaRPr b="0" lang="en-US" sz="1300" spc="-1" strike="noStrike">
               <a:latin typeface="Arial"/>
             </a:endParaRPr>
           </a:p>
@@ -3889,14 +4138,14 @@
       </p:grpSpPr>
       <p:sp>
         <p:nvSpPr>
-          <p:cNvPr id="101" name="CustomShape 1"/>
+          <p:cNvPr id="118" name="CustomShape 1"/>
           <p:cNvSpPr/>
           <p:nvPr/>
         </p:nvSpPr>
         <p:spPr>
           <a:xfrm>
             <a:off x="311760" y="1152360"/>
-            <a:ext cx="8502120" cy="3398040"/>
+            <a:ext cx="8499600" cy="3395520"/>
           </a:xfrm>
           <a:prstGeom prst="rect">
             <a:avLst/>
@@ -3913,17 +4162,12 @@
           <a:fontRef idx="minor"/>
         </p:style>
         <p:txBody>
-          <a:bodyPr lIns="90000" rIns="90000" tIns="91440" bIns="91440">
-            <a:normAutofit/>
-          </a:bodyPr>
+          <a:bodyPr lIns="90000" rIns="90000" tIns="91440" bIns="91440"/>
           <a:p>
             <a:pPr>
               <a:lnSpc>
                 <a:spcPct val="115000"/>
               </a:lnSpc>
-              <a:spcAft>
-                <a:spcPts val="1199"/>
-              </a:spcAft>
             </a:pPr>
             <a:r>
               <a:rPr b="0" lang="en-US" sz="1800" spc="-1" strike="noStrike">
@@ -3941,6 +4185,55 @@
           </a:p>
         </p:txBody>
       </p:sp>
+      <p:sp>
+        <p:nvSpPr>
+          <p:cNvPr id="119" name="CustomShape 2"/>
+          <p:cNvSpPr/>
+          <p:nvPr/>
+        </p:nvSpPr>
+        <p:spPr>
+          <a:xfrm>
+            <a:off x="8556840" y="4749840"/>
+            <a:ext cx="546480" cy="391320"/>
+          </a:xfrm>
+          <a:prstGeom prst="rect">
+            <a:avLst/>
+          </a:prstGeom>
+          <a:noFill/>
+          <a:ln>
+            <a:noFill/>
+          </a:ln>
+        </p:spPr>
+        <p:style>
+          <a:lnRef idx="0"/>
+          <a:fillRef idx="0"/>
+          <a:effectRef idx="0"/>
+          <a:fontRef idx="minor"/>
+        </p:style>
+        <p:txBody>
+          <a:bodyPr lIns="90000" rIns="90000" tIns="91440" bIns="91440"/>
+          <a:p>
+            <a:pPr algn="r">
+              <a:lnSpc>
+                <a:spcPct val="100000"/>
+              </a:lnSpc>
+            </a:pPr>
+            <a:fld id="{F808318F-D4D6-40B8-B06D-FAFEB6D19CFE}" type="slidenum">
+              <a:rPr b="0" lang="en-US" sz="1300" spc="-1" strike="noStrike">
+                <a:solidFill>
+                  <a:srgbClr val="000000"/>
+                </a:solidFill>
+                <a:latin typeface="Arial"/>
+                <a:ea typeface="Arial"/>
+              </a:rPr>
+              <a:t>&lt;number&gt;</a:t>
+            </a:fld>
+            <a:endParaRPr b="0" lang="en-US" sz="1300" spc="-1" strike="noStrike">
+              <a:latin typeface="Arial"/>
+            </a:endParaRPr>
+          </a:p>
+        </p:txBody>
+      </p:sp>
     </p:spTree>
   </p:cSld>
   <p:timing>
@@ -3950,6 +4243,447 @@
           <p:childTnLst>
             <p:seq>
               <p:cTn id="30" dur="indefinite" nodeType="mainSeq"/>
+              <p:prevCondLst>
+                <p:cond delay="0" evt="onPrev">
+                  <p:tgtEl>
+                    <p:sldTgt/>
+                  </p:tgtEl>
+                </p:cond>
+              </p:prevCondLst>
+              <p:nextCondLst>
+                <p:cond delay="0" evt="onNext">
+                  <p:tgtEl>
+                    <p:sldTgt/>
+                  </p:tgtEl>
+                </p:cond>
+              </p:nextCondLst>
+            </p:seq>
+          </p:childTnLst>
+        </p:cTn>
+      </p:par>
+    </p:tnLst>
+  </p:timing>
+</p:sld>
+</file>
+
+<file path=ppt/slides/slide16.xml><?xml version="1.0" encoding="utf-8"?>
+<p:sld xmlns:a="http://schemas.openxmlformats.org/drawingml/2006/main" xmlns:p="http://schemas.openxmlformats.org/presentationml/2006/main" xmlns:r="http://schemas.openxmlformats.org/officeDocument/2006/relationships" xmlns:p14="http://schemas.microsoft.com/office/powerpoint/2010/main" xmlns:p15="http://schemas.microsoft.com/office/powerpoint/2012/main" xmlns:mc="http://schemas.openxmlformats.org/markup-compatibility/2006">
+  <p:cSld>
+    <p:spTree>
+      <p:nvGrpSpPr>
+        <p:cNvPr id="1" name=""/>
+        <p:cNvGrpSpPr/>
+        <p:nvPr/>
+      </p:nvGrpSpPr>
+      <p:grpSpPr>
+        <a:xfrm>
+          <a:off x="0" y="0"/>
+          <a:ext cx="0" cy="0"/>
+          <a:chOff x="0" y="0"/>
+          <a:chExt cx="0" cy="0"/>
+        </a:xfrm>
+      </p:grpSpPr>
+      <p:sp>
+        <p:nvSpPr>
+          <p:cNvPr id="120" name="CustomShape 1"/>
+          <p:cNvSpPr/>
+          <p:nvPr/>
+        </p:nvSpPr>
+        <p:spPr>
+          <a:xfrm>
+            <a:off x="311760" y="1152360"/>
+            <a:ext cx="8499600" cy="3395520"/>
+          </a:xfrm>
+          <a:prstGeom prst="rect">
+            <a:avLst/>
+          </a:prstGeom>
+          <a:noFill/>
+          <a:ln>
+            <a:noFill/>
+          </a:ln>
+        </p:spPr>
+        <p:style>
+          <a:lnRef idx="0"/>
+          <a:fillRef idx="0"/>
+          <a:effectRef idx="0"/>
+          <a:fontRef idx="minor"/>
+        </p:style>
+        <p:txBody>
+          <a:bodyPr lIns="90000" rIns="90000" tIns="91440" bIns="91440"/>
+          <a:p>
+            <a:pPr>
+              <a:lnSpc>
+                <a:spcPct val="115000"/>
+              </a:lnSpc>
+            </a:pPr>
+            <a:r>
+              <a:rPr b="0" lang="en-US" sz="1800" spc="-1" strike="noStrike">
+                <a:solidFill>
+                  <a:srgbClr val="595959"/>
+                </a:solidFill>
+                <a:latin typeface="Arial"/>
+                <a:ea typeface="Arial"/>
+              </a:rPr>
+              <a:t>+++ EXTRA_SLIDE +++</a:t>
+            </a:r>
+            <a:endParaRPr b="0" lang="en-US" sz="1800" spc="-1" strike="noStrike">
+              <a:latin typeface="Arial"/>
+            </a:endParaRPr>
+          </a:p>
+        </p:txBody>
+      </p:sp>
+      <p:sp>
+        <p:nvSpPr>
+          <p:cNvPr id="121" name="CustomShape 2"/>
+          <p:cNvSpPr/>
+          <p:nvPr/>
+        </p:nvSpPr>
+        <p:spPr>
+          <a:xfrm>
+            <a:off x="8556840" y="4749840"/>
+            <a:ext cx="546480" cy="391320"/>
+          </a:xfrm>
+          <a:prstGeom prst="rect">
+            <a:avLst/>
+          </a:prstGeom>
+          <a:noFill/>
+          <a:ln>
+            <a:noFill/>
+          </a:ln>
+        </p:spPr>
+        <p:style>
+          <a:lnRef idx="0"/>
+          <a:fillRef idx="0"/>
+          <a:effectRef idx="0"/>
+          <a:fontRef idx="minor"/>
+        </p:style>
+        <p:txBody>
+          <a:bodyPr lIns="90000" rIns="90000" tIns="91440" bIns="91440"/>
+          <a:p>
+            <a:pPr algn="r">
+              <a:lnSpc>
+                <a:spcPct val="100000"/>
+              </a:lnSpc>
+            </a:pPr>
+            <a:fld id="{A000CDFC-398E-406D-8E0D-6BEAA6931087}" type="slidenum">
+              <a:rPr b="0" lang="en-US" sz="1300" spc="-1" strike="noStrike">
+                <a:solidFill>
+                  <a:srgbClr val="000000"/>
+                </a:solidFill>
+                <a:latin typeface="Arial"/>
+                <a:ea typeface="Arial"/>
+              </a:rPr>
+              <a:t>&lt;number&gt;</a:t>
+            </a:fld>
+            <a:endParaRPr b="0" lang="en-US" sz="1300" spc="-1" strike="noStrike">
+              <a:latin typeface="Arial"/>
+            </a:endParaRPr>
+          </a:p>
+        </p:txBody>
+      </p:sp>
+    </p:spTree>
+  </p:cSld>
+  <p:timing>
+    <p:tnLst>
+      <p:par>
+        <p:cTn id="31" dur="indefinite" restart="never" nodeType="tmRoot">
+          <p:childTnLst>
+            <p:seq>
+              <p:cTn id="32" dur="indefinite" nodeType="mainSeq"/>
+              <p:prevCondLst>
+                <p:cond delay="0" evt="onPrev">
+                  <p:tgtEl>
+                    <p:sldTgt/>
+                  </p:tgtEl>
+                </p:cond>
+              </p:prevCondLst>
+              <p:nextCondLst>
+                <p:cond delay="0" evt="onNext">
+                  <p:tgtEl>
+                    <p:sldTgt/>
+                  </p:tgtEl>
+                </p:cond>
+              </p:nextCondLst>
+            </p:seq>
+          </p:childTnLst>
+        </p:cTn>
+      </p:par>
+    </p:tnLst>
+  </p:timing>
+</p:sld>
+</file>
+
+<file path=ppt/slides/slide17.xml><?xml version="1.0" encoding="utf-8"?>
+<p:sld xmlns:a="http://schemas.openxmlformats.org/drawingml/2006/main" xmlns:p="http://schemas.openxmlformats.org/presentationml/2006/main" xmlns:r="http://schemas.openxmlformats.org/officeDocument/2006/relationships" xmlns:p14="http://schemas.microsoft.com/office/powerpoint/2010/main" xmlns:p15="http://schemas.microsoft.com/office/powerpoint/2012/main" xmlns:mc="http://schemas.openxmlformats.org/markup-compatibility/2006">
+  <p:cSld>
+    <p:spTree>
+      <p:nvGrpSpPr>
+        <p:cNvPr id="1" name=""/>
+        <p:cNvGrpSpPr/>
+        <p:nvPr/>
+      </p:nvGrpSpPr>
+      <p:grpSpPr>
+        <a:xfrm>
+          <a:off x="0" y="0"/>
+          <a:ext cx="0" cy="0"/>
+          <a:chOff x="0" y="0"/>
+          <a:chExt cx="0" cy="0"/>
+        </a:xfrm>
+      </p:grpSpPr>
+      <p:sp>
+        <p:nvSpPr>
+          <p:cNvPr id="122" name="CustomShape 1"/>
+          <p:cNvSpPr/>
+          <p:nvPr/>
+        </p:nvSpPr>
+        <p:spPr>
+          <a:xfrm>
+            <a:off x="8556840" y="4749840"/>
+            <a:ext cx="546480" cy="391320"/>
+          </a:xfrm>
+          <a:prstGeom prst="rect">
+            <a:avLst/>
+          </a:prstGeom>
+          <a:noFill/>
+          <a:ln>
+            <a:noFill/>
+          </a:ln>
+        </p:spPr>
+        <p:style>
+          <a:lnRef idx="0"/>
+          <a:fillRef idx="0"/>
+          <a:effectRef idx="0"/>
+          <a:fontRef idx="minor"/>
+        </p:style>
+        <p:txBody>
+          <a:bodyPr lIns="90000" rIns="90000" tIns="91440" bIns="91440"/>
+          <a:p>
+            <a:pPr algn="r">
+              <a:lnSpc>
+                <a:spcPct val="100000"/>
+              </a:lnSpc>
+            </a:pPr>
+            <a:fld id="{A0095561-29CD-4E2F-9885-877663013083}" type="slidenum">
+              <a:rPr b="0" lang="en-US" sz="1300" spc="-1" strike="noStrike">
+                <a:solidFill>
+                  <a:srgbClr val="000000"/>
+                </a:solidFill>
+                <a:latin typeface="Arial"/>
+                <a:ea typeface="Arial"/>
+              </a:rPr>
+              <a:t>&lt;number&gt;</a:t>
+            </a:fld>
+            <a:endParaRPr b="0" lang="en-US" sz="1300" spc="-1" strike="noStrike">
+              <a:latin typeface="Arial"/>
+            </a:endParaRPr>
+          </a:p>
+        </p:txBody>
+      </p:sp>
+    </p:spTree>
+  </p:cSld>
+  <p:timing>
+    <p:tnLst>
+      <p:par>
+        <p:cTn id="33" dur="indefinite" restart="never" nodeType="tmRoot">
+          <p:childTnLst>
+            <p:seq>
+              <p:cTn id="34" dur="indefinite" nodeType="mainSeq"/>
+              <p:prevCondLst>
+                <p:cond delay="0" evt="onPrev">
+                  <p:tgtEl>
+                    <p:sldTgt/>
+                  </p:tgtEl>
+                </p:cond>
+              </p:prevCondLst>
+              <p:nextCondLst>
+                <p:cond delay="0" evt="onNext">
+                  <p:tgtEl>
+                    <p:sldTgt/>
+                  </p:tgtEl>
+                </p:cond>
+              </p:nextCondLst>
+            </p:seq>
+          </p:childTnLst>
+        </p:cTn>
+      </p:par>
+    </p:tnLst>
+  </p:timing>
+</p:sld>
+</file>
+
+<file path=ppt/slides/slide18.xml><?xml version="1.0" encoding="utf-8"?>
+<p:sld xmlns:a="http://schemas.openxmlformats.org/drawingml/2006/main" xmlns:p="http://schemas.openxmlformats.org/presentationml/2006/main" xmlns:r="http://schemas.openxmlformats.org/officeDocument/2006/relationships" xmlns:p14="http://schemas.microsoft.com/office/powerpoint/2010/main" xmlns:p15="http://schemas.microsoft.com/office/powerpoint/2012/main" xmlns:mc="http://schemas.openxmlformats.org/markup-compatibility/2006">
+  <p:cSld>
+    <p:spTree>
+      <p:nvGrpSpPr>
+        <p:cNvPr id="1" name=""/>
+        <p:cNvGrpSpPr/>
+        <p:nvPr/>
+      </p:nvGrpSpPr>
+      <p:grpSpPr>
+        <a:xfrm>
+          <a:off x="0" y="0"/>
+          <a:ext cx="0" cy="0"/>
+          <a:chOff x="0" y="0"/>
+          <a:chExt cx="0" cy="0"/>
+        </a:xfrm>
+      </p:grpSpPr>
+      <p:sp>
+        <p:nvSpPr>
+          <p:cNvPr id="123" name="CustomShape 1"/>
+          <p:cNvSpPr/>
+          <p:nvPr/>
+        </p:nvSpPr>
+        <p:spPr>
+          <a:xfrm>
+            <a:off x="8556840" y="4749840"/>
+            <a:ext cx="546480" cy="391320"/>
+          </a:xfrm>
+          <a:prstGeom prst="rect">
+            <a:avLst/>
+          </a:prstGeom>
+          <a:noFill/>
+          <a:ln>
+            <a:noFill/>
+          </a:ln>
+        </p:spPr>
+        <p:style>
+          <a:lnRef idx="0"/>
+          <a:fillRef idx="0"/>
+          <a:effectRef idx="0"/>
+          <a:fontRef idx="minor"/>
+        </p:style>
+        <p:txBody>
+          <a:bodyPr lIns="90000" rIns="90000" tIns="91440" bIns="91440"/>
+          <a:p>
+            <a:pPr algn="r">
+              <a:lnSpc>
+                <a:spcPct val="100000"/>
+              </a:lnSpc>
+            </a:pPr>
+            <a:fld id="{A8358125-D44F-4118-820D-EC4EA6A0C4EE}" type="slidenum">
+              <a:rPr b="0" lang="en-US" sz="1300" spc="-1" strike="noStrike">
+                <a:solidFill>
+                  <a:srgbClr val="000000"/>
+                </a:solidFill>
+                <a:latin typeface="Arial"/>
+                <a:ea typeface="Arial"/>
+              </a:rPr>
+              <a:t>&lt;number&gt;</a:t>
+            </a:fld>
+            <a:endParaRPr b="0" lang="en-US" sz="1300" spc="-1" strike="noStrike">
+              <a:latin typeface="Arial"/>
+            </a:endParaRPr>
+          </a:p>
+        </p:txBody>
+      </p:sp>
+    </p:spTree>
+  </p:cSld>
+  <p:timing>
+    <p:tnLst>
+      <p:par>
+        <p:cTn id="35" dur="indefinite" restart="never" nodeType="tmRoot">
+          <p:childTnLst>
+            <p:seq>
+              <p:cTn id="36" dur="indefinite" nodeType="mainSeq"/>
+              <p:prevCondLst>
+                <p:cond delay="0" evt="onPrev">
+                  <p:tgtEl>
+                    <p:sldTgt/>
+                  </p:tgtEl>
+                </p:cond>
+              </p:prevCondLst>
+              <p:nextCondLst>
+                <p:cond delay="0" evt="onNext">
+                  <p:tgtEl>
+                    <p:sldTgt/>
+                  </p:tgtEl>
+                </p:cond>
+              </p:nextCondLst>
+            </p:seq>
+          </p:childTnLst>
+        </p:cTn>
+      </p:par>
+    </p:tnLst>
+  </p:timing>
+</p:sld>
+</file>
+
+<file path=ppt/slides/slide19.xml><?xml version="1.0" encoding="utf-8"?>
+<p:sld xmlns:a="http://schemas.openxmlformats.org/drawingml/2006/main" xmlns:p="http://schemas.openxmlformats.org/presentationml/2006/main" xmlns:r="http://schemas.openxmlformats.org/officeDocument/2006/relationships" xmlns:p14="http://schemas.microsoft.com/office/powerpoint/2010/main" xmlns:p15="http://schemas.microsoft.com/office/powerpoint/2012/main" xmlns:mc="http://schemas.openxmlformats.org/markup-compatibility/2006">
+  <p:cSld>
+    <p:spTree>
+      <p:nvGrpSpPr>
+        <p:cNvPr id="1" name=""/>
+        <p:cNvGrpSpPr/>
+        <p:nvPr/>
+      </p:nvGrpSpPr>
+      <p:grpSpPr>
+        <a:xfrm>
+          <a:off x="0" y="0"/>
+          <a:ext cx="0" cy="0"/>
+          <a:chOff x="0" y="0"/>
+          <a:chExt cx="0" cy="0"/>
+        </a:xfrm>
+      </p:grpSpPr>
+      <p:sp>
+        <p:nvSpPr>
+          <p:cNvPr id="124" name="CustomShape 1"/>
+          <p:cNvSpPr/>
+          <p:nvPr/>
+        </p:nvSpPr>
+        <p:spPr>
+          <a:xfrm>
+            <a:off x="8556840" y="4749840"/>
+            <a:ext cx="546480" cy="391320"/>
+          </a:xfrm>
+          <a:prstGeom prst="rect">
+            <a:avLst/>
+          </a:prstGeom>
+          <a:noFill/>
+          <a:ln>
+            <a:noFill/>
+          </a:ln>
+        </p:spPr>
+        <p:style>
+          <a:lnRef idx="0"/>
+          <a:fillRef idx="0"/>
+          <a:effectRef idx="0"/>
+          <a:fontRef idx="minor"/>
+        </p:style>
+        <p:txBody>
+          <a:bodyPr lIns="90000" rIns="90000" tIns="91440" bIns="91440"/>
+          <a:p>
+            <a:pPr algn="r">
+              <a:lnSpc>
+                <a:spcPct val="100000"/>
+              </a:lnSpc>
+            </a:pPr>
+            <a:fld id="{E709851D-A96A-4E93-9BDB-3926801A2C99}" type="slidenum">
+              <a:rPr b="0" lang="en-US" sz="1300" spc="-1" strike="noStrike">
+                <a:solidFill>
+                  <a:srgbClr val="000000"/>
+                </a:solidFill>
+                <a:latin typeface="Arial"/>
+                <a:ea typeface="Arial"/>
+              </a:rPr>
+              <a:t>&lt;number&gt;</a:t>
+            </a:fld>
+            <a:endParaRPr b="0" lang="en-US" sz="1300" spc="-1" strike="noStrike">
+              <a:latin typeface="Arial"/>
+            </a:endParaRPr>
+          </a:p>
+        </p:txBody>
+      </p:sp>
+    </p:spTree>
+  </p:cSld>
+  <p:timing>
+    <p:tnLst>
+      <p:par>
+        <p:cTn id="37" dur="indefinite" restart="never" nodeType="tmRoot">
+          <p:childTnLst>
+            <p:seq>
+              <p:cTn id="38" dur="indefinite" nodeType="mainSeq"/>
               <p:prevCondLst>
                 <p:cond delay="0" evt="onPrev">
                   <p:tgtEl>
@@ -3998,8 +4732,8 @@
         </p:nvSpPr>
         <p:spPr>
           <a:xfrm>
-            <a:off x="311760" y="444960"/>
-            <a:ext cx="8502120" cy="554400"/>
+            <a:off x="365760" y="274320"/>
+            <a:ext cx="4021200" cy="344160"/>
           </a:xfrm>
           <a:prstGeom prst="rect">
             <a:avLst/>
@@ -4016,9 +4750,7 @@
           <a:fontRef idx="minor"/>
         </p:style>
         <p:txBody>
-          <a:bodyPr lIns="90000" rIns="90000" tIns="91440" bIns="91440">
-            <a:normAutofit/>
-          </a:bodyPr>
+          <a:bodyPr lIns="90000" rIns="90000" tIns="45000" bIns="45000"/>
           <a:p>
             <a:pPr>
               <a:lnSpc>
@@ -4026,16 +4758,16 @@
               </a:lnSpc>
             </a:pPr>
             <a:r>
-              <a:rPr b="0" lang="en-US" sz="2800" spc="-1" strike="noStrike">
+              <a:rPr b="1" lang="en-US" sz="2400" spc="-1" strike="noStrike">
                 <a:solidFill>
                   <a:srgbClr val="000000"/>
                 </a:solidFill>
                 <a:latin typeface="Arial"/>
                 <a:ea typeface="Arial"/>
               </a:rPr>
-              <a:t>+++INS image_title +++</a:t>
+              <a:t>Table of content</a:t>
             </a:r>
-            <a:endParaRPr b="0" lang="en-US" sz="2800" spc="-1" strike="noStrike">
+            <a:endParaRPr b="1" lang="en-US" sz="2400" spc="-1" strike="noStrike">
               <a:latin typeface="Arial"/>
             </a:endParaRPr>
           </a:p>
@@ -4049,8 +4781,8 @@
         </p:nvSpPr>
         <p:spPr>
           <a:xfrm>
-            <a:off x="311760" y="1152360"/>
-            <a:ext cx="8502120" cy="3398040"/>
+            <a:off x="8556840" y="4749840"/>
+            <a:ext cx="546480" cy="391320"/>
           </a:xfrm>
           <a:prstGeom prst="rect">
             <a:avLst/>
@@ -4067,27 +4799,81 @@
           <a:fontRef idx="minor"/>
         </p:style>
         <p:txBody>
-          <a:bodyPr lIns="90000" rIns="90000" tIns="91440" bIns="91440">
-            <a:normAutofit/>
-          </a:bodyPr>
+          <a:bodyPr lIns="90000" rIns="90000" tIns="91440" bIns="91440"/>
+          <a:p>
+            <a:pPr algn="r">
+              <a:lnSpc>
+                <a:spcPct val="100000"/>
+              </a:lnSpc>
+            </a:pPr>
+            <a:fld id="{04BA3A21-121E-4FF3-BC68-2BBB77A4BA1E}" type="slidenum">
+              <a:rPr b="0" lang="en-US" sz="1300" spc="-1" strike="noStrike">
+                <a:solidFill>
+                  <a:srgbClr val="000000"/>
+                </a:solidFill>
+                <a:latin typeface="Arial"/>
+                <a:ea typeface="Arial"/>
+              </a:rPr>
+              <a:t>&lt;number&gt;</a:t>
+            </a:fld>
+            <a:r>
+              <a:rPr b="0" lang="en-US" sz="1300" spc="-1" strike="noStrike">
+                <a:solidFill>
+                  <a:srgbClr val="000000"/>
+                </a:solidFill>
+                <a:latin typeface="Arial"/>
+                <a:ea typeface="Arial"/>
+              </a:rPr>
+              <a:t> </a:t>
+            </a:r>
+            <a:endParaRPr b="0" lang="en-US" sz="1300" spc="-1" strike="noStrike">
+              <a:latin typeface="Arial"/>
+            </a:endParaRPr>
+          </a:p>
+        </p:txBody>
+      </p:sp>
+      <p:sp>
+        <p:nvSpPr>
+          <p:cNvPr id="80" name="CustomShape 3"/>
+          <p:cNvSpPr/>
+          <p:nvPr/>
+        </p:nvSpPr>
+        <p:spPr>
+          <a:xfrm>
+            <a:off x="3291840" y="274320"/>
+            <a:ext cx="5210640" cy="344880"/>
+          </a:xfrm>
+          <a:prstGeom prst="rect">
+            <a:avLst/>
+          </a:prstGeom>
+          <a:noFill/>
+          <a:ln>
+            <a:noFill/>
+          </a:ln>
+        </p:spPr>
+        <p:style>
+          <a:lnRef idx="0"/>
+          <a:fillRef idx="0"/>
+          <a:effectRef idx="0"/>
+          <a:fontRef idx="minor"/>
+        </p:style>
+        <p:txBody>
+          <a:bodyPr lIns="90000" rIns="90000" tIns="45000" bIns="45000"/>
           <a:p>
             <a:pPr>
               <a:lnSpc>
-                <a:spcPct val="115000"/>
+                <a:spcPct val="100000"/>
               </a:lnSpc>
-              <a:spcAft>
-                <a:spcPts val="1199"/>
-              </a:spcAft>
             </a:pPr>
             <a:r>
               <a:rPr b="0" lang="en-US" sz="1800" spc="-1" strike="noStrike">
                 <a:solidFill>
-                  <a:srgbClr val="595959"/>
+                  <a:srgbClr val="000000"/>
                 </a:solidFill>
                 <a:latin typeface="Arial"/>
-                <a:ea typeface="Arial"/>
+                <a:ea typeface="DejaVu Sans"/>
               </a:rPr>
-              <a:t>+++IM sample_image +++</a:t>
+              <a:t>+++TOC toc +++</a:t>
             </a:r>
             <a:endParaRPr b="0" lang="en-US" sz="1800" spc="-1" strike="noStrike">
               <a:latin typeface="Arial"/>
@@ -4095,6 +4881,112 @@
           </a:p>
         </p:txBody>
       </p:sp>
+      <p:graphicFrame>
+        <p:nvGraphicFramePr>
+          <p:cNvPr id="81" name="Table 4"/>
+          <p:cNvGraphicFramePr/>
+          <p:nvPr/>
+        </p:nvGraphicFramePr>
+        <p:xfrm>
+          <a:off x="365760" y="822960"/>
+          <a:ext cx="8686440" cy="428400"/>
+        </p:xfrm>
+        <a:graphic>
+          <a:graphicData uri="http://schemas.openxmlformats.org/drawingml/2006/table">
+            <a:tbl>
+              <a:tblPr/>
+              <a:tblGrid>
+                <a:gridCol w="2894760"/>
+                <a:gridCol w="2894760"/>
+                <a:gridCol w="2897280"/>
+              </a:tblGrid>
+              <a:tr h="428760">
+                <a:tc>
+                  <a:tcPr marL="90000" marR="90000">
+                    <a:lnL w="720">
+                      <a:solidFill>
+                        <a:srgbClr val="ffffff"/>
+                      </a:solidFill>
+                    </a:lnL>
+                    <a:lnR w="720">
+                      <a:solidFill>
+                        <a:srgbClr val="ffffff"/>
+                      </a:solidFill>
+                    </a:lnR>
+                    <a:lnT w="720">
+                      <a:solidFill>
+                        <a:srgbClr val="ffffff"/>
+                      </a:solidFill>
+                    </a:lnT>
+                    <a:lnB w="720">
+                      <a:solidFill>
+                        <a:srgbClr val="ffffff"/>
+                      </a:solidFill>
+                    </a:lnB>
+                    <a:solidFill>
+                      <a:srgbClr val="ffffff"/>
+                    </a:solidFill>
+                  </a:tcPr>
+                </a:tc>
+                <a:tc>
+                  <a:tcPr marL="90000" marR="90000">
+                    <a:lnL w="720">
+                      <a:solidFill>
+                        <a:srgbClr val="ffffff"/>
+                      </a:solidFill>
+                    </a:lnL>
+                    <a:lnR w="720">
+                      <a:solidFill>
+                        <a:srgbClr val="ffffff"/>
+                      </a:solidFill>
+                    </a:lnR>
+                    <a:lnT w="720">
+                      <a:solidFill>
+                        <a:srgbClr val="ffffff"/>
+                      </a:solidFill>
+                    </a:lnT>
+                    <a:lnB w="720">
+                      <a:solidFill>
+                        <a:srgbClr val="ffffff"/>
+                      </a:solidFill>
+                    </a:lnB>
+                    <a:solidFill>
+                      <a:srgbClr val="ffffff"/>
+                    </a:solidFill>
+                  </a:tcPr>
+                </a:tc>
+                <a:tc>
+                  <a:tcPr marL="90000" marR="90000">
+                    <a:lnL w="720">
+                      <a:solidFill>
+                        <a:srgbClr val="ffffff"/>
+                      </a:solidFill>
+                    </a:lnL>
+                    <a:lnR w="720">
+                      <a:solidFill>
+                        <a:srgbClr val="ffffff"/>
+                      </a:solidFill>
+                    </a:lnR>
+                    <a:lnT w="720">
+                      <a:solidFill>
+                        <a:srgbClr val="ffffff"/>
+                      </a:solidFill>
+                    </a:lnT>
+                    <a:lnB w="720">
+                      <a:solidFill>
+                        <a:srgbClr val="ffffff"/>
+                      </a:solidFill>
+                    </a:lnB>
+                    <a:solidFill>
+                      <a:srgbClr val="ffffff"/>
+                    </a:solidFill>
+                  </a:tcPr>
+                </a:tc>
+              </a:tr>
+            </a:tbl>
+          </a:graphicData>
+        </a:graphic>
+      </p:graphicFrame>
     </p:spTree>
   </p:cSld>
   <p:timing>
@@ -4104,6 +4996,104 @@
           <p:childTnLst>
             <p:seq>
               <p:cTn id="4" dur="indefinite" nodeType="mainSeq"/>
+              <p:prevCondLst>
+                <p:cond delay="0" evt="onPrev">
+                  <p:tgtEl>
+                    <p:sldTgt/>
+                  </p:tgtEl>
+                </p:cond>
+              </p:prevCondLst>
+              <p:nextCondLst>
+                <p:cond delay="0" evt="onNext">
+                  <p:tgtEl>
+                    <p:sldTgt/>
+                  </p:tgtEl>
+                </p:cond>
+              </p:nextCondLst>
+            </p:seq>
+          </p:childTnLst>
+        </p:cTn>
+      </p:par>
+    </p:tnLst>
+  </p:timing>
+</p:sld>
+</file>
+
+<file path=ppt/slides/slide20.xml><?xml version="1.0" encoding="utf-8"?>
+<p:sld xmlns:a="http://schemas.openxmlformats.org/drawingml/2006/main" xmlns:p="http://schemas.openxmlformats.org/presentationml/2006/main" xmlns:r="http://schemas.openxmlformats.org/officeDocument/2006/relationships" xmlns:p14="http://schemas.microsoft.com/office/powerpoint/2010/main" xmlns:p15="http://schemas.microsoft.com/office/powerpoint/2012/main" xmlns:mc="http://schemas.openxmlformats.org/markup-compatibility/2006">
+  <p:cSld>
+    <p:spTree>
+      <p:nvGrpSpPr>
+        <p:cNvPr id="1" name=""/>
+        <p:cNvGrpSpPr/>
+        <p:nvPr/>
+      </p:nvGrpSpPr>
+      <p:grpSpPr>
+        <a:xfrm>
+          <a:off x="0" y="0"/>
+          <a:ext cx="0" cy="0"/>
+          <a:chOff x="0" y="0"/>
+          <a:chExt cx="0" cy="0"/>
+        </a:xfrm>
+      </p:grpSpPr>
+      <p:sp>
+        <p:nvSpPr>
+          <p:cNvPr id="125" name="CustomShape 1"/>
+          <p:cNvSpPr/>
+          <p:nvPr/>
+        </p:nvSpPr>
+        <p:spPr>
+          <a:xfrm>
+            <a:off x="8556840" y="4749840"/>
+            <a:ext cx="546480" cy="391320"/>
+          </a:xfrm>
+          <a:prstGeom prst="rect">
+            <a:avLst/>
+          </a:prstGeom>
+          <a:noFill/>
+          <a:ln>
+            <a:noFill/>
+          </a:ln>
+        </p:spPr>
+        <p:style>
+          <a:lnRef idx="0"/>
+          <a:fillRef idx="0"/>
+          <a:effectRef idx="0"/>
+          <a:fontRef idx="minor"/>
+        </p:style>
+        <p:txBody>
+          <a:bodyPr lIns="90000" rIns="90000" tIns="91440" bIns="91440"/>
+          <a:p>
+            <a:pPr algn="r">
+              <a:lnSpc>
+                <a:spcPct val="100000"/>
+              </a:lnSpc>
+            </a:pPr>
+            <a:fld id="{DAF2FABF-4AF6-4165-BF73-815FA1AD4A61}" type="slidenum">
+              <a:rPr b="0" lang="en-US" sz="1300" spc="-1" strike="noStrike">
+                <a:solidFill>
+                  <a:srgbClr val="000000"/>
+                </a:solidFill>
+                <a:latin typeface="Arial"/>
+                <a:ea typeface="Arial"/>
+              </a:rPr>
+              <a:t>&lt;number&gt;</a:t>
+            </a:fld>
+            <a:endParaRPr b="0" lang="en-US" sz="1300" spc="-1" strike="noStrike">
+              <a:latin typeface="Arial"/>
+            </a:endParaRPr>
+          </a:p>
+        </p:txBody>
+      </p:sp>
+    </p:spTree>
+  </p:cSld>
+  <p:timing>
+    <p:tnLst>
+      <p:par>
+        <p:cTn id="39" dur="indefinite" restart="never" nodeType="tmRoot">
+          <p:childTnLst>
+            <p:seq>
+              <p:cTn id="40" dur="indefinite" nodeType="mainSeq"/>
               <p:prevCondLst>
                 <p:cond delay="0" evt="onPrev">
                   <p:tgtEl>
@@ -4146,14 +5136,14 @@
       </p:grpSpPr>
       <p:sp>
         <p:nvSpPr>
-          <p:cNvPr id="80" name="CustomShape 1"/>
+          <p:cNvPr id="82" name="CustomShape 1"/>
           <p:cNvSpPr/>
           <p:nvPr/>
         </p:nvSpPr>
         <p:spPr>
           <a:xfrm>
-            <a:off x="731520" y="2419920"/>
-            <a:ext cx="7581240" cy="594000"/>
+            <a:off x="311760" y="444960"/>
+            <a:ext cx="8499600" cy="551880"/>
           </a:xfrm>
           <a:prstGeom prst="rect">
             <a:avLst/>
@@ -4170,7 +5160,7 @@
           <a:fontRef idx="minor"/>
         </p:style>
         <p:txBody>
-          <a:bodyPr lIns="90000" rIns="90000" tIns="45000" bIns="45000"/>
+          <a:bodyPr lIns="90000" rIns="90000" tIns="91440" bIns="91440"/>
           <a:p>
             <a:pPr>
               <a:lnSpc>
@@ -4178,16 +5168,163 @@
               </a:lnSpc>
             </a:pPr>
             <a:r>
-              <a:rPr b="0" lang="en-US" sz="1600" spc="-1" strike="noStrike">
+              <a:rPr b="0" lang="en-US" sz="2800" spc="-1" strike="noStrike">
+                <a:solidFill>
+                  <a:srgbClr val="000000"/>
+                </a:solidFill>
+                <a:latin typeface="Arial"/>
+                <a:ea typeface="Arial"/>
+              </a:rPr>
+              <a:t>+++INS image_title +++</a:t>
+            </a:r>
+            <a:endParaRPr b="0" lang="en-US" sz="2800" spc="-1" strike="noStrike">
+              <a:latin typeface="Arial"/>
+            </a:endParaRPr>
+          </a:p>
+        </p:txBody>
+      </p:sp>
+      <p:sp>
+        <p:nvSpPr>
+          <p:cNvPr id="83" name="CustomShape 2"/>
+          <p:cNvSpPr/>
+          <p:nvPr/>
+        </p:nvSpPr>
+        <p:spPr>
+          <a:xfrm>
+            <a:off x="311760" y="1152360"/>
+            <a:ext cx="8499600" cy="3395520"/>
+          </a:xfrm>
+          <a:prstGeom prst="rect">
+            <a:avLst/>
+          </a:prstGeom>
+          <a:noFill/>
+          <a:ln>
+            <a:noFill/>
+          </a:ln>
+        </p:spPr>
+        <p:style>
+          <a:lnRef idx="0"/>
+          <a:fillRef idx="0"/>
+          <a:effectRef idx="0"/>
+          <a:fontRef idx="minor"/>
+        </p:style>
+        <p:txBody>
+          <a:bodyPr lIns="90000" rIns="90000" tIns="91440" bIns="91440"/>
+          <a:p>
+            <a:pPr>
+              <a:lnSpc>
+                <a:spcPct val="115000"/>
+              </a:lnSpc>
+            </a:pPr>
+            <a:r>
+              <a:rPr b="0" lang="en-US" sz="1800" spc="-1" strike="noStrike">
                 <a:solidFill>
                   <a:srgbClr val="595959"/>
                 </a:solidFill>
                 <a:latin typeface="Arial"/>
                 <a:ea typeface="Arial"/>
               </a:rPr>
-              <a:t>+++IF (( project_description ))&lt;&lt; +++INS project_description +++ &gt;&gt;IF-END+++</a:t>
+              <a:t>+++IM sample_image +++</a:t>
             </a:r>
-            <a:endParaRPr b="0" lang="en-US" sz="1600" spc="-1" strike="noStrike">
+            <a:endParaRPr b="0" lang="en-US" sz="1800" spc="-1" strike="noStrike">
+              <a:latin typeface="Arial"/>
+            </a:endParaRPr>
+          </a:p>
+        </p:txBody>
+      </p:sp>
+      <p:sp>
+        <p:nvSpPr>
+          <p:cNvPr id="84" name="CustomShape 3"/>
+          <p:cNvSpPr/>
+          <p:nvPr/>
+        </p:nvSpPr>
+        <p:spPr>
+          <a:xfrm>
+            <a:off x="8556840" y="4749840"/>
+            <a:ext cx="546480" cy="391320"/>
+          </a:xfrm>
+          <a:prstGeom prst="rect">
+            <a:avLst/>
+          </a:prstGeom>
+          <a:noFill/>
+          <a:ln>
+            <a:noFill/>
+          </a:ln>
+        </p:spPr>
+        <p:style>
+          <a:lnRef idx="0"/>
+          <a:fillRef idx="0"/>
+          <a:effectRef idx="0"/>
+          <a:fontRef idx="minor"/>
+        </p:style>
+        <p:txBody>
+          <a:bodyPr lIns="90000" rIns="90000" tIns="91440" bIns="91440"/>
+          <a:p>
+            <a:pPr algn="r">
+              <a:lnSpc>
+                <a:spcPct val="100000"/>
+              </a:lnSpc>
+            </a:pPr>
+            <a:fld id="{6F8E3F4B-4B8C-427A-8E39-D48082A60055}" type="slidenum">
+              <a:rPr b="0" lang="en-US" sz="1300" spc="-1" strike="noStrike">
+                <a:solidFill>
+                  <a:srgbClr val="000000"/>
+                </a:solidFill>
+                <a:latin typeface="Arial"/>
+                <a:ea typeface="Arial"/>
+              </a:rPr>
+              <a:t>&lt;number&gt;</a:t>
+            </a:fld>
+            <a:endParaRPr b="0" lang="en-US" sz="1300" spc="-1" strike="noStrike">
+              <a:latin typeface="Arial"/>
+            </a:endParaRPr>
+          </a:p>
+        </p:txBody>
+      </p:sp>
+      <p:sp>
+        <p:nvSpPr>
+          <p:cNvPr id="85" name="CustomShape 4"/>
+          <p:cNvSpPr/>
+          <p:nvPr/>
+        </p:nvSpPr>
+        <p:spPr>
+          <a:xfrm>
+            <a:off x="4663440" y="548640"/>
+            <a:ext cx="4147920" cy="344880"/>
+          </a:xfrm>
+          <a:prstGeom prst="rect">
+            <a:avLst/>
+          </a:prstGeom>
+          <a:noFill/>
+          <a:ln>
+            <a:noFill/>
+          </a:ln>
+        </p:spPr>
+        <p:style>
+          <a:lnRef idx="0"/>
+          <a:fillRef idx="0"/>
+          <a:effectRef idx="0"/>
+          <a:fontRef idx="minor"/>
+        </p:style>
+        <p:txBody>
+          <a:bodyPr lIns="90000" rIns="90000" tIns="45000" bIns="45000"/>
+          <a:p>
+            <a:pPr>
+              <a:lnSpc>
+                <a:spcPct val="100000"/>
+              </a:lnSpc>
+            </a:pPr>
+            <a:r>
+              <a:rPr b="0" lang="en-US" sz="1800" spc="-1" strike="noStrike">
+                <a:solidFill>
+                  <a:srgbClr val="000000"/>
+                </a:solidFill>
+                <a:latin typeface="Arial"/>
+                <a:ea typeface="DejaVu Sans"/>
+              </a:rPr>
+              <a:t>+++TOC_IDS im1,im2 +++</a:t>
+            </a:r>
+            <a:endParaRPr b="0" lang="en-US" sz="1800" spc="-1" strike="noStrike">
               <a:latin typeface="Arial"/>
             </a:endParaRPr>
           </a:p>
@@ -4244,14 +5381,14 @@
       </p:grpSpPr>
       <p:sp>
         <p:nvSpPr>
-          <p:cNvPr id="81" name="CustomShape 1"/>
+          <p:cNvPr id="86" name="CustomShape 1"/>
           <p:cNvSpPr/>
           <p:nvPr/>
         </p:nvSpPr>
         <p:spPr>
           <a:xfrm>
-            <a:off x="311760" y="444960"/>
-            <a:ext cx="8502120" cy="554400"/>
+            <a:off x="731520" y="2419920"/>
+            <a:ext cx="7578720" cy="591480"/>
           </a:xfrm>
           <a:prstGeom prst="rect">
             <a:avLst/>
@@ -4268,9 +5405,7 @@
           <a:fontRef idx="minor"/>
         </p:style>
         <p:txBody>
-          <a:bodyPr lIns="90000" rIns="90000" tIns="91440" bIns="91440">
-            <a:normAutofit/>
-          </a:bodyPr>
+          <a:bodyPr lIns="90000" rIns="90000" tIns="45000" bIns="45000"/>
           <a:p>
             <a:pPr>
               <a:lnSpc>
@@ -4278,764 +5413,70 @@
               </a:lnSpc>
             </a:pPr>
             <a:r>
-              <a:rPr b="0" lang="en-US" sz="2800" spc="-1" strike="noStrike">
+              <a:rPr b="0" lang="en-US" sz="1600" spc="-1" strike="noStrike">
+                <a:solidFill>
+                  <a:srgbClr val="595959"/>
+                </a:solidFill>
+                <a:latin typeface="Arial"/>
+                <a:ea typeface="Arial"/>
+              </a:rPr>
+              <a:t>+++IF (( project_description ))&lt;&lt; +++INS project_description +++ &gt;&gt;IF-END+++</a:t>
+            </a:r>
+            <a:endParaRPr b="0" lang="en-US" sz="1600" spc="-1" strike="noStrike">
+              <a:latin typeface="Arial"/>
+            </a:endParaRPr>
+          </a:p>
+        </p:txBody>
+      </p:sp>
+      <p:sp>
+        <p:nvSpPr>
+          <p:cNvPr id="87" name="CustomShape 2"/>
+          <p:cNvSpPr/>
+          <p:nvPr/>
+        </p:nvSpPr>
+        <p:spPr>
+          <a:xfrm>
+            <a:off x="8556840" y="4749840"/>
+            <a:ext cx="546480" cy="391320"/>
+          </a:xfrm>
+          <a:prstGeom prst="rect">
+            <a:avLst/>
+          </a:prstGeom>
+          <a:noFill/>
+          <a:ln>
+            <a:noFill/>
+          </a:ln>
+        </p:spPr>
+        <p:style>
+          <a:lnRef idx="0"/>
+          <a:fillRef idx="0"/>
+          <a:effectRef idx="0"/>
+          <a:fontRef idx="minor"/>
+        </p:style>
+        <p:txBody>
+          <a:bodyPr lIns="90000" rIns="90000" tIns="91440" bIns="91440"/>
+          <a:p>
+            <a:pPr algn="r">
+              <a:lnSpc>
+                <a:spcPct val="100000"/>
+              </a:lnSpc>
+            </a:pPr>
+            <a:fld id="{D85397D2-5FCB-44B6-B68F-7AEFFE3ED971}" type="slidenum">
+              <a:rPr b="0" lang="en-US" sz="1300" spc="-1" strike="noStrike">
                 <a:solidFill>
                   <a:srgbClr val="000000"/>
                 </a:solidFill>
                 <a:latin typeface="Arial"/>
                 <a:ea typeface="Arial"/>
               </a:rPr>
-              <a:t>+++INS table_name +++</a:t>
-            </a:r>
-            <a:endParaRPr b="0" lang="en-US" sz="2800" spc="-1" strike="noStrike">
-              <a:latin typeface="Arial"/>
-            </a:endParaRPr>
-          </a:p>
-        </p:txBody>
-      </p:sp>
-      <p:sp>
-        <p:nvSpPr>
-          <p:cNvPr id="82" name="CustomShape 2"/>
-          <p:cNvSpPr/>
-          <p:nvPr/>
-        </p:nvSpPr>
-        <p:spPr>
-          <a:xfrm>
-            <a:off x="311760" y="1152360"/>
-            <a:ext cx="8502120" cy="3398040"/>
-          </a:xfrm>
-          <a:prstGeom prst="rect">
-            <a:avLst/>
-          </a:prstGeom>
-          <a:noFill/>
-          <a:ln>
-            <a:noFill/>
-          </a:ln>
-        </p:spPr>
-        <p:style>
-          <a:lnRef idx="0"/>
-          <a:fillRef idx="0"/>
-          <a:effectRef idx="0"/>
-          <a:fontRef idx="minor"/>
-        </p:style>
-        <p:txBody>
-          <a:bodyPr lIns="90000" rIns="90000" tIns="91440" bIns="91440">
-            <a:normAutofit/>
-          </a:bodyPr>
-          <a:p>
-            <a:pPr>
-              <a:lnSpc>
-                <a:spcPct val="115000"/>
-              </a:lnSpc>
-              <a:spcAft>
-                <a:spcPts val="1199"/>
-              </a:spcAft>
-            </a:pPr>
-            <a:r>
-              <a:rPr b="0" lang="en-US" sz="1800" spc="-1" strike="noStrike">
-                <a:solidFill>
-                  <a:srgbClr val="595959"/>
-                </a:solidFill>
-                <a:latin typeface="Arial"/>
-                <a:ea typeface="Arial"/>
-              </a:rPr>
-              <a:t>+++IF ((remove_table_1))&lt;&lt; +++TABLE_REMOVE 1 +++ &gt;&gt;IF-END+++</a:t>
-            </a:r>
-            <a:br/>
-            <a:endParaRPr b="0" lang="en-US" sz="1800" spc="-1" strike="noStrike">
-              <a:latin typeface="Arial"/>
-            </a:endParaRPr>
-          </a:p>
-        </p:txBody>
-      </p:sp>
-      <p:graphicFrame>
-        <p:nvGraphicFramePr>
-          <p:cNvPr id="83" name="Table 3"/>
-          <p:cNvGraphicFramePr/>
-          <p:nvPr/>
-        </p:nvGraphicFramePr>
-        <p:xfrm>
-          <a:off x="952560" y="1809720"/>
-          <a:ext cx="7238160" cy="2077560"/>
-        </p:xfrm>
-        <a:graphic>
-          <a:graphicData uri="http://schemas.openxmlformats.org/drawingml/2006/table">
-            <a:tbl>
-              <a:tblPr/>
-              <a:tblGrid>
-                <a:gridCol w="1447560"/>
-                <a:gridCol w="1447560"/>
-                <a:gridCol w="1447560"/>
-                <a:gridCol w="1447560"/>
-                <a:gridCol w="1448280"/>
-              </a:tblGrid>
-              <a:tr h="519480">
-                <a:tc>
-                  <a:txBody>
-                    <a:bodyPr lIns="90000" rIns="90000"/>
-                    <a:p>
-                      <a:pPr>
-                        <a:lnSpc>
-                          <a:spcPct val="100000"/>
-                        </a:lnSpc>
-                      </a:pPr>
-                      <a:r>
-                        <a:rPr b="1" lang="en-US" sz="1800" spc="-1" strike="noStrike">
-                          <a:solidFill>
-                            <a:srgbClr val="595959"/>
-                          </a:solidFill>
-                          <a:latin typeface="Arial"/>
-                          <a:ea typeface="Arial"/>
-                        </a:rPr>
-                        <a:t>+++TB_ID 1 +++    header 1</a:t>
-                      </a:r>
-                      <a:endParaRPr b="0" lang="en-US" sz="1800" spc="-1" strike="noStrike">
-                        <a:latin typeface="Arial"/>
-                      </a:endParaRPr>
-                    </a:p>
-                  </a:txBody>
-                  <a:tcPr marL="90000" marR="90000">
-                    <a:lnL w="720">
-                      <a:solidFill>
-                        <a:srgbClr val="ffffff"/>
-                      </a:solidFill>
-                    </a:lnL>
-                    <a:lnR w="720">
-                      <a:solidFill>
-                        <a:srgbClr val="ffffff"/>
-                      </a:solidFill>
-                    </a:lnR>
-                    <a:lnT w="720">
-                      <a:solidFill>
-                        <a:srgbClr val="ffffff"/>
-                      </a:solidFill>
-                    </a:lnT>
-                    <a:lnB w="720">
-                      <a:solidFill>
-                        <a:srgbClr val="ffffff"/>
-                      </a:solidFill>
-                    </a:lnB>
-                    <a:solidFill>
-                      <a:srgbClr val="ffcc99"/>
-                    </a:solidFill>
-                  </a:tcPr>
-                </a:tc>
-                <a:tc>
-                  <a:txBody>
-                    <a:bodyPr lIns="90000" rIns="90000"/>
-                    <a:p>
-                      <a:pPr>
-                        <a:lnSpc>
-                          <a:spcPct val="100000"/>
-                        </a:lnSpc>
-                      </a:pPr>
-                      <a:r>
-                        <a:rPr b="1" lang="en-US" sz="1800" spc="-1" strike="noStrike">
-                          <a:solidFill>
-                            <a:srgbClr val="595959"/>
-                          </a:solidFill>
-                          <a:latin typeface="Arial"/>
-                          <a:ea typeface="Arial"/>
-                        </a:rPr>
-                        <a:t>header 2</a:t>
-                      </a:r>
-                      <a:endParaRPr b="0" lang="en-US" sz="1800" spc="-1" strike="noStrike">
-                        <a:latin typeface="Arial"/>
-                      </a:endParaRPr>
-                    </a:p>
-                  </a:txBody>
-                  <a:tcPr marL="90000" marR="90000">
-                    <a:lnL w="720">
-                      <a:solidFill>
-                        <a:srgbClr val="ffffff"/>
-                      </a:solidFill>
-                    </a:lnL>
-                    <a:lnR w="720">
-                      <a:solidFill>
-                        <a:srgbClr val="ffffff"/>
-                      </a:solidFill>
-                    </a:lnR>
-                    <a:lnT w="720">
-                      <a:solidFill>
-                        <a:srgbClr val="ffffff"/>
-                      </a:solidFill>
-                    </a:lnT>
-                    <a:lnB w="720">
-                      <a:solidFill>
-                        <a:srgbClr val="ffffff"/>
-                      </a:solidFill>
-                    </a:lnB>
-                    <a:solidFill>
-                      <a:srgbClr val="ffcc99"/>
-                    </a:solidFill>
-                  </a:tcPr>
-                </a:tc>
-                <a:tc>
-                  <a:txBody>
-                    <a:bodyPr lIns="90000" rIns="90000"/>
-                    <a:p>
-                      <a:pPr>
-                        <a:lnSpc>
-                          <a:spcPct val="100000"/>
-                        </a:lnSpc>
-                      </a:pPr>
-                      <a:r>
-                        <a:rPr b="1" lang="en-US" sz="1800" spc="-1" strike="noStrike">
-                          <a:solidFill>
-                            <a:srgbClr val="595959"/>
-                          </a:solidFill>
-                          <a:latin typeface="Arial"/>
-                          <a:ea typeface="Arial"/>
-                        </a:rPr>
-                        <a:t>header 3</a:t>
-                      </a:r>
-                      <a:endParaRPr b="0" lang="en-US" sz="1800" spc="-1" strike="noStrike">
-                        <a:latin typeface="Arial"/>
-                      </a:endParaRPr>
-                    </a:p>
-                  </a:txBody>
-                  <a:tcPr marL="90000" marR="90000">
-                    <a:lnL w="720">
-                      <a:solidFill>
-                        <a:srgbClr val="ffffff"/>
-                      </a:solidFill>
-                    </a:lnL>
-                    <a:lnR w="720">
-                      <a:solidFill>
-                        <a:srgbClr val="ffffff"/>
-                      </a:solidFill>
-                    </a:lnR>
-                    <a:lnT w="720">
-                      <a:solidFill>
-                        <a:srgbClr val="ffffff"/>
-                      </a:solidFill>
-                    </a:lnT>
-                    <a:lnB w="720">
-                      <a:solidFill>
-                        <a:srgbClr val="ffffff"/>
-                      </a:solidFill>
-                    </a:lnB>
-                    <a:solidFill>
-                      <a:srgbClr val="ffcc99"/>
-                    </a:solidFill>
-                  </a:tcPr>
-                </a:tc>
-                <a:tc>
-                  <a:txBody>
-                    <a:bodyPr lIns="90000" rIns="90000"/>
-                    <a:p>
-                      <a:pPr>
-                        <a:lnSpc>
-                          <a:spcPct val="100000"/>
-                        </a:lnSpc>
-                      </a:pPr>
-                      <a:r>
-                        <a:rPr b="1" lang="en-US" sz="1800" spc="-1" strike="noStrike">
-                          <a:solidFill>
-                            <a:srgbClr val="595959"/>
-                          </a:solidFill>
-                          <a:latin typeface="Arial"/>
-                          <a:ea typeface="Arial"/>
-                        </a:rPr>
-                        <a:t>header 4</a:t>
-                      </a:r>
-                      <a:endParaRPr b="0" lang="en-US" sz="1800" spc="-1" strike="noStrike">
-                        <a:latin typeface="Arial"/>
-                      </a:endParaRPr>
-                    </a:p>
-                  </a:txBody>
-                  <a:tcPr marL="90000" marR="90000">
-                    <a:lnL w="720">
-                      <a:solidFill>
-                        <a:srgbClr val="ffffff"/>
-                      </a:solidFill>
-                    </a:lnL>
-                    <a:lnR w="720">
-                      <a:solidFill>
-                        <a:srgbClr val="ffffff"/>
-                      </a:solidFill>
-                    </a:lnR>
-                    <a:lnT w="720">
-                      <a:solidFill>
-                        <a:srgbClr val="ffffff"/>
-                      </a:solidFill>
-                    </a:lnT>
-                    <a:lnB w="720">
-                      <a:solidFill>
-                        <a:srgbClr val="ffffff"/>
-                      </a:solidFill>
-                    </a:lnB>
-                    <a:solidFill>
-                      <a:srgbClr val="ffcc99"/>
-                    </a:solidFill>
-                  </a:tcPr>
-                </a:tc>
-                <a:tc>
-                  <a:txBody>
-                    <a:bodyPr lIns="90000" rIns="90000"/>
-                    <a:p>
-                      <a:pPr>
-                        <a:lnSpc>
-                          <a:spcPct val="100000"/>
-                        </a:lnSpc>
-                      </a:pPr>
-                      <a:r>
-                        <a:rPr b="1" lang="en-US" sz="1800" spc="-1" strike="noStrike">
-                          <a:solidFill>
-                            <a:srgbClr val="595959"/>
-                          </a:solidFill>
-                          <a:latin typeface="Arial"/>
-                          <a:ea typeface="Arial"/>
-                        </a:rPr>
-                        <a:t>header 5</a:t>
-                      </a:r>
-                      <a:endParaRPr b="0" lang="en-US" sz="1800" spc="-1" strike="noStrike">
-                        <a:latin typeface="Arial"/>
-                      </a:endParaRPr>
-                    </a:p>
-                  </a:txBody>
-                  <a:tcPr marL="90000" marR="90000">
-                    <a:lnL w="720">
-                      <a:solidFill>
-                        <a:srgbClr val="ffffff"/>
-                      </a:solidFill>
-                    </a:lnL>
-                    <a:lnR w="720">
-                      <a:solidFill>
-                        <a:srgbClr val="ffffff"/>
-                      </a:solidFill>
-                    </a:lnR>
-                    <a:lnT w="720">
-                      <a:solidFill>
-                        <a:srgbClr val="ffffff"/>
-                      </a:solidFill>
-                    </a:lnT>
-                    <a:lnB w="720">
-                      <a:solidFill>
-                        <a:srgbClr val="ffffff"/>
-                      </a:solidFill>
-                    </a:lnB>
-                    <a:solidFill>
-                      <a:srgbClr val="ffcc99"/>
-                    </a:solidFill>
-                  </a:tcPr>
-                </a:tc>
-              </a:tr>
-              <a:tr h="519480">
-                <a:tc>
-                  <a:tcPr marL="90000" marR="90000">
-                    <a:lnL w="720">
-                      <a:solidFill>
-                        <a:srgbClr val="ffffff"/>
-                      </a:solidFill>
-                    </a:lnL>
-                    <a:lnR w="720">
-                      <a:solidFill>
-                        <a:srgbClr val="ffffff"/>
-                      </a:solidFill>
-                    </a:lnR>
-                    <a:lnT w="720">
-                      <a:solidFill>
-                        <a:srgbClr val="ffffff"/>
-                      </a:solidFill>
-                    </a:lnT>
-                    <a:lnB w="720">
-                      <a:solidFill>
-                        <a:srgbClr val="ffffff"/>
-                      </a:solidFill>
-                    </a:lnB>
-                    <a:solidFill>
-                      <a:srgbClr val="ffff99"/>
-                    </a:solidFill>
-                  </a:tcPr>
-                </a:tc>
-                <a:tc>
-                  <a:tcPr marL="90000" marR="90000">
-                    <a:lnL w="720">
-                      <a:solidFill>
-                        <a:srgbClr val="ffffff"/>
-                      </a:solidFill>
-                    </a:lnL>
-                    <a:lnR w="720">
-                      <a:solidFill>
-                        <a:srgbClr val="ffffff"/>
-                      </a:solidFill>
-                    </a:lnR>
-                    <a:lnT w="720">
-                      <a:solidFill>
-                        <a:srgbClr val="ffffff"/>
-                      </a:solidFill>
-                    </a:lnT>
-                    <a:lnB w="720">
-                      <a:solidFill>
-                        <a:srgbClr val="ffffff"/>
-                      </a:solidFill>
-                    </a:lnB>
-                    <a:solidFill>
-                      <a:srgbClr val="ffff99"/>
-                    </a:solidFill>
-                  </a:tcPr>
-                </a:tc>
-                <a:tc>
-                  <a:tcPr marL="90000" marR="90000">
-                    <a:lnL w="720">
-                      <a:solidFill>
-                        <a:srgbClr val="ffffff"/>
-                      </a:solidFill>
-                    </a:lnL>
-                    <a:lnR w="720">
-                      <a:solidFill>
-                        <a:srgbClr val="ffffff"/>
-                      </a:solidFill>
-                    </a:lnR>
-                    <a:lnT w="720">
-                      <a:solidFill>
-                        <a:srgbClr val="ffffff"/>
-                      </a:solidFill>
-                    </a:lnT>
-                    <a:lnB w="720">
-                      <a:solidFill>
-                        <a:srgbClr val="ffffff"/>
-                      </a:solidFill>
-                    </a:lnB>
-                    <a:solidFill>
-                      <a:srgbClr val="ffff99"/>
-                    </a:solidFill>
-                  </a:tcPr>
-                </a:tc>
-                <a:tc>
-                  <a:tcPr marL="90000" marR="90000">
-                    <a:lnL w="720">
-                      <a:solidFill>
-                        <a:srgbClr val="ffffff"/>
-                      </a:solidFill>
-                    </a:lnL>
-                    <a:lnR w="720">
-                      <a:solidFill>
-                        <a:srgbClr val="ffffff"/>
-                      </a:solidFill>
-                    </a:lnR>
-                    <a:lnT w="720">
-                      <a:solidFill>
-                        <a:srgbClr val="ffffff"/>
-                      </a:solidFill>
-                    </a:lnT>
-                    <a:lnB w="720">
-                      <a:solidFill>
-                        <a:srgbClr val="ffffff"/>
-                      </a:solidFill>
-                    </a:lnB>
-                    <a:solidFill>
-                      <a:srgbClr val="ffff99"/>
-                    </a:solidFill>
-                  </a:tcPr>
-                </a:tc>
-                <a:tc>
-                  <a:tcPr marL="90000" marR="90000">
-                    <a:lnL w="720">
-                      <a:solidFill>
-                        <a:srgbClr val="ffffff"/>
-                      </a:solidFill>
-                    </a:lnL>
-                    <a:lnR w="720">
-                      <a:solidFill>
-                        <a:srgbClr val="ffffff"/>
-                      </a:solidFill>
-                    </a:lnR>
-                    <a:lnT w="720">
-                      <a:solidFill>
-                        <a:srgbClr val="ffffff"/>
-                      </a:solidFill>
-                    </a:lnT>
-                    <a:lnB w="720">
-                      <a:solidFill>
-                        <a:srgbClr val="ffffff"/>
-                      </a:solidFill>
-                    </a:lnB>
-                    <a:solidFill>
-                      <a:srgbClr val="ffff99"/>
-                    </a:solidFill>
-                  </a:tcPr>
-                </a:tc>
-              </a:tr>
-              <a:tr h="519480">
-                <a:tc>
-                  <a:tcPr marL="90000" marR="90000">
-                    <a:lnL w="720">
-                      <a:solidFill>
-                        <a:srgbClr val="ffffff"/>
-                      </a:solidFill>
-                    </a:lnL>
-                    <a:lnR w="720">
-                      <a:solidFill>
-                        <a:srgbClr val="ffffff"/>
-                      </a:solidFill>
-                    </a:lnR>
-                    <a:lnT w="720">
-                      <a:solidFill>
-                        <a:srgbClr val="ffffff"/>
-                      </a:solidFill>
-                    </a:lnT>
-                    <a:lnB w="720">
-                      <a:solidFill>
-                        <a:srgbClr val="ffffff"/>
-                      </a:solidFill>
-                    </a:lnB>
-                    <a:solidFill>
-                      <a:srgbClr val="ffffcc"/>
-                    </a:solidFill>
-                  </a:tcPr>
-                </a:tc>
-                <a:tc>
-                  <a:tcPr marL="90000" marR="90000">
-                    <a:lnL w="720">
-                      <a:solidFill>
-                        <a:srgbClr val="ffffff"/>
-                      </a:solidFill>
-                    </a:lnL>
-                    <a:lnR w="720">
-                      <a:solidFill>
-                        <a:srgbClr val="ffffff"/>
-                      </a:solidFill>
-                    </a:lnR>
-                    <a:lnT w="720">
-                      <a:solidFill>
-                        <a:srgbClr val="ffffff"/>
-                      </a:solidFill>
-                    </a:lnT>
-                    <a:lnB w="720">
-                      <a:solidFill>
-                        <a:srgbClr val="ffffff"/>
-                      </a:solidFill>
-                    </a:lnB>
-                    <a:solidFill>
-                      <a:srgbClr val="ffffcc"/>
-                    </a:solidFill>
-                  </a:tcPr>
-                </a:tc>
-                <a:tc>
-                  <a:tcPr marL="90000" marR="90000">
-                    <a:lnL w="720">
-                      <a:solidFill>
-                        <a:srgbClr val="ffffff"/>
-                      </a:solidFill>
-                    </a:lnL>
-                    <a:lnR w="720">
-                      <a:solidFill>
-                        <a:srgbClr val="ffffff"/>
-                      </a:solidFill>
-                    </a:lnR>
-                    <a:lnT w="720">
-                      <a:solidFill>
-                        <a:srgbClr val="ffffff"/>
-                      </a:solidFill>
-                    </a:lnT>
-                    <a:lnB w="720">
-                      <a:solidFill>
-                        <a:srgbClr val="ffffff"/>
-                      </a:solidFill>
-                    </a:lnB>
-                    <a:solidFill>
-                      <a:srgbClr val="ffffcc"/>
-                    </a:solidFill>
-                  </a:tcPr>
-                </a:tc>
-                <a:tc>
-                  <a:tcPr marL="90000" marR="90000">
-                    <a:lnL w="720">
-                      <a:solidFill>
-                        <a:srgbClr val="ffffff"/>
-                      </a:solidFill>
-                    </a:lnL>
-                    <a:lnR w="720">
-                      <a:solidFill>
-                        <a:srgbClr val="ffffff"/>
-                      </a:solidFill>
-                    </a:lnR>
-                    <a:lnT w="720">
-                      <a:solidFill>
-                        <a:srgbClr val="ffffff"/>
-                      </a:solidFill>
-                    </a:lnT>
-                    <a:lnB w="720">
-                      <a:solidFill>
-                        <a:srgbClr val="ffffff"/>
-                      </a:solidFill>
-                    </a:lnB>
-                    <a:solidFill>
-                      <a:srgbClr val="ffffcc"/>
-                    </a:solidFill>
-                  </a:tcPr>
-                </a:tc>
-                <a:tc>
-                  <a:tcPr marL="90000" marR="90000">
-                    <a:lnL w="720">
-                      <a:solidFill>
-                        <a:srgbClr val="ffffff"/>
-                      </a:solidFill>
-                    </a:lnL>
-                    <a:lnR w="720">
-                      <a:solidFill>
-                        <a:srgbClr val="ffffff"/>
-                      </a:solidFill>
-                    </a:lnR>
-                    <a:lnT w="720">
-                      <a:solidFill>
-                        <a:srgbClr val="ffffff"/>
-                      </a:solidFill>
-                    </a:lnT>
-                    <a:lnB w="720">
-                      <a:solidFill>
-                        <a:srgbClr val="ffffff"/>
-                      </a:solidFill>
-                    </a:lnB>
-                    <a:solidFill>
-                      <a:srgbClr val="ffffcc"/>
-                    </a:solidFill>
-                  </a:tcPr>
-                </a:tc>
-              </a:tr>
-              <a:tr h="519480">
-                <a:tc>
-                  <a:tcPr marL="90000" marR="90000">
-                    <a:lnL w="720">
-                      <a:solidFill>
-                        <a:srgbClr val="ffffff"/>
-                      </a:solidFill>
-                    </a:lnL>
-                    <a:lnR w="720">
-                      <a:solidFill>
-                        <a:srgbClr val="ffffff"/>
-                      </a:solidFill>
-                    </a:lnR>
-                    <a:lnT w="720">
-                      <a:solidFill>
-                        <a:srgbClr val="ffffff"/>
-                      </a:solidFill>
-                    </a:lnT>
-                    <a:lnB w="720">
-                      <a:solidFill>
-                        <a:srgbClr val="ffffff"/>
-                      </a:solidFill>
-                    </a:lnB>
-                    <a:solidFill>
-                      <a:srgbClr val="ffff99"/>
-                    </a:solidFill>
-                  </a:tcPr>
-                </a:tc>
-                <a:tc>
-                  <a:tcPr marL="90000" marR="90000">
-                    <a:lnL w="720">
-                      <a:solidFill>
-                        <a:srgbClr val="ffffff"/>
-                      </a:solidFill>
-                    </a:lnL>
-                    <a:lnR w="720">
-                      <a:solidFill>
-                        <a:srgbClr val="ffffff"/>
-                      </a:solidFill>
-                    </a:lnR>
-                    <a:lnT w="720">
-                      <a:solidFill>
-                        <a:srgbClr val="ffffff"/>
-                      </a:solidFill>
-                    </a:lnT>
-                    <a:lnB w="720">
-                      <a:solidFill>
-                        <a:srgbClr val="ffffff"/>
-                      </a:solidFill>
-                    </a:lnB>
-                    <a:solidFill>
-                      <a:srgbClr val="ffff99"/>
-                    </a:solidFill>
-                  </a:tcPr>
-                </a:tc>
-                <a:tc>
-                  <a:tcPr marL="90000" marR="90000">
-                    <a:lnL w="720">
-                      <a:solidFill>
-                        <a:srgbClr val="ffffff"/>
-                      </a:solidFill>
-                    </a:lnL>
-                    <a:lnR w="720">
-                      <a:solidFill>
-                        <a:srgbClr val="ffffff"/>
-                      </a:solidFill>
-                    </a:lnR>
-                    <a:lnT w="720">
-                      <a:solidFill>
-                        <a:srgbClr val="ffffff"/>
-                      </a:solidFill>
-                    </a:lnT>
-                    <a:lnB w="720">
-                      <a:solidFill>
-                        <a:srgbClr val="ffffff"/>
-                      </a:solidFill>
-                    </a:lnB>
-                    <a:solidFill>
-                      <a:srgbClr val="ffff99"/>
-                    </a:solidFill>
-                  </a:tcPr>
-                </a:tc>
-                <a:tc>
-                  <a:tcPr marL="90000" marR="90000">
-                    <a:lnL w="720">
-                      <a:solidFill>
-                        <a:srgbClr val="ffffff"/>
-                      </a:solidFill>
-                    </a:lnL>
-                    <a:lnR w="720">
-                      <a:solidFill>
-                        <a:srgbClr val="ffffff"/>
-                      </a:solidFill>
-                    </a:lnR>
-                    <a:lnT w="720">
-                      <a:solidFill>
-                        <a:srgbClr val="ffffff"/>
-                      </a:solidFill>
-                    </a:lnT>
-                    <a:lnB w="720">
-                      <a:solidFill>
-                        <a:srgbClr val="ffffff"/>
-                      </a:solidFill>
-                    </a:lnB>
-                    <a:solidFill>
-                      <a:srgbClr val="ffff99"/>
-                    </a:solidFill>
-                  </a:tcPr>
-                </a:tc>
-                <a:tc>
-                  <a:tcPr marL="90000" marR="90000">
-                    <a:lnL w="720">
-                      <a:solidFill>
-                        <a:srgbClr val="ffffff"/>
-                      </a:solidFill>
-                    </a:lnL>
-                    <a:lnR w="720">
-                      <a:solidFill>
-                        <a:srgbClr val="ffffff"/>
-                      </a:solidFill>
-                    </a:lnR>
-                    <a:lnT w="720">
-                      <a:solidFill>
-                        <a:srgbClr val="ffffff"/>
-                      </a:solidFill>
-                    </a:lnT>
-                    <a:lnB w="720">
-                      <a:solidFill>
-                        <a:srgbClr val="ffffff"/>
-                      </a:solidFill>
-                    </a:lnB>
-                    <a:solidFill>
-                      <a:srgbClr val="ffff99"/>
-                    </a:solidFill>
-                  </a:tcPr>
-                </a:tc>
-              </a:tr>
-            </a:tbl>
-          </a:graphicData>
-        </a:graphic>
-      </p:graphicFrame>
+              <a:t>&lt;number&gt;</a:t>
+            </a:fld>
+            <a:endParaRPr b="0" lang="en-US" sz="1300" spc="-1" strike="noStrike">
+              <a:latin typeface="Arial"/>
+            </a:endParaRPr>
+          </a:p>
+        </p:txBody>
+      </p:sp>
     </p:spTree>
   </p:cSld>
   <p:timing>
@@ -5087,14 +5528,14 @@
       </p:grpSpPr>
       <p:sp>
         <p:nvSpPr>
-          <p:cNvPr id="84" name="CustomShape 1"/>
+          <p:cNvPr id="88" name="CustomShape 1"/>
           <p:cNvSpPr/>
           <p:nvPr/>
         </p:nvSpPr>
         <p:spPr>
           <a:xfrm>
             <a:off x="311760" y="444960"/>
-            <a:ext cx="8502120" cy="554400"/>
+            <a:ext cx="8499600" cy="551880"/>
           </a:xfrm>
           <a:prstGeom prst="rect">
             <a:avLst/>
@@ -5111,9 +5552,7 @@
           <a:fontRef idx="minor"/>
         </p:style>
         <p:txBody>
-          <a:bodyPr lIns="90000" rIns="90000" tIns="91440" bIns="91440">
-            <a:normAutofit/>
-          </a:bodyPr>
+          <a:bodyPr lIns="90000" rIns="90000" tIns="91440" bIns="91440"/>
           <a:p>
             <a:pPr>
               <a:lnSpc>
@@ -5128,7 +5567,7 @@
                 <a:latin typeface="Arial"/>
                 <a:ea typeface="Arial"/>
               </a:rPr>
-              <a:t>+++INS table_name_row +++</a:t>
+              <a:t>+++INS table_name +++</a:t>
             </a:r>
             <a:endParaRPr b="0" lang="en-US" sz="2800" spc="-1" strike="noStrike">
               <a:latin typeface="Arial"/>
@@ -5138,14 +5577,14 @@
       </p:sp>
       <p:sp>
         <p:nvSpPr>
-          <p:cNvPr id="85" name="CustomShape 2"/>
+          <p:cNvPr id="89" name="CustomShape 2"/>
           <p:cNvSpPr/>
           <p:nvPr/>
         </p:nvSpPr>
         <p:spPr>
           <a:xfrm>
             <a:off x="311760" y="1152360"/>
-            <a:ext cx="8502120" cy="3398040"/>
+            <a:ext cx="8499600" cy="3395520"/>
           </a:xfrm>
           <a:prstGeom prst="rect">
             <a:avLst/>
@@ -5162,17 +5601,12 @@
           <a:fontRef idx="minor"/>
         </p:style>
         <p:txBody>
-          <a:bodyPr lIns="90000" rIns="90000" tIns="91440" bIns="91440">
-            <a:normAutofit/>
-          </a:bodyPr>
+          <a:bodyPr lIns="90000" rIns="90000" tIns="91440" bIns="91440"/>
           <a:p>
             <a:pPr>
               <a:lnSpc>
                 <a:spcPct val="115000"/>
               </a:lnSpc>
-              <a:spcAft>
-                <a:spcPts val="1199"/>
-              </a:spcAft>
             </a:pPr>
             <a:r>
               <a:rPr b="0" lang="en-US" sz="1800" spc="-1" strike="noStrike">
@@ -5182,7 +5616,7 @@
                 <a:latin typeface="Arial"/>
                 <a:ea typeface="Arial"/>
               </a:rPr>
-              <a:t>+++IF ((not table_1_row_3_present))&lt;&lt; +++TABLE_ROW_REMOVE 3rdRow +++ &gt;&gt;IF-END+++</a:t>
+              <a:t>+++IF ((remove_table_1))&lt;&lt; +++TABLE_REMOVE 1 +++ &gt;&gt;IF-END+++</a:t>
             </a:r>
             <a:br/>
             <a:endParaRPr b="0" lang="en-US" sz="1800" spc="-1" strike="noStrike">
@@ -5193,26 +5627,26 @@
       </p:sp>
       <p:graphicFrame>
         <p:nvGraphicFramePr>
-          <p:cNvPr id="86" name="Table 3"/>
+          <p:cNvPr id="90" name="Table 3"/>
           <p:cNvGraphicFramePr/>
           <p:nvPr/>
         </p:nvGraphicFramePr>
         <p:xfrm>
           <a:off x="952560" y="1809720"/>
-          <a:ext cx="7238160" cy="2077560"/>
+          <a:ext cx="7237800" cy="2417760"/>
         </p:xfrm>
         <a:graphic>
           <a:graphicData uri="http://schemas.openxmlformats.org/drawingml/2006/table">
             <a:tbl>
               <a:tblPr/>
               <a:tblGrid>
-                <a:gridCol w="1447560"/>
-                <a:gridCol w="1447560"/>
-                <a:gridCol w="1447560"/>
-                <a:gridCol w="1447560"/>
-                <a:gridCol w="1448280"/>
+                <a:gridCol w="1447200"/>
+                <a:gridCol w="1447200"/>
+                <a:gridCol w="1447200"/>
+                <a:gridCol w="1447200"/>
+                <a:gridCol w="1449360"/>
               </a:tblGrid>
-              <a:tr h="519480">
+              <a:tr h="859680">
                 <a:tc>
                   <a:txBody>
                     <a:bodyPr lIns="90000" rIns="90000"/>
@@ -5225,12 +5659,12 @@
                       <a:r>
                         <a:rPr b="1" lang="en-US" sz="1800" spc="-1" strike="noStrike">
                           <a:solidFill>
-                            <a:srgbClr val="000000"/>
+                            <a:srgbClr val="595959"/>
                           </a:solidFill>
                           <a:latin typeface="Arial"/>
                           <a:ea typeface="Arial"/>
                         </a:rPr>
-                        <a:t>Header 1</a:t>
+                        <a:t>+++TB_ID 1 +++    header 1</a:t>
                       </a:r>
                       <a:endParaRPr b="0" lang="en-US" sz="1800" spc="-1" strike="noStrike">
                         <a:latin typeface="Arial"/>
@@ -5238,28 +5672,28 @@
                     </a:p>
                   </a:txBody>
                   <a:tcPr marL="90000" marR="90000">
-                    <a:lnL w="720">
+                    <a:lnL w="9360">
                       <a:solidFill>
                         <a:srgbClr val="ffffff"/>
                       </a:solidFill>
                     </a:lnL>
-                    <a:lnR w="720">
+                    <a:lnR w="9360">
                       <a:solidFill>
                         <a:srgbClr val="ffffff"/>
                       </a:solidFill>
                     </a:lnR>
-                    <a:lnT w="720">
+                    <a:lnT w="9360">
                       <a:solidFill>
                         <a:srgbClr val="ffffff"/>
                       </a:solidFill>
                     </a:lnT>
-                    <a:lnB w="720">
+                    <a:lnB w="9360">
                       <a:solidFill>
                         <a:srgbClr val="ffffff"/>
                       </a:solidFill>
                     </a:lnB>
                     <a:solidFill>
-                      <a:srgbClr val="198a8a"/>
+                      <a:srgbClr val="ffcc99"/>
                     </a:solidFill>
                   </a:tcPr>
                 </a:tc>
@@ -5275,12 +5709,12 @@
                       <a:r>
                         <a:rPr b="1" lang="en-US" sz="1800" spc="-1" strike="noStrike">
                           <a:solidFill>
-                            <a:srgbClr val="000000"/>
+                            <a:srgbClr val="595959"/>
                           </a:solidFill>
                           <a:latin typeface="Arial"/>
                           <a:ea typeface="Arial"/>
                         </a:rPr>
-                        <a:t>Header 2</a:t>
+                        <a:t>header 2</a:t>
                       </a:r>
                       <a:endParaRPr b="0" lang="en-US" sz="1800" spc="-1" strike="noStrike">
                         <a:latin typeface="Arial"/>
@@ -5288,28 +5722,28 @@
                     </a:p>
                   </a:txBody>
                   <a:tcPr marL="90000" marR="90000">
-                    <a:lnL w="720">
+                    <a:lnL w="9360">
                       <a:solidFill>
                         <a:srgbClr val="ffffff"/>
                       </a:solidFill>
                     </a:lnL>
-                    <a:lnR w="720">
+                    <a:lnR w="9360">
                       <a:solidFill>
                         <a:srgbClr val="ffffff"/>
                       </a:solidFill>
                     </a:lnR>
-                    <a:lnT w="720">
+                    <a:lnT w="9360">
                       <a:solidFill>
                         <a:srgbClr val="ffffff"/>
                       </a:solidFill>
                     </a:lnT>
-                    <a:lnB w="720">
+                    <a:lnB w="9360">
                       <a:solidFill>
                         <a:srgbClr val="ffffff"/>
                       </a:solidFill>
                     </a:lnB>
                     <a:solidFill>
-                      <a:srgbClr val="198a8a"/>
+                      <a:srgbClr val="ffcc99"/>
                     </a:solidFill>
                   </a:tcPr>
                 </a:tc>
@@ -5325,12 +5759,12 @@
                       <a:r>
                         <a:rPr b="1" lang="en-US" sz="1800" spc="-1" strike="noStrike">
                           <a:solidFill>
-                            <a:srgbClr val="000000"/>
+                            <a:srgbClr val="595959"/>
                           </a:solidFill>
                           <a:latin typeface="Arial"/>
                           <a:ea typeface="Arial"/>
                         </a:rPr>
-                        <a:t>Header 3</a:t>
+                        <a:t>header 3</a:t>
                       </a:r>
                       <a:endParaRPr b="0" lang="en-US" sz="1800" spc="-1" strike="noStrike">
                         <a:latin typeface="Arial"/>
@@ -5338,28 +5772,28 @@
                     </a:p>
                   </a:txBody>
                   <a:tcPr marL="90000" marR="90000">
-                    <a:lnL w="720">
+                    <a:lnL w="9360">
                       <a:solidFill>
                         <a:srgbClr val="ffffff"/>
                       </a:solidFill>
                     </a:lnL>
-                    <a:lnR w="720">
+                    <a:lnR w="9360">
                       <a:solidFill>
                         <a:srgbClr val="ffffff"/>
                       </a:solidFill>
                     </a:lnR>
-                    <a:lnT w="720">
+                    <a:lnT w="9360">
                       <a:solidFill>
                         <a:srgbClr val="ffffff"/>
                       </a:solidFill>
                     </a:lnT>
-                    <a:lnB w="720">
+                    <a:lnB w="9360">
                       <a:solidFill>
                         <a:srgbClr val="ffffff"/>
                       </a:solidFill>
                     </a:lnB>
                     <a:solidFill>
-                      <a:srgbClr val="198a8a"/>
+                      <a:srgbClr val="ffcc99"/>
                     </a:solidFill>
                   </a:tcPr>
                 </a:tc>
@@ -5375,12 +5809,12 @@
                       <a:r>
                         <a:rPr b="1" lang="en-US" sz="1800" spc="-1" strike="noStrike">
                           <a:solidFill>
-                            <a:srgbClr val="000000"/>
+                            <a:srgbClr val="595959"/>
                           </a:solidFill>
                           <a:latin typeface="Arial"/>
                           <a:ea typeface="Arial"/>
                         </a:rPr>
-                        <a:t>Header 4</a:t>
+                        <a:t>header 4</a:t>
                       </a:r>
                       <a:endParaRPr b="0" lang="en-US" sz="1800" spc="-1" strike="noStrike">
                         <a:latin typeface="Arial"/>
@@ -5388,28 +5822,28 @@
                     </a:p>
                   </a:txBody>
                   <a:tcPr marL="90000" marR="90000">
-                    <a:lnL w="720">
+                    <a:lnL w="9360">
                       <a:solidFill>
                         <a:srgbClr val="ffffff"/>
                       </a:solidFill>
                     </a:lnL>
-                    <a:lnR w="720">
+                    <a:lnR w="9360">
                       <a:solidFill>
                         <a:srgbClr val="ffffff"/>
                       </a:solidFill>
                     </a:lnR>
-                    <a:lnT w="720">
+                    <a:lnT w="9360">
                       <a:solidFill>
                         <a:srgbClr val="ffffff"/>
                       </a:solidFill>
                     </a:lnT>
-                    <a:lnB w="720">
+                    <a:lnB w="9360">
                       <a:solidFill>
                         <a:srgbClr val="ffffff"/>
                       </a:solidFill>
                     </a:lnB>
                     <a:solidFill>
-                      <a:srgbClr val="198a8a"/>
+                      <a:srgbClr val="ffcc99"/>
                     </a:solidFill>
                   </a:tcPr>
                 </a:tc>
@@ -5425,12 +5859,12 @@
                       <a:r>
                         <a:rPr b="1" lang="en-US" sz="1800" spc="-1" strike="noStrike">
                           <a:solidFill>
-                            <a:srgbClr val="000000"/>
+                            <a:srgbClr val="595959"/>
                           </a:solidFill>
                           <a:latin typeface="Arial"/>
                           <a:ea typeface="Arial"/>
                         </a:rPr>
-                        <a:t>Header 5</a:t>
+                        <a:t>header 5</a:t>
                       </a:r>
                       <a:endParaRPr b="0" lang="en-US" sz="1800" spc="-1" strike="noStrike">
                         <a:latin typeface="Arial"/>
@@ -5438,728 +5872,439 @@
                     </a:p>
                   </a:txBody>
                   <a:tcPr marL="90000" marR="90000">
-                    <a:lnL w="720">
+                    <a:lnL w="9360">
                       <a:solidFill>
                         <a:srgbClr val="ffffff"/>
                       </a:solidFill>
                     </a:lnL>
-                    <a:lnR w="720">
+                    <a:lnR w="9360">
                       <a:solidFill>
                         <a:srgbClr val="ffffff"/>
                       </a:solidFill>
                     </a:lnR>
-                    <a:lnT w="720">
+                    <a:lnT w="9360">
                       <a:solidFill>
                         <a:srgbClr val="ffffff"/>
                       </a:solidFill>
                     </a:lnT>
-                    <a:lnB w="720">
+                    <a:lnB w="9360">
                       <a:solidFill>
                         <a:srgbClr val="ffffff"/>
                       </a:solidFill>
                     </a:lnB>
                     <a:solidFill>
-                      <a:srgbClr val="198a8a"/>
+                      <a:srgbClr val="ffcc99"/>
                     </a:solidFill>
                   </a:tcPr>
                 </a:tc>
               </a:tr>
               <a:tr h="519480">
                 <a:tc>
-                  <a:txBody>
-                    <a:bodyPr lIns="90000" rIns="90000"/>
-                    <a:p>
-                      <a:pPr>
-                        <a:lnSpc>
-                          <a:spcPct val="100000"/>
-                        </a:lnSpc>
-                      </a:pPr>
-                      <a:r>
-                        <a:rPr b="0" lang="en-US" sz="2400" spc="-1" strike="noStrike">
-                          <a:latin typeface="Times New Roman"/>
-                        </a:rPr>
-                        <a:t>11</a:t>
-                      </a:r>
-                      <a:endParaRPr b="0" lang="en-US" sz="2400" spc="-1" strike="noStrike">
-                        <a:latin typeface="Arial"/>
-                      </a:endParaRPr>
-                    </a:p>
-                  </a:txBody>
-                  <a:tcPr marL="90000" marR="90000">
-                    <a:lnL w="720">
+                  <a:tcPr marL="91080" marR="91080">
+                    <a:lnL w="9360">
                       <a:solidFill>
                         <a:srgbClr val="ffffff"/>
                       </a:solidFill>
                     </a:lnL>
-                    <a:lnR w="720">
+                    <a:lnR w="9360">
                       <a:solidFill>
                         <a:srgbClr val="ffffff"/>
                       </a:solidFill>
                     </a:lnR>
-                    <a:lnT w="720">
+                    <a:lnT w="9360">
                       <a:solidFill>
                         <a:srgbClr val="ffffff"/>
                       </a:solidFill>
                     </a:lnT>
-                    <a:lnB w="720">
+                    <a:lnB w="9360">
                       <a:solidFill>
                         <a:srgbClr val="ffffff"/>
                       </a:solidFill>
                     </a:lnB>
                     <a:solidFill>
-                      <a:srgbClr val="33a3a3"/>
+                      <a:srgbClr val="ffff99"/>
                     </a:solidFill>
                   </a:tcPr>
                 </a:tc>
                 <a:tc>
-                  <a:txBody>
-                    <a:bodyPr lIns="90000" rIns="90000"/>
-                    <a:p>
-                      <a:pPr>
-                        <a:lnSpc>
-                          <a:spcPct val="100000"/>
-                        </a:lnSpc>
-                      </a:pPr>
-                      <a:r>
-                        <a:rPr b="0" lang="en-US" sz="2400" spc="-1" strike="noStrike">
-                          <a:latin typeface="Times New Roman"/>
-                        </a:rPr>
-                        <a:t>12</a:t>
-                      </a:r>
-                      <a:endParaRPr b="0" lang="en-US" sz="2400" spc="-1" strike="noStrike">
-                        <a:latin typeface="Arial"/>
-                      </a:endParaRPr>
-                    </a:p>
-                  </a:txBody>
-                  <a:tcPr marL="90000" marR="90000">
-                    <a:lnL w="720">
+                  <a:tcPr marL="91080" marR="91080">
+                    <a:lnL w="9360">
                       <a:solidFill>
                         <a:srgbClr val="ffffff"/>
                       </a:solidFill>
                     </a:lnL>
-                    <a:lnR w="720">
+                    <a:lnR w="9360">
                       <a:solidFill>
                         <a:srgbClr val="ffffff"/>
                       </a:solidFill>
                     </a:lnR>
-                    <a:lnT w="720">
+                    <a:lnT w="9360">
                       <a:solidFill>
                         <a:srgbClr val="ffffff"/>
                       </a:solidFill>
                     </a:lnT>
-                    <a:lnB w="720">
+                    <a:lnB w="9360">
                       <a:solidFill>
                         <a:srgbClr val="ffffff"/>
                       </a:solidFill>
                     </a:lnB>
                     <a:solidFill>
-                      <a:srgbClr val="33a3a3"/>
+                      <a:srgbClr val="ffff99"/>
                     </a:solidFill>
                   </a:tcPr>
                 </a:tc>
                 <a:tc>
-                  <a:txBody>
-                    <a:bodyPr lIns="90000" rIns="90000"/>
-                    <a:p>
-                      <a:pPr>
-                        <a:lnSpc>
-                          <a:spcPct val="100000"/>
-                        </a:lnSpc>
-                      </a:pPr>
-                      <a:r>
-                        <a:rPr b="0" lang="en-US" sz="2400" spc="-1" strike="noStrike">
-                          <a:latin typeface="Times New Roman"/>
-                        </a:rPr>
-                        <a:t>13</a:t>
-                      </a:r>
-                      <a:endParaRPr b="0" lang="en-US" sz="2400" spc="-1" strike="noStrike">
-                        <a:latin typeface="Arial"/>
-                      </a:endParaRPr>
-                    </a:p>
-                  </a:txBody>
-                  <a:tcPr marL="90000" marR="90000">
-                    <a:lnL w="720">
+                  <a:tcPr marL="91080" marR="91080">
+                    <a:lnL w="9360">
                       <a:solidFill>
                         <a:srgbClr val="ffffff"/>
                       </a:solidFill>
                     </a:lnL>
-                    <a:lnR w="720">
+                    <a:lnR w="9360">
                       <a:solidFill>
                         <a:srgbClr val="ffffff"/>
                       </a:solidFill>
                     </a:lnR>
-                    <a:lnT w="720">
+                    <a:lnT w="9360">
                       <a:solidFill>
                         <a:srgbClr val="ffffff"/>
                       </a:solidFill>
                     </a:lnT>
-                    <a:lnB w="720">
+                    <a:lnB w="9360">
                       <a:solidFill>
                         <a:srgbClr val="ffffff"/>
                       </a:solidFill>
                     </a:lnB>
                     <a:solidFill>
-                      <a:srgbClr val="33a3a3"/>
+                      <a:srgbClr val="ffff99"/>
                     </a:solidFill>
                   </a:tcPr>
                 </a:tc>
                 <a:tc>
-                  <a:txBody>
-                    <a:bodyPr lIns="90000" rIns="90000"/>
-                    <a:p>
-                      <a:pPr>
-                        <a:lnSpc>
-                          <a:spcPct val="100000"/>
-                        </a:lnSpc>
-                      </a:pPr>
-                      <a:r>
-                        <a:rPr b="0" lang="en-US" sz="2400" spc="-1" strike="noStrike">
-                          <a:latin typeface="Times New Roman"/>
-                        </a:rPr>
-                        <a:t>14</a:t>
-                      </a:r>
-                      <a:endParaRPr b="0" lang="en-US" sz="2400" spc="-1" strike="noStrike">
-                        <a:latin typeface="Arial"/>
-                      </a:endParaRPr>
-                    </a:p>
-                  </a:txBody>
-                  <a:tcPr marL="90000" marR="90000">
-                    <a:lnL w="720">
+                  <a:tcPr marL="91080" marR="91080">
+                    <a:lnL w="9360">
                       <a:solidFill>
                         <a:srgbClr val="ffffff"/>
                       </a:solidFill>
                     </a:lnL>
-                    <a:lnR w="720">
+                    <a:lnR w="9360">
                       <a:solidFill>
                         <a:srgbClr val="ffffff"/>
                       </a:solidFill>
                     </a:lnR>
-                    <a:lnT w="720">
+                    <a:lnT w="9360">
                       <a:solidFill>
                         <a:srgbClr val="ffffff"/>
                       </a:solidFill>
                     </a:lnT>
-                    <a:lnB w="720">
+                    <a:lnB w="9360">
                       <a:solidFill>
                         <a:srgbClr val="ffffff"/>
                       </a:solidFill>
                     </a:lnB>
                     <a:solidFill>
-                      <a:srgbClr val="33a3a3"/>
+                      <a:srgbClr val="ffff99"/>
                     </a:solidFill>
                   </a:tcPr>
                 </a:tc>
                 <a:tc>
-                  <a:txBody>
-                    <a:bodyPr lIns="90000" rIns="90000"/>
-                    <a:p>
-                      <a:pPr>
-                        <a:lnSpc>
-                          <a:spcPct val="100000"/>
-                        </a:lnSpc>
-                      </a:pPr>
-                      <a:r>
-                        <a:rPr b="0" lang="en-US" sz="2400" spc="-1" strike="noStrike">
-                          <a:latin typeface="Times New Roman"/>
-                        </a:rPr>
-                        <a:t>15</a:t>
-                      </a:r>
-                      <a:endParaRPr b="0" lang="en-US" sz="2400" spc="-1" strike="noStrike">
-                        <a:latin typeface="Arial"/>
-                      </a:endParaRPr>
-                    </a:p>
-                  </a:txBody>
-                  <a:tcPr marL="90000" marR="90000">
-                    <a:lnL w="720">
+                  <a:tcPr marL="91080" marR="91080">
+                    <a:lnL w="9360">
                       <a:solidFill>
                         <a:srgbClr val="ffffff"/>
                       </a:solidFill>
                     </a:lnL>
-                    <a:lnR w="720">
+                    <a:lnR w="9360">
                       <a:solidFill>
                         <a:srgbClr val="ffffff"/>
                       </a:solidFill>
                     </a:lnR>
-                    <a:lnT w="720">
+                    <a:lnT w="9360">
                       <a:solidFill>
                         <a:srgbClr val="ffffff"/>
                       </a:solidFill>
                     </a:lnT>
-                    <a:lnB w="720">
+                    <a:lnB w="9360">
                       <a:solidFill>
                         <a:srgbClr val="ffffff"/>
                       </a:solidFill>
                     </a:lnB>
                     <a:solidFill>
-                      <a:srgbClr val="33a3a3"/>
+                      <a:srgbClr val="ffff99"/>
                     </a:solidFill>
                   </a:tcPr>
                 </a:tc>
               </a:tr>
               <a:tr h="519480">
                 <a:tc>
-                  <a:txBody>
-                    <a:bodyPr lIns="90000" rIns="90000"/>
-                    <a:p>
-                      <a:pPr>
-                        <a:lnSpc>
-                          <a:spcPct val="100000"/>
-                        </a:lnSpc>
-                      </a:pPr>
-                      <a:r>
-                        <a:rPr b="0" lang="en-US" sz="1800" spc="-1" strike="noStrike">
-                          <a:solidFill>
-                            <a:srgbClr val="000000"/>
-                          </a:solidFill>
-                          <a:latin typeface="Arial"/>
-                          <a:ea typeface="Arial"/>
-                        </a:rPr>
-                        <a:t>+++RW_ID 3rdRow +++ 21 </a:t>
-                      </a:r>
-                      <a:endParaRPr b="0" lang="en-US" sz="1800" spc="-1" strike="noStrike">
-                        <a:latin typeface="Arial"/>
-                      </a:endParaRPr>
-                    </a:p>
-                  </a:txBody>
-                  <a:tcPr marL="90000" marR="90000">
-                    <a:lnL w="720">
+                  <a:tcPr marL="91080" marR="91080">
+                    <a:lnL w="9360">
                       <a:solidFill>
                         <a:srgbClr val="ffffff"/>
                       </a:solidFill>
                     </a:lnL>
-                    <a:lnR w="720">
+                    <a:lnR w="9360">
                       <a:solidFill>
                         <a:srgbClr val="ffffff"/>
                       </a:solidFill>
                     </a:lnR>
-                    <a:lnT w="720">
+                    <a:lnT w="9360">
                       <a:solidFill>
                         <a:srgbClr val="ffffff"/>
                       </a:solidFill>
                     </a:lnT>
-                    <a:lnB w="720">
+                    <a:lnB w="9360">
                       <a:solidFill>
                         <a:srgbClr val="ffffff"/>
                       </a:solidFill>
                     </a:lnB>
                     <a:solidFill>
-                      <a:srgbClr val="47b8b8"/>
+                      <a:srgbClr val="ffffcc"/>
                     </a:solidFill>
                   </a:tcPr>
                 </a:tc>
                 <a:tc>
-                  <a:txBody>
-                    <a:bodyPr lIns="90000" rIns="90000"/>
-                    <a:p>
-                      <a:pPr>
-                        <a:lnSpc>
-                          <a:spcPct val="100000"/>
-                        </a:lnSpc>
-                      </a:pPr>
-                      <a:r>
-                        <a:rPr b="0" lang="en-US" sz="2400" spc="-1" strike="noStrike">
-                          <a:latin typeface="Times New Roman"/>
-                        </a:rPr>
-                        <a:t>22</a:t>
-                      </a:r>
-                      <a:endParaRPr b="0" lang="en-US" sz="2400" spc="-1" strike="noStrike">
-                        <a:latin typeface="Arial"/>
-                      </a:endParaRPr>
-                    </a:p>
-                  </a:txBody>
-                  <a:tcPr marL="90000" marR="90000">
-                    <a:lnL w="720">
+                  <a:tcPr marL="91080" marR="91080">
+                    <a:lnL w="9360">
                       <a:solidFill>
                         <a:srgbClr val="ffffff"/>
                       </a:solidFill>
                     </a:lnL>
-                    <a:lnR w="720">
+                    <a:lnR w="9360">
                       <a:solidFill>
                         <a:srgbClr val="ffffff"/>
                       </a:solidFill>
                     </a:lnR>
-                    <a:lnT w="720">
+                    <a:lnT w="9360">
                       <a:solidFill>
                         <a:srgbClr val="ffffff"/>
                       </a:solidFill>
                     </a:lnT>
-                    <a:lnB w="720">
+                    <a:lnB w="9360">
                       <a:solidFill>
                         <a:srgbClr val="ffffff"/>
                       </a:solidFill>
                     </a:lnB>
                     <a:solidFill>
-                      <a:srgbClr val="47b8b8"/>
+                      <a:srgbClr val="ffffcc"/>
                     </a:solidFill>
                   </a:tcPr>
                 </a:tc>
                 <a:tc>
-                  <a:txBody>
-                    <a:bodyPr lIns="90000" rIns="90000"/>
-                    <a:p>
-                      <a:pPr>
-                        <a:lnSpc>
-                          <a:spcPct val="100000"/>
-                        </a:lnSpc>
-                      </a:pPr>
-                      <a:r>
-                        <a:rPr b="0" lang="en-US" sz="2400" spc="-1" strike="noStrike">
-                          <a:latin typeface="Times New Roman"/>
-                        </a:rPr>
-                        <a:t>23</a:t>
-                      </a:r>
-                      <a:endParaRPr b="0" lang="en-US" sz="2400" spc="-1" strike="noStrike">
-                        <a:latin typeface="Arial"/>
-                      </a:endParaRPr>
-                    </a:p>
-                  </a:txBody>
-                  <a:tcPr marL="90000" marR="90000">
-                    <a:lnL w="720">
+                  <a:tcPr marL="91080" marR="91080">
+                    <a:lnL w="9360">
                       <a:solidFill>
                         <a:srgbClr val="ffffff"/>
                       </a:solidFill>
                     </a:lnL>
-                    <a:lnR w="720">
+                    <a:lnR w="9360">
                       <a:solidFill>
                         <a:srgbClr val="ffffff"/>
                       </a:solidFill>
                     </a:lnR>
-                    <a:lnT w="720">
+                    <a:lnT w="9360">
                       <a:solidFill>
                         <a:srgbClr val="ffffff"/>
                       </a:solidFill>
                     </a:lnT>
-                    <a:lnB w="720">
+                    <a:lnB w="9360">
                       <a:solidFill>
                         <a:srgbClr val="ffffff"/>
                       </a:solidFill>
                     </a:lnB>
                     <a:solidFill>
-                      <a:srgbClr val="47b8b8"/>
+                      <a:srgbClr val="ffffcc"/>
                     </a:solidFill>
                   </a:tcPr>
                 </a:tc>
                 <a:tc>
-                  <a:txBody>
-                    <a:bodyPr lIns="90000" rIns="90000"/>
-                    <a:p>
-                      <a:pPr>
-                        <a:lnSpc>
-                          <a:spcPct val="100000"/>
-                        </a:lnSpc>
-                      </a:pPr>
-                      <a:r>
-                        <a:rPr b="0" lang="en-US" sz="2400" spc="-1" strike="noStrike">
-                          <a:latin typeface="Times New Roman"/>
-                        </a:rPr>
-                        <a:t>24</a:t>
-                      </a:r>
-                      <a:endParaRPr b="0" lang="en-US" sz="2400" spc="-1" strike="noStrike">
-                        <a:latin typeface="Arial"/>
-                      </a:endParaRPr>
-                    </a:p>
-                  </a:txBody>
-                  <a:tcPr marL="90000" marR="90000">
-                    <a:lnL w="720">
+                  <a:tcPr marL="91080" marR="91080">
+                    <a:lnL w="9360">
                       <a:solidFill>
                         <a:srgbClr val="ffffff"/>
                       </a:solidFill>
                     </a:lnL>
-                    <a:lnR w="720">
+                    <a:lnR w="9360">
                       <a:solidFill>
                         <a:srgbClr val="ffffff"/>
                       </a:solidFill>
                     </a:lnR>
-                    <a:lnT w="720">
+                    <a:lnT w="9360">
                       <a:solidFill>
                         <a:srgbClr val="ffffff"/>
                       </a:solidFill>
                     </a:lnT>
-                    <a:lnB w="720">
+                    <a:lnB w="9360">
                       <a:solidFill>
                         <a:srgbClr val="ffffff"/>
                       </a:solidFill>
                     </a:lnB>
                     <a:solidFill>
-                      <a:srgbClr val="47b8b8"/>
+                      <a:srgbClr val="ffffcc"/>
                     </a:solidFill>
                   </a:tcPr>
                 </a:tc>
                 <a:tc>
-                  <a:txBody>
-                    <a:bodyPr lIns="90000" rIns="90000"/>
-                    <a:p>
-                      <a:pPr>
-                        <a:lnSpc>
-                          <a:spcPct val="100000"/>
-                        </a:lnSpc>
-                      </a:pPr>
-                      <a:r>
-                        <a:rPr b="0" lang="en-US" sz="2400" spc="-1" strike="noStrike">
-                          <a:latin typeface="Times New Roman"/>
-                        </a:rPr>
-                        <a:t>25</a:t>
-                      </a:r>
-                      <a:endParaRPr b="0" lang="en-US" sz="2400" spc="-1" strike="noStrike">
-                        <a:latin typeface="Arial"/>
-                      </a:endParaRPr>
-                    </a:p>
-                  </a:txBody>
-                  <a:tcPr marL="90000" marR="90000">
-                    <a:lnL w="720">
+                  <a:tcPr marL="91080" marR="91080">
+                    <a:lnL w="9360">
                       <a:solidFill>
                         <a:srgbClr val="ffffff"/>
                       </a:solidFill>
                     </a:lnL>
-                    <a:lnR w="720">
+                    <a:lnR w="9360">
                       <a:solidFill>
                         <a:srgbClr val="ffffff"/>
                       </a:solidFill>
                     </a:lnR>
-                    <a:lnT w="720">
+                    <a:lnT w="9360">
                       <a:solidFill>
                         <a:srgbClr val="ffffff"/>
                       </a:solidFill>
                     </a:lnT>
-                    <a:lnB w="720">
+                    <a:lnB w="9360">
                       <a:solidFill>
                         <a:srgbClr val="ffffff"/>
                       </a:solidFill>
                     </a:lnB>
                     <a:solidFill>
-                      <a:srgbClr val="47b8b8"/>
+                      <a:srgbClr val="ffffcc"/>
                     </a:solidFill>
                   </a:tcPr>
                 </a:tc>
               </a:tr>
               <a:tr h="519480">
                 <a:tc>
-                  <a:txBody>
-                    <a:bodyPr lIns="90000" rIns="90000"/>
-                    <a:p>
-                      <a:pPr>
-                        <a:lnSpc>
-                          <a:spcPct val="100000"/>
-                        </a:lnSpc>
-                      </a:pPr>
-                      <a:r>
-                        <a:rPr b="0" lang="en-US" sz="2400" spc="-1" strike="noStrike">
-                          <a:latin typeface="Times New Roman"/>
-                        </a:rPr>
-                        <a:t>31</a:t>
-                      </a:r>
-                      <a:endParaRPr b="0" lang="en-US" sz="2400" spc="-1" strike="noStrike">
-                        <a:latin typeface="Arial"/>
-                      </a:endParaRPr>
-                    </a:p>
-                  </a:txBody>
-                  <a:tcPr marL="90000" marR="90000">
-                    <a:lnL w="720">
+                  <a:tcPr marL="91080" marR="91080">
+                    <a:lnL w="9360">
                       <a:solidFill>
                         <a:srgbClr val="ffffff"/>
                       </a:solidFill>
                     </a:lnL>
-                    <a:lnR w="720">
+                    <a:lnR w="9360">
                       <a:solidFill>
                         <a:srgbClr val="ffffff"/>
                       </a:solidFill>
                     </a:lnR>
-                    <a:lnT w="720">
+                    <a:lnT w="9360">
                       <a:solidFill>
                         <a:srgbClr val="ffffff"/>
                       </a:solidFill>
                     </a:lnT>
-                    <a:lnB w="720">
+                    <a:lnB w="9360">
                       <a:solidFill>
                         <a:srgbClr val="ffffff"/>
                       </a:solidFill>
                     </a:lnB>
                     <a:solidFill>
-                      <a:srgbClr val="33a3a3"/>
+                      <a:srgbClr val="ffff99"/>
                     </a:solidFill>
                   </a:tcPr>
                 </a:tc>
                 <a:tc>
-                  <a:txBody>
-                    <a:bodyPr lIns="90000" rIns="90000"/>
-                    <a:p>
-                      <a:pPr>
-                        <a:lnSpc>
-                          <a:spcPct val="100000"/>
-                        </a:lnSpc>
-                      </a:pPr>
-                      <a:r>
-                        <a:rPr b="0" lang="en-US" sz="2400" spc="-1" strike="noStrike">
-                          <a:latin typeface="Times New Roman"/>
-                        </a:rPr>
-                        <a:t>32</a:t>
-                      </a:r>
-                      <a:endParaRPr b="0" lang="en-US" sz="2400" spc="-1" strike="noStrike">
-                        <a:latin typeface="Arial"/>
-                      </a:endParaRPr>
-                    </a:p>
-                  </a:txBody>
-                  <a:tcPr marL="90000" marR="90000">
-                    <a:lnL w="720">
+                  <a:tcPr marL="91080" marR="91080">
+                    <a:lnL w="9360">
                       <a:solidFill>
                         <a:srgbClr val="ffffff"/>
                       </a:solidFill>
                     </a:lnL>
-                    <a:lnR w="720">
+                    <a:lnR w="9360">
                       <a:solidFill>
                         <a:srgbClr val="ffffff"/>
                       </a:solidFill>
                     </a:lnR>
-                    <a:lnT w="720">
+                    <a:lnT w="9360">
                       <a:solidFill>
                         <a:srgbClr val="ffffff"/>
                       </a:solidFill>
                     </a:lnT>
-                    <a:lnB w="720">
+                    <a:lnB w="9360">
                       <a:solidFill>
                         <a:srgbClr val="ffffff"/>
                       </a:solidFill>
                     </a:lnB>
                     <a:solidFill>
-                      <a:srgbClr val="33a3a3"/>
+                      <a:srgbClr val="ffff99"/>
                     </a:solidFill>
                   </a:tcPr>
                 </a:tc>
                 <a:tc>
-                  <a:txBody>
-                    <a:bodyPr lIns="90000" rIns="90000"/>
-                    <a:p>
-                      <a:pPr>
-                        <a:lnSpc>
-                          <a:spcPct val="100000"/>
-                        </a:lnSpc>
-                      </a:pPr>
-                      <a:r>
-                        <a:rPr b="0" lang="en-US" sz="2400" spc="-1" strike="noStrike">
-                          <a:latin typeface="Times New Roman"/>
-                        </a:rPr>
-                        <a:t>33</a:t>
-                      </a:r>
-                      <a:endParaRPr b="0" lang="en-US" sz="2400" spc="-1" strike="noStrike">
-                        <a:latin typeface="Arial"/>
-                      </a:endParaRPr>
-                    </a:p>
-                  </a:txBody>
-                  <a:tcPr marL="90000" marR="90000">
-                    <a:lnL w="720">
+                  <a:tcPr marL="91080" marR="91080">
+                    <a:lnL w="9360">
                       <a:solidFill>
                         <a:srgbClr val="ffffff"/>
                       </a:solidFill>
                     </a:lnL>
-                    <a:lnR w="720">
+                    <a:lnR w="9360">
                       <a:solidFill>
                         <a:srgbClr val="ffffff"/>
                       </a:solidFill>
                     </a:lnR>
-                    <a:lnT w="720">
+                    <a:lnT w="9360">
                       <a:solidFill>
                         <a:srgbClr val="ffffff"/>
                       </a:solidFill>
                     </a:lnT>
-                    <a:lnB w="720">
+                    <a:lnB w="9360">
                       <a:solidFill>
                         <a:srgbClr val="ffffff"/>
                       </a:solidFill>
                     </a:lnB>
                     <a:solidFill>
-                      <a:srgbClr val="33a3a3"/>
+                      <a:srgbClr val="ffff99"/>
                     </a:solidFill>
                   </a:tcPr>
                 </a:tc>
                 <a:tc>
-                  <a:txBody>
-                    <a:bodyPr lIns="90000" rIns="90000"/>
-                    <a:p>
-                      <a:pPr>
-                        <a:lnSpc>
-                          <a:spcPct val="100000"/>
-                        </a:lnSpc>
-                      </a:pPr>
-                      <a:r>
-                        <a:rPr b="0" lang="en-US" sz="2400" spc="-1" strike="noStrike">
-                          <a:latin typeface="Times New Roman"/>
-                        </a:rPr>
-                        <a:t>34</a:t>
-                      </a:r>
-                      <a:endParaRPr b="0" lang="en-US" sz="2400" spc="-1" strike="noStrike">
-                        <a:latin typeface="Arial"/>
-                      </a:endParaRPr>
-                    </a:p>
-                  </a:txBody>
-                  <a:tcPr marL="90000" marR="90000">
-                    <a:lnL w="720">
+                  <a:tcPr marL="91080" marR="91080">
+                    <a:lnL w="9360">
                       <a:solidFill>
                         <a:srgbClr val="ffffff"/>
                       </a:solidFill>
                     </a:lnL>
-                    <a:lnR w="720">
+                    <a:lnR w="9360">
                       <a:solidFill>
                         <a:srgbClr val="ffffff"/>
                       </a:solidFill>
                     </a:lnR>
-                    <a:lnT w="720">
+                    <a:lnT w="9360">
                       <a:solidFill>
                         <a:srgbClr val="ffffff"/>
                       </a:solidFill>
                     </a:lnT>
-                    <a:lnB w="720">
+                    <a:lnB w="9360">
                       <a:solidFill>
                         <a:srgbClr val="ffffff"/>
                       </a:solidFill>
                     </a:lnB>
                     <a:solidFill>
-                      <a:srgbClr val="33a3a3"/>
+                      <a:srgbClr val="ffff99"/>
                     </a:solidFill>
                   </a:tcPr>
                 </a:tc>
                 <a:tc>
-                  <a:txBody>
-                    <a:bodyPr lIns="90000" rIns="90000"/>
-                    <a:p>
-                      <a:pPr>
-                        <a:lnSpc>
-                          <a:spcPct val="100000"/>
-                        </a:lnSpc>
-                      </a:pPr>
-                      <a:r>
-                        <a:rPr b="0" lang="en-US" sz="1800" spc="-1" strike="noStrike">
-                          <a:latin typeface="Arial"/>
-                        </a:rPr>
-                        <a:t>35</a:t>
-                      </a:r>
-                      <a:endParaRPr b="0" lang="en-US" sz="1800" spc="-1" strike="noStrike">
-                        <a:latin typeface="Arial"/>
-                      </a:endParaRPr>
-                    </a:p>
-                  </a:txBody>
-                  <a:tcPr marL="90000" marR="90000">
-                    <a:lnL w="720">
+                  <a:tcPr marL="91080" marR="91080">
+                    <a:lnL w="9360">
                       <a:solidFill>
                         <a:srgbClr val="ffffff"/>
                       </a:solidFill>
                     </a:lnL>
-                    <a:lnR w="720">
+                    <a:lnR w="9360">
                       <a:solidFill>
                         <a:srgbClr val="ffffff"/>
                       </a:solidFill>
                     </a:lnR>
-                    <a:lnT w="720">
+                    <a:lnT w="9360">
                       <a:solidFill>
                         <a:srgbClr val="ffffff"/>
                       </a:solidFill>
                     </a:lnT>
-                    <a:lnB w="720">
+                    <a:lnB w="9360">
                       <a:solidFill>
                         <a:srgbClr val="ffffff"/>
                       </a:solidFill>
                     </a:lnB>
                     <a:solidFill>
-                      <a:srgbClr val="33a3a3"/>
+                      <a:srgbClr val="ffff99"/>
                     </a:solidFill>
                   </a:tcPr>
                 </a:tc>
@@ -6168,6 +6313,104 @@
           </a:graphicData>
         </a:graphic>
       </p:graphicFrame>
+      <p:sp>
+        <p:nvSpPr>
+          <p:cNvPr id="91" name="CustomShape 4"/>
+          <p:cNvSpPr/>
+          <p:nvPr/>
+        </p:nvSpPr>
+        <p:spPr>
+          <a:xfrm>
+            <a:off x="8556840" y="4749840"/>
+            <a:ext cx="546480" cy="391320"/>
+          </a:xfrm>
+          <a:prstGeom prst="rect">
+            <a:avLst/>
+          </a:prstGeom>
+          <a:noFill/>
+          <a:ln>
+            <a:noFill/>
+          </a:ln>
+        </p:spPr>
+        <p:style>
+          <a:lnRef idx="0"/>
+          <a:fillRef idx="0"/>
+          <a:effectRef idx="0"/>
+          <a:fontRef idx="minor"/>
+        </p:style>
+        <p:txBody>
+          <a:bodyPr lIns="90000" rIns="90000" tIns="91440" bIns="91440"/>
+          <a:p>
+            <a:pPr algn="r">
+              <a:lnSpc>
+                <a:spcPct val="100000"/>
+              </a:lnSpc>
+            </a:pPr>
+            <a:fld id="{0358E54E-034D-4A4A-9B90-C8784DA370CA}" type="slidenum">
+              <a:rPr b="0" lang="en-US" sz="1300" spc="-1" strike="noStrike">
+                <a:solidFill>
+                  <a:srgbClr val="000000"/>
+                </a:solidFill>
+                <a:latin typeface="Arial"/>
+                <a:ea typeface="Arial"/>
+              </a:rPr>
+              <a:t>&lt;number&gt;</a:t>
+            </a:fld>
+            <a:endParaRPr b="0" lang="en-US" sz="1300" spc="-1" strike="noStrike">
+              <a:latin typeface="Arial"/>
+            </a:endParaRPr>
+          </a:p>
+        </p:txBody>
+      </p:sp>
+      <p:sp>
+        <p:nvSpPr>
+          <p:cNvPr id="92" name="CustomShape 5"/>
+          <p:cNvSpPr/>
+          <p:nvPr/>
+        </p:nvSpPr>
+        <p:spPr>
+          <a:xfrm>
+            <a:off x="4782240" y="475200"/>
+            <a:ext cx="2897640" cy="346320"/>
+          </a:xfrm>
+          <a:prstGeom prst="rect">
+            <a:avLst/>
+          </a:prstGeom>
+          <a:noFill/>
+          <a:ln>
+            <a:noFill/>
+          </a:ln>
+        </p:spPr>
+        <p:style>
+          <a:lnRef idx="0"/>
+          <a:fillRef idx="0"/>
+          <a:effectRef idx="0"/>
+          <a:fontRef idx="minor"/>
+        </p:style>
+        <p:txBody>
+          <a:bodyPr lIns="90000" rIns="90000" tIns="45000" bIns="45000"/>
+          <a:p>
+            <a:pPr>
+              <a:lnSpc>
+                <a:spcPct val="100000"/>
+              </a:lnSpc>
+            </a:pPr>
+            <a:r>
+              <a:rPr b="0" lang="en-US" sz="1800" spc="-1" strike="noStrike">
+                <a:solidFill>
+                  <a:srgbClr val="000000"/>
+                </a:solidFill>
+                <a:latin typeface="Arial"/>
+                <a:ea typeface="DejaVu Sans"/>
+              </a:rPr>
+              <a:t>+++TOC_IDS im3 +++</a:t>
+            </a:r>
+            <a:endParaRPr b="0" lang="en-US" sz="1800" spc="-1" strike="noStrike">
+              <a:latin typeface="Arial"/>
+            </a:endParaRPr>
+          </a:p>
+        </p:txBody>
+      </p:sp>
     </p:spTree>
   </p:cSld>
   <p:timing>
@@ -6219,14 +6462,14 @@
       </p:grpSpPr>
       <p:sp>
         <p:nvSpPr>
-          <p:cNvPr id="87" name="CustomShape 1"/>
+          <p:cNvPr id="93" name="CustomShape 1"/>
           <p:cNvSpPr/>
           <p:nvPr/>
         </p:nvSpPr>
         <p:spPr>
           <a:xfrm>
             <a:off x="311760" y="444960"/>
-            <a:ext cx="8502120" cy="554400"/>
+            <a:ext cx="8499600" cy="551880"/>
           </a:xfrm>
           <a:prstGeom prst="rect">
             <a:avLst/>
@@ -6243,9 +6486,7 @@
           <a:fontRef idx="minor"/>
         </p:style>
         <p:txBody>
-          <a:bodyPr lIns="90000" rIns="90000" tIns="91440" bIns="91440">
-            <a:normAutofit/>
-          </a:bodyPr>
+          <a:bodyPr lIns="90000" rIns="90000" tIns="91440" bIns="91440"/>
           <a:p>
             <a:pPr>
               <a:lnSpc>
@@ -6260,7 +6501,7 @@
                 <a:latin typeface="Arial"/>
                 <a:ea typeface="Arial"/>
               </a:rPr>
-              <a:t>+++INS table_name_column +++</a:t>
+              <a:t>+++INS table_name_row +++</a:t>
             </a:r>
             <a:endParaRPr b="0" lang="en-US" sz="2800" spc="-1" strike="noStrike">
               <a:latin typeface="Arial"/>
@@ -6270,14 +6511,14 @@
       </p:sp>
       <p:sp>
         <p:nvSpPr>
-          <p:cNvPr id="88" name="CustomShape 2"/>
+          <p:cNvPr id="94" name="CustomShape 2"/>
           <p:cNvSpPr/>
           <p:nvPr/>
         </p:nvSpPr>
         <p:spPr>
           <a:xfrm>
             <a:off x="311760" y="1152360"/>
-            <a:ext cx="8502120" cy="3398040"/>
+            <a:ext cx="8499600" cy="3395520"/>
           </a:xfrm>
           <a:prstGeom prst="rect">
             <a:avLst/>
@@ -6294,17 +6535,12 @@
           <a:fontRef idx="minor"/>
         </p:style>
         <p:txBody>
-          <a:bodyPr lIns="90000" rIns="90000" tIns="91440" bIns="91440">
-            <a:normAutofit/>
-          </a:bodyPr>
+          <a:bodyPr lIns="90000" rIns="90000" tIns="91440" bIns="91440"/>
           <a:p>
             <a:pPr>
               <a:lnSpc>
                 <a:spcPct val="115000"/>
               </a:lnSpc>
-              <a:spcAft>
-                <a:spcPts val="1199"/>
-              </a:spcAft>
             </a:pPr>
             <a:r>
               <a:rPr b="0" lang="en-US" sz="1800" spc="-1" strike="noStrike">
@@ -6314,7 +6550,7 @@
                 <a:latin typeface="Arial"/>
                 <a:ea typeface="Arial"/>
               </a:rPr>
-              <a:t>+++IF ((not table_1_col_4_present))&lt;&lt; +++TABLE_COLUMN_REMOVE 4thCol +++ &gt;&gt;IF-END+++</a:t>
+              <a:t>+++IF ((not table_1_row_3_present))&lt;&lt; +++TABLE_ROW_REMOVE 3rdRow +++ &gt;&gt;IF-END+++</a:t>
             </a:r>
             <a:br/>
             <a:endParaRPr b="0" lang="en-US" sz="1800" spc="-1" strike="noStrike">
@@ -6325,26 +6561,26 @@
       </p:sp>
       <p:graphicFrame>
         <p:nvGraphicFramePr>
-          <p:cNvPr id="89" name="Table 3"/>
+          <p:cNvPr id="95" name="Table 3"/>
           <p:cNvGraphicFramePr/>
           <p:nvPr/>
         </p:nvGraphicFramePr>
         <p:xfrm>
           <a:off x="952560" y="1809720"/>
-          <a:ext cx="7238160" cy="2077560"/>
+          <a:ext cx="7237800" cy="2064600"/>
         </p:xfrm>
         <a:graphic>
           <a:graphicData uri="http://schemas.openxmlformats.org/drawingml/2006/table">
             <a:tbl>
               <a:tblPr/>
               <a:tblGrid>
-                <a:gridCol w="1447560"/>
-                <a:gridCol w="1447560"/>
-                <a:gridCol w="1447560"/>
-                <a:gridCol w="1447560"/>
-                <a:gridCol w="1448280"/>
+                <a:gridCol w="1447200"/>
+                <a:gridCol w="1447200"/>
+                <a:gridCol w="1447200"/>
+                <a:gridCol w="1447200"/>
+                <a:gridCol w="1449360"/>
               </a:tblGrid>
-              <a:tr h="519480">
+              <a:tr h="347760">
                 <a:tc>
                   <a:txBody>
                     <a:bodyPr lIns="90000" rIns="90000"/>
@@ -6370,28 +6606,28 @@
                     </a:p>
                   </a:txBody>
                   <a:tcPr marL="90000" marR="90000">
-                    <a:lnL w="720">
+                    <a:lnL w="9360">
                       <a:solidFill>
                         <a:srgbClr val="ffffff"/>
                       </a:solidFill>
                     </a:lnL>
-                    <a:lnR w="720">
+                    <a:lnR w="9360">
                       <a:solidFill>
                         <a:srgbClr val="ffffff"/>
                       </a:solidFill>
                     </a:lnR>
-                    <a:lnT w="720">
+                    <a:lnT w="9360">
                       <a:solidFill>
                         <a:srgbClr val="ffffff"/>
                       </a:solidFill>
                     </a:lnT>
-                    <a:lnB w="720">
+                    <a:lnB w="9360">
                       <a:solidFill>
                         <a:srgbClr val="ffffff"/>
                       </a:solidFill>
                     </a:lnB>
                     <a:solidFill>
-                      <a:srgbClr val="9999cc"/>
+                      <a:srgbClr val="198a8a"/>
                     </a:solidFill>
                   </a:tcPr>
                 </a:tc>
@@ -6420,28 +6656,28 @@
                     </a:p>
                   </a:txBody>
                   <a:tcPr marL="90000" marR="90000">
-                    <a:lnL w="720">
+                    <a:lnL w="9360">
                       <a:solidFill>
                         <a:srgbClr val="ffffff"/>
                       </a:solidFill>
                     </a:lnL>
-                    <a:lnR w="720">
+                    <a:lnR w="9360">
                       <a:solidFill>
                         <a:srgbClr val="ffffff"/>
                       </a:solidFill>
                     </a:lnR>
-                    <a:lnT w="720">
+                    <a:lnT w="9360">
                       <a:solidFill>
                         <a:srgbClr val="ffffff"/>
                       </a:solidFill>
                     </a:lnT>
-                    <a:lnB w="720">
+                    <a:lnB w="9360">
                       <a:solidFill>
                         <a:srgbClr val="ffffff"/>
                       </a:solidFill>
                     </a:lnB>
                     <a:solidFill>
-                      <a:srgbClr val="9999cc"/>
+                      <a:srgbClr val="198a8a"/>
                     </a:solidFill>
                   </a:tcPr>
                 </a:tc>
@@ -6470,28 +6706,28 @@
                     </a:p>
                   </a:txBody>
                   <a:tcPr marL="90000" marR="90000">
-                    <a:lnL w="720">
+                    <a:lnL w="9360">
                       <a:solidFill>
                         <a:srgbClr val="ffffff"/>
                       </a:solidFill>
                     </a:lnL>
-                    <a:lnR w="720">
+                    <a:lnR w="9360">
                       <a:solidFill>
                         <a:srgbClr val="ffffff"/>
                       </a:solidFill>
                     </a:lnR>
-                    <a:lnT w="720">
+                    <a:lnT w="9360">
                       <a:solidFill>
                         <a:srgbClr val="ffffff"/>
                       </a:solidFill>
                     </a:lnT>
-                    <a:lnB w="720">
+                    <a:lnB w="9360">
                       <a:solidFill>
                         <a:srgbClr val="ffffff"/>
                       </a:solidFill>
                     </a:lnB>
                     <a:solidFill>
-                      <a:srgbClr val="9999cc"/>
+                      <a:srgbClr val="198a8a"/>
                     </a:solidFill>
                   </a:tcPr>
                 </a:tc>
@@ -6504,16 +6740,6 @@
                           <a:spcPct val="100000"/>
                         </a:lnSpc>
                       </a:pPr>
-                      <a:r>
-                        <a:rPr b="0" lang="en-US" sz="1800" spc="-1" strike="noStrike">
-                          <a:solidFill>
-                            <a:srgbClr val="595959"/>
-                          </a:solidFill>
-                          <a:latin typeface="Arial"/>
-                          <a:ea typeface="Arial"/>
-                        </a:rPr>
-                        <a:t>+++COL_ID 4thCol +++ </a:t>
-                      </a:r>
                       <a:r>
                         <a:rPr b="1" lang="en-US" sz="1800" spc="-1" strike="noStrike">
                           <a:solidFill>
@@ -6530,28 +6756,28 @@
                     </a:p>
                   </a:txBody>
                   <a:tcPr marL="90000" marR="90000">
-                    <a:lnL w="720">
+                    <a:lnL w="9360">
                       <a:solidFill>
                         <a:srgbClr val="ffffff"/>
                       </a:solidFill>
                     </a:lnL>
-                    <a:lnR w="720">
+                    <a:lnR w="9360">
                       <a:solidFill>
                         <a:srgbClr val="ffffff"/>
                       </a:solidFill>
                     </a:lnR>
-                    <a:lnT w="720">
+                    <a:lnT w="9360">
                       <a:solidFill>
                         <a:srgbClr val="ffffff"/>
                       </a:solidFill>
                     </a:lnT>
-                    <a:lnB w="720">
+                    <a:lnB w="9360">
                       <a:solidFill>
                         <a:srgbClr val="ffffff"/>
                       </a:solidFill>
                     </a:lnB>
                     <a:solidFill>
-                      <a:srgbClr val="9999cc"/>
+                      <a:srgbClr val="198a8a"/>
                     </a:solidFill>
                   </a:tcPr>
                 </a:tc>
@@ -6580,33 +6806,33 @@
                     </a:p>
                   </a:txBody>
                   <a:tcPr marL="90000" marR="90000">
-                    <a:lnL w="720">
+                    <a:lnL w="9360">
                       <a:solidFill>
                         <a:srgbClr val="ffffff"/>
                       </a:solidFill>
                     </a:lnL>
-                    <a:lnR w="720">
+                    <a:lnR w="9360">
                       <a:solidFill>
                         <a:srgbClr val="ffffff"/>
                       </a:solidFill>
                     </a:lnR>
-                    <a:lnT w="720">
+                    <a:lnT w="9360">
                       <a:solidFill>
                         <a:srgbClr val="ffffff"/>
                       </a:solidFill>
                     </a:lnT>
-                    <a:lnB w="720">
+                    <a:lnB w="9360">
                       <a:solidFill>
                         <a:srgbClr val="ffffff"/>
                       </a:solidFill>
                     </a:lnB>
                     <a:solidFill>
-                      <a:srgbClr val="9999cc"/>
+                      <a:srgbClr val="198a8a"/>
                     </a:solidFill>
                   </a:tcPr>
                 </a:tc>
               </a:tr>
-              <a:tr h="519480">
+              <a:tr h="428760">
                 <a:tc>
                   <a:txBody>
                     <a:bodyPr lIns="90000" rIns="90000"/>
@@ -6618,7 +6844,11 @@
                       </a:pPr>
                       <a:r>
                         <a:rPr b="0" lang="en-US" sz="2400" spc="-1" strike="noStrike">
+                          <a:solidFill>
+                            <a:srgbClr val="000000"/>
+                          </a:solidFill>
                           <a:latin typeface="Times New Roman"/>
+                          <a:ea typeface="Times New Roman"/>
                         </a:rPr>
                         <a:t>11</a:t>
                       </a:r>
@@ -6628,28 +6858,28 @@
                     </a:p>
                   </a:txBody>
                   <a:tcPr marL="90000" marR="90000">
-                    <a:lnL w="720">
+                    <a:lnL w="9360">
                       <a:solidFill>
                         <a:srgbClr val="ffffff"/>
                       </a:solidFill>
                     </a:lnL>
-                    <a:lnR w="720">
+                    <a:lnR w="9360">
                       <a:solidFill>
                         <a:srgbClr val="ffffff"/>
                       </a:solidFill>
                     </a:lnR>
-                    <a:lnT w="720">
+                    <a:lnT w="9360">
                       <a:solidFill>
                         <a:srgbClr val="ffffff"/>
                       </a:solidFill>
                     </a:lnT>
-                    <a:lnB w="720">
+                    <a:lnB w="9360">
                       <a:solidFill>
                         <a:srgbClr val="ffffff"/>
                       </a:solidFill>
                     </a:lnB>
                     <a:solidFill>
-                      <a:srgbClr val="e6e6ff"/>
+                      <a:srgbClr val="33a3a3"/>
                     </a:solidFill>
                   </a:tcPr>
                 </a:tc>
@@ -6664,7 +6894,11 @@
                       </a:pPr>
                       <a:r>
                         <a:rPr b="0" lang="en-US" sz="2400" spc="-1" strike="noStrike">
+                          <a:solidFill>
+                            <a:srgbClr val="000000"/>
+                          </a:solidFill>
                           <a:latin typeface="Times New Roman"/>
+                          <a:ea typeface="Times New Roman"/>
                         </a:rPr>
                         <a:t>12</a:t>
                       </a:r>
@@ -6674,28 +6908,28 @@
                     </a:p>
                   </a:txBody>
                   <a:tcPr marL="90000" marR="90000">
-                    <a:lnL w="720">
+                    <a:lnL w="9360">
                       <a:solidFill>
                         <a:srgbClr val="ffffff"/>
                       </a:solidFill>
                     </a:lnL>
-                    <a:lnR w="720">
+                    <a:lnR w="9360">
                       <a:solidFill>
                         <a:srgbClr val="ffffff"/>
                       </a:solidFill>
                     </a:lnR>
-                    <a:lnT w="720">
+                    <a:lnT w="9360">
                       <a:solidFill>
                         <a:srgbClr val="ffffff"/>
                       </a:solidFill>
                     </a:lnT>
-                    <a:lnB w="720">
+                    <a:lnB w="9360">
                       <a:solidFill>
                         <a:srgbClr val="ffffff"/>
                       </a:solidFill>
                     </a:lnB>
                     <a:solidFill>
-                      <a:srgbClr val="e6e6ff"/>
+                      <a:srgbClr val="33a3a3"/>
                     </a:solidFill>
                   </a:tcPr>
                 </a:tc>
@@ -6710,7 +6944,11 @@
                       </a:pPr>
                       <a:r>
                         <a:rPr b="0" lang="en-US" sz="2400" spc="-1" strike="noStrike">
+                          <a:solidFill>
+                            <a:srgbClr val="000000"/>
+                          </a:solidFill>
                           <a:latin typeface="Times New Roman"/>
+                          <a:ea typeface="Times New Roman"/>
                         </a:rPr>
                         <a:t>13</a:t>
                       </a:r>
@@ -6720,28 +6958,28 @@
                     </a:p>
                   </a:txBody>
                   <a:tcPr marL="90000" marR="90000">
-                    <a:lnL w="720">
+                    <a:lnL w="9360">
                       <a:solidFill>
                         <a:srgbClr val="ffffff"/>
                       </a:solidFill>
                     </a:lnL>
-                    <a:lnR w="720">
+                    <a:lnR w="9360">
                       <a:solidFill>
                         <a:srgbClr val="ffffff"/>
                       </a:solidFill>
                     </a:lnR>
-                    <a:lnT w="720">
+                    <a:lnT w="9360">
                       <a:solidFill>
                         <a:srgbClr val="ffffff"/>
                       </a:solidFill>
                     </a:lnT>
-                    <a:lnB w="720">
+                    <a:lnB w="9360">
                       <a:solidFill>
                         <a:srgbClr val="ffffff"/>
                       </a:solidFill>
                     </a:lnB>
                     <a:solidFill>
-                      <a:srgbClr val="e6e6ff"/>
+                      <a:srgbClr val="33a3a3"/>
                     </a:solidFill>
                   </a:tcPr>
                 </a:tc>
@@ -6756,7 +6994,11 @@
                       </a:pPr>
                       <a:r>
                         <a:rPr b="0" lang="en-US" sz="2400" spc="-1" strike="noStrike">
+                          <a:solidFill>
+                            <a:srgbClr val="000000"/>
+                          </a:solidFill>
                           <a:latin typeface="Times New Roman"/>
+                          <a:ea typeface="Times New Roman"/>
                         </a:rPr>
                         <a:t>14</a:t>
                       </a:r>
@@ -6766,28 +7008,28 @@
                     </a:p>
                   </a:txBody>
                   <a:tcPr marL="90000" marR="90000">
-                    <a:lnL w="720">
+                    <a:lnL w="9360">
                       <a:solidFill>
                         <a:srgbClr val="ffffff"/>
                       </a:solidFill>
                     </a:lnL>
-                    <a:lnR w="720">
+                    <a:lnR w="9360">
                       <a:solidFill>
                         <a:srgbClr val="ffffff"/>
                       </a:solidFill>
                     </a:lnR>
-                    <a:lnT w="720">
+                    <a:lnT w="9360">
                       <a:solidFill>
                         <a:srgbClr val="ffffff"/>
                       </a:solidFill>
                     </a:lnT>
-                    <a:lnB w="720">
+                    <a:lnB w="9360">
                       <a:solidFill>
                         <a:srgbClr val="ffffff"/>
                       </a:solidFill>
                     </a:lnB>
                     <a:solidFill>
-                      <a:srgbClr val="e6e6ff"/>
+                      <a:srgbClr val="33a3a3"/>
                     </a:solidFill>
                   </a:tcPr>
                 </a:tc>
@@ -6802,7 +7044,11 @@
                       </a:pPr>
                       <a:r>
                         <a:rPr b="0" lang="en-US" sz="2400" spc="-1" strike="noStrike">
+                          <a:solidFill>
+                            <a:srgbClr val="000000"/>
+                          </a:solidFill>
                           <a:latin typeface="Times New Roman"/>
+                          <a:ea typeface="Times New Roman"/>
                         </a:rPr>
                         <a:t>15</a:t>
                       </a:r>
@@ -6812,33 +7058,33 @@
                     </a:p>
                   </a:txBody>
                   <a:tcPr marL="90000" marR="90000">
-                    <a:lnL w="720">
+                    <a:lnL w="9360">
                       <a:solidFill>
                         <a:srgbClr val="ffffff"/>
                       </a:solidFill>
                     </a:lnL>
-                    <a:lnR w="720">
+                    <a:lnR w="9360">
                       <a:solidFill>
                         <a:srgbClr val="ffffff"/>
                       </a:solidFill>
                     </a:lnR>
-                    <a:lnT w="720">
+                    <a:lnT w="9360">
                       <a:solidFill>
                         <a:srgbClr val="ffffff"/>
                       </a:solidFill>
                     </a:lnT>
-                    <a:lnB w="720">
+                    <a:lnB w="9360">
                       <a:solidFill>
                         <a:srgbClr val="ffffff"/>
                       </a:solidFill>
                     </a:lnB>
                     <a:solidFill>
-                      <a:srgbClr val="e6e6ff"/>
+                      <a:srgbClr val="33a3a3"/>
                     </a:solidFill>
                   </a:tcPr>
                 </a:tc>
               </a:tr>
-              <a:tr h="519480">
+              <a:tr h="859680">
                 <a:tc>
                   <a:txBody>
                     <a:bodyPr lIns="90000" rIns="90000"/>
@@ -6851,12 +7097,12 @@
                       <a:r>
                         <a:rPr b="0" lang="en-US" sz="1800" spc="-1" strike="noStrike">
                           <a:solidFill>
-                            <a:srgbClr val="595959"/>
+                            <a:srgbClr val="000000"/>
                           </a:solidFill>
                           <a:latin typeface="Arial"/>
                           <a:ea typeface="Arial"/>
                         </a:rPr>
-                        <a:t>21 </a:t>
+                        <a:t>+++RW_ID 3rdRow +++ 21 </a:t>
                       </a:r>
                       <a:endParaRPr b="0" lang="en-US" sz="1800" spc="-1" strike="noStrike">
                         <a:latin typeface="Arial"/>
@@ -6864,28 +7110,28 @@
                     </a:p>
                   </a:txBody>
                   <a:tcPr marL="90000" marR="90000">
-                    <a:lnL w="720">
+                    <a:lnL w="9360">
                       <a:solidFill>
                         <a:srgbClr val="ffffff"/>
                       </a:solidFill>
                     </a:lnL>
-                    <a:lnR w="720">
+                    <a:lnR w="9360">
                       <a:solidFill>
                         <a:srgbClr val="ffffff"/>
                       </a:solidFill>
                     </a:lnR>
-                    <a:lnT w="720">
+                    <a:lnT w="9360">
                       <a:solidFill>
                         <a:srgbClr val="ffffff"/>
                       </a:solidFill>
                     </a:lnT>
-                    <a:lnB w="720">
+                    <a:lnB w="9360">
                       <a:solidFill>
                         <a:srgbClr val="ffffff"/>
                       </a:solidFill>
                     </a:lnB>
                     <a:solidFill>
-                      <a:srgbClr val="ffffff"/>
+                      <a:srgbClr val="47b8b8"/>
                     </a:solidFill>
                   </a:tcPr>
                 </a:tc>
@@ -6900,7 +7146,11 @@
                       </a:pPr>
                       <a:r>
                         <a:rPr b="0" lang="en-US" sz="2400" spc="-1" strike="noStrike">
+                          <a:solidFill>
+                            <a:srgbClr val="000000"/>
+                          </a:solidFill>
                           <a:latin typeface="Times New Roman"/>
+                          <a:ea typeface="Times New Roman"/>
                         </a:rPr>
                         <a:t>22</a:t>
                       </a:r>
@@ -6910,28 +7160,28 @@
                     </a:p>
                   </a:txBody>
                   <a:tcPr marL="90000" marR="90000">
-                    <a:lnL w="720">
+                    <a:lnL w="9360">
                       <a:solidFill>
                         <a:srgbClr val="ffffff"/>
                       </a:solidFill>
                     </a:lnL>
-                    <a:lnR w="720">
+                    <a:lnR w="9360">
                       <a:solidFill>
                         <a:srgbClr val="ffffff"/>
                       </a:solidFill>
                     </a:lnR>
-                    <a:lnT w="720">
+                    <a:lnT w="9360">
                       <a:solidFill>
                         <a:srgbClr val="ffffff"/>
                       </a:solidFill>
                     </a:lnT>
-                    <a:lnB w="720">
+                    <a:lnB w="9360">
                       <a:solidFill>
                         <a:srgbClr val="ffffff"/>
                       </a:solidFill>
                     </a:lnB>
                     <a:solidFill>
-                      <a:srgbClr val="ffffff"/>
+                      <a:srgbClr val="47b8b8"/>
                     </a:solidFill>
                   </a:tcPr>
                 </a:tc>
@@ -6946,7 +7196,11 @@
                       </a:pPr>
                       <a:r>
                         <a:rPr b="0" lang="en-US" sz="2400" spc="-1" strike="noStrike">
+                          <a:solidFill>
+                            <a:srgbClr val="000000"/>
+                          </a:solidFill>
                           <a:latin typeface="Times New Roman"/>
+                          <a:ea typeface="Times New Roman"/>
                         </a:rPr>
                         <a:t>23</a:t>
                       </a:r>
@@ -6956,28 +7210,28 @@
                     </a:p>
                   </a:txBody>
                   <a:tcPr marL="90000" marR="90000">
-                    <a:lnL w="720">
+                    <a:lnL w="9360">
                       <a:solidFill>
                         <a:srgbClr val="ffffff"/>
                       </a:solidFill>
                     </a:lnL>
-                    <a:lnR w="720">
+                    <a:lnR w="9360">
                       <a:solidFill>
                         <a:srgbClr val="ffffff"/>
                       </a:solidFill>
                     </a:lnR>
-                    <a:lnT w="720">
+                    <a:lnT w="9360">
                       <a:solidFill>
                         <a:srgbClr val="ffffff"/>
                       </a:solidFill>
                     </a:lnT>
-                    <a:lnB w="720">
+                    <a:lnB w="9360">
                       <a:solidFill>
                         <a:srgbClr val="ffffff"/>
                       </a:solidFill>
                     </a:lnB>
                     <a:solidFill>
-                      <a:srgbClr val="ffffff"/>
+                      <a:srgbClr val="47b8b8"/>
                     </a:solidFill>
                   </a:tcPr>
                 </a:tc>
@@ -6992,7 +7246,11 @@
                       </a:pPr>
                       <a:r>
                         <a:rPr b="0" lang="en-US" sz="2400" spc="-1" strike="noStrike">
+                          <a:solidFill>
+                            <a:srgbClr val="000000"/>
+                          </a:solidFill>
                           <a:latin typeface="Times New Roman"/>
+                          <a:ea typeface="Times New Roman"/>
                         </a:rPr>
                         <a:t>24</a:t>
                       </a:r>
@@ -7002,28 +7260,28 @@
                     </a:p>
                   </a:txBody>
                   <a:tcPr marL="90000" marR="90000">
-                    <a:lnL w="720">
+                    <a:lnL w="9360">
                       <a:solidFill>
                         <a:srgbClr val="ffffff"/>
                       </a:solidFill>
                     </a:lnL>
-                    <a:lnR w="720">
+                    <a:lnR w="9360">
                       <a:solidFill>
                         <a:srgbClr val="ffffff"/>
                       </a:solidFill>
                     </a:lnR>
-                    <a:lnT w="720">
+                    <a:lnT w="9360">
                       <a:solidFill>
                         <a:srgbClr val="ffffff"/>
                       </a:solidFill>
                     </a:lnT>
-                    <a:lnB w="720">
+                    <a:lnB w="9360">
                       <a:solidFill>
                         <a:srgbClr val="ffffff"/>
                       </a:solidFill>
                     </a:lnB>
                     <a:solidFill>
-                      <a:srgbClr val="ffffff"/>
+                      <a:srgbClr val="47b8b8"/>
                     </a:solidFill>
                   </a:tcPr>
                 </a:tc>
@@ -7038,7 +7296,11 @@
                       </a:pPr>
                       <a:r>
                         <a:rPr b="0" lang="en-US" sz="2400" spc="-1" strike="noStrike">
+                          <a:solidFill>
+                            <a:srgbClr val="000000"/>
+                          </a:solidFill>
                           <a:latin typeface="Times New Roman"/>
+                          <a:ea typeface="Times New Roman"/>
                         </a:rPr>
                         <a:t>25</a:t>
                       </a:r>
@@ -7048,33 +7310,33 @@
                     </a:p>
                   </a:txBody>
                   <a:tcPr marL="90000" marR="90000">
-                    <a:lnL w="720">
+                    <a:lnL w="9360">
                       <a:solidFill>
                         <a:srgbClr val="ffffff"/>
                       </a:solidFill>
                     </a:lnL>
-                    <a:lnR w="720">
+                    <a:lnR w="9360">
                       <a:solidFill>
                         <a:srgbClr val="ffffff"/>
                       </a:solidFill>
                     </a:lnR>
-                    <a:lnT w="720">
+                    <a:lnT w="9360">
                       <a:solidFill>
                         <a:srgbClr val="ffffff"/>
                       </a:solidFill>
                     </a:lnT>
-                    <a:lnB w="720">
+                    <a:lnB w="9360">
                       <a:solidFill>
                         <a:srgbClr val="ffffff"/>
                       </a:solidFill>
                     </a:lnB>
                     <a:solidFill>
-                      <a:srgbClr val="ffffff"/>
+                      <a:srgbClr val="47b8b8"/>
                     </a:solidFill>
                   </a:tcPr>
                 </a:tc>
               </a:tr>
-              <a:tr h="519480">
+              <a:tr h="428760">
                 <a:tc>
                   <a:txBody>
                     <a:bodyPr lIns="90000" rIns="90000"/>
@@ -7086,7 +7348,11 @@
                       </a:pPr>
                       <a:r>
                         <a:rPr b="0" lang="en-US" sz="2400" spc="-1" strike="noStrike">
+                          <a:solidFill>
+                            <a:srgbClr val="000000"/>
+                          </a:solidFill>
                           <a:latin typeface="Times New Roman"/>
+                          <a:ea typeface="Times New Roman"/>
                         </a:rPr>
                         <a:t>31</a:t>
                       </a:r>
@@ -7096,28 +7362,28 @@
                     </a:p>
                   </a:txBody>
                   <a:tcPr marL="90000" marR="90000">
-                    <a:lnL w="720">
+                    <a:lnL w="9360">
                       <a:solidFill>
                         <a:srgbClr val="ffffff"/>
                       </a:solidFill>
                     </a:lnL>
-                    <a:lnR w="720">
+                    <a:lnR w="9360">
                       <a:solidFill>
                         <a:srgbClr val="ffffff"/>
                       </a:solidFill>
                     </a:lnR>
-                    <a:lnT w="720">
+                    <a:lnT w="9360">
                       <a:solidFill>
                         <a:srgbClr val="ffffff"/>
                       </a:solidFill>
                     </a:lnT>
-                    <a:lnB w="720">
+                    <a:lnB w="9360">
                       <a:solidFill>
                         <a:srgbClr val="ffffff"/>
                       </a:solidFill>
                     </a:lnB>
                     <a:solidFill>
-                      <a:srgbClr val="e6e6ff"/>
+                      <a:srgbClr val="33a3a3"/>
                     </a:solidFill>
                   </a:tcPr>
                 </a:tc>
@@ -7132,7 +7398,11 @@
                       </a:pPr>
                       <a:r>
                         <a:rPr b="0" lang="en-US" sz="2400" spc="-1" strike="noStrike">
+                          <a:solidFill>
+                            <a:srgbClr val="000000"/>
+                          </a:solidFill>
                           <a:latin typeface="Times New Roman"/>
+                          <a:ea typeface="Times New Roman"/>
                         </a:rPr>
                         <a:t>32</a:t>
                       </a:r>
@@ -7142,28 +7412,28 @@
                     </a:p>
                   </a:txBody>
                   <a:tcPr marL="90000" marR="90000">
-                    <a:lnL w="720">
+                    <a:lnL w="9360">
                       <a:solidFill>
                         <a:srgbClr val="ffffff"/>
                       </a:solidFill>
                     </a:lnL>
-                    <a:lnR w="720">
+                    <a:lnR w="9360">
                       <a:solidFill>
                         <a:srgbClr val="ffffff"/>
                       </a:solidFill>
                     </a:lnR>
-                    <a:lnT w="720">
+                    <a:lnT w="9360">
                       <a:solidFill>
                         <a:srgbClr val="ffffff"/>
                       </a:solidFill>
                     </a:lnT>
-                    <a:lnB w="720">
+                    <a:lnB w="9360">
                       <a:solidFill>
                         <a:srgbClr val="ffffff"/>
                       </a:solidFill>
                     </a:lnB>
                     <a:solidFill>
-                      <a:srgbClr val="e6e6ff"/>
+                      <a:srgbClr val="33a3a3"/>
                     </a:solidFill>
                   </a:tcPr>
                 </a:tc>
@@ -7178,7 +7448,11 @@
                       </a:pPr>
                       <a:r>
                         <a:rPr b="0" lang="en-US" sz="2400" spc="-1" strike="noStrike">
+                          <a:solidFill>
+                            <a:srgbClr val="000000"/>
+                          </a:solidFill>
                           <a:latin typeface="Times New Roman"/>
+                          <a:ea typeface="Times New Roman"/>
                         </a:rPr>
                         <a:t>33</a:t>
                       </a:r>
@@ -7188,28 +7462,28 @@
                     </a:p>
                   </a:txBody>
                   <a:tcPr marL="90000" marR="90000">
-                    <a:lnL w="720">
+                    <a:lnL w="9360">
                       <a:solidFill>
                         <a:srgbClr val="ffffff"/>
                       </a:solidFill>
                     </a:lnL>
-                    <a:lnR w="720">
+                    <a:lnR w="9360">
                       <a:solidFill>
                         <a:srgbClr val="ffffff"/>
                       </a:solidFill>
                     </a:lnR>
-                    <a:lnT w="720">
+                    <a:lnT w="9360">
                       <a:solidFill>
                         <a:srgbClr val="ffffff"/>
                       </a:solidFill>
                     </a:lnT>
-                    <a:lnB w="720">
+                    <a:lnB w="9360">
                       <a:solidFill>
                         <a:srgbClr val="ffffff"/>
                       </a:solidFill>
                     </a:lnB>
                     <a:solidFill>
-                      <a:srgbClr val="e6e6ff"/>
+                      <a:srgbClr val="33a3a3"/>
                     </a:solidFill>
                   </a:tcPr>
                 </a:tc>
@@ -7224,7 +7498,11 @@
                       </a:pPr>
                       <a:r>
                         <a:rPr b="0" lang="en-US" sz="2400" spc="-1" strike="noStrike">
+                          <a:solidFill>
+                            <a:srgbClr val="000000"/>
+                          </a:solidFill>
                           <a:latin typeface="Times New Roman"/>
+                          <a:ea typeface="Times New Roman"/>
                         </a:rPr>
                         <a:t>34</a:t>
                       </a:r>
@@ -7234,28 +7512,28 @@
                     </a:p>
                   </a:txBody>
                   <a:tcPr marL="90000" marR="90000">
-                    <a:lnL w="720">
+                    <a:lnL w="9360">
                       <a:solidFill>
                         <a:srgbClr val="ffffff"/>
                       </a:solidFill>
                     </a:lnL>
-                    <a:lnR w="720">
+                    <a:lnR w="9360">
                       <a:solidFill>
                         <a:srgbClr val="ffffff"/>
                       </a:solidFill>
                     </a:lnR>
-                    <a:lnT w="720">
+                    <a:lnT w="9360">
                       <a:solidFill>
                         <a:srgbClr val="ffffff"/>
                       </a:solidFill>
                     </a:lnT>
-                    <a:lnB w="720">
+                    <a:lnB w="9360">
                       <a:solidFill>
                         <a:srgbClr val="ffffff"/>
                       </a:solidFill>
                     </a:lnB>
                     <a:solidFill>
-                      <a:srgbClr val="e6e6ff"/>
+                      <a:srgbClr val="33a3a3"/>
                     </a:solidFill>
                   </a:tcPr>
                 </a:tc>
@@ -7270,7 +7548,11 @@
                       </a:pPr>
                       <a:r>
                         <a:rPr b="0" lang="en-US" sz="1800" spc="-1" strike="noStrike">
+                          <a:solidFill>
+                            <a:srgbClr val="000000"/>
+                          </a:solidFill>
                           <a:latin typeface="Arial"/>
+                          <a:ea typeface="Arial"/>
                         </a:rPr>
                         <a:t>35</a:t>
                       </a:r>
@@ -7280,28 +7562,28 @@
                     </a:p>
                   </a:txBody>
                   <a:tcPr marL="90000" marR="90000">
-                    <a:lnL w="720">
+                    <a:lnL w="9360">
                       <a:solidFill>
                         <a:srgbClr val="ffffff"/>
                       </a:solidFill>
                     </a:lnL>
-                    <a:lnR w="720">
+                    <a:lnR w="9360">
                       <a:solidFill>
                         <a:srgbClr val="ffffff"/>
                       </a:solidFill>
                     </a:lnR>
-                    <a:lnT w="720">
+                    <a:lnT w="9360">
                       <a:solidFill>
                         <a:srgbClr val="ffffff"/>
                       </a:solidFill>
                     </a:lnT>
-                    <a:lnB w="720">
+                    <a:lnB w="9360">
                       <a:solidFill>
                         <a:srgbClr val="ffffff"/>
                       </a:solidFill>
                     </a:lnB>
                     <a:solidFill>
-                      <a:srgbClr val="e6e6ff"/>
+                      <a:srgbClr val="33a3a3"/>
                     </a:solidFill>
                   </a:tcPr>
                 </a:tc>
@@ -7310,6 +7592,55 @@
           </a:graphicData>
         </a:graphic>
       </p:graphicFrame>
+      <p:sp>
+        <p:nvSpPr>
+          <p:cNvPr id="96" name="CustomShape 4"/>
+          <p:cNvSpPr/>
+          <p:nvPr/>
+        </p:nvSpPr>
+        <p:spPr>
+          <a:xfrm>
+            <a:off x="8556840" y="4749840"/>
+            <a:ext cx="546480" cy="391320"/>
+          </a:xfrm>
+          <a:prstGeom prst="rect">
+            <a:avLst/>
+          </a:prstGeom>
+          <a:noFill/>
+          <a:ln>
+            <a:noFill/>
+          </a:ln>
+        </p:spPr>
+        <p:style>
+          <a:lnRef idx="0"/>
+          <a:fillRef idx="0"/>
+          <a:effectRef idx="0"/>
+          <a:fontRef idx="minor"/>
+        </p:style>
+        <p:txBody>
+          <a:bodyPr lIns="90000" rIns="90000" tIns="91440" bIns="91440"/>
+          <a:p>
+            <a:pPr algn="r">
+              <a:lnSpc>
+                <a:spcPct val="100000"/>
+              </a:lnSpc>
+            </a:pPr>
+            <a:fld id="{C74F6EA7-7587-419D-88C9-B4D3E5D73F09}" type="slidenum">
+              <a:rPr b="0" lang="en-US" sz="1300" spc="-1" strike="noStrike">
+                <a:solidFill>
+                  <a:srgbClr val="000000"/>
+                </a:solidFill>
+                <a:latin typeface="Arial"/>
+                <a:ea typeface="Arial"/>
+              </a:rPr>
+              <a:t>&lt;number&gt;</a:t>
+            </a:fld>
+            <a:endParaRPr b="0" lang="en-US" sz="1300" spc="-1" strike="noStrike">
+              <a:latin typeface="Arial"/>
+            </a:endParaRPr>
+          </a:p>
+        </p:txBody>
+      </p:sp>
     </p:spTree>
   </p:cSld>
   <p:timing>
@@ -7361,14 +7692,14 @@
       </p:grpSpPr>
       <p:sp>
         <p:nvSpPr>
-          <p:cNvPr id="90" name="CustomShape 1"/>
+          <p:cNvPr id="97" name="CustomShape 1"/>
           <p:cNvSpPr/>
           <p:nvPr/>
         </p:nvSpPr>
         <p:spPr>
           <a:xfrm>
             <a:off x="311760" y="444960"/>
-            <a:ext cx="8502120" cy="554400"/>
+            <a:ext cx="8499600" cy="551880"/>
           </a:xfrm>
           <a:prstGeom prst="rect">
             <a:avLst/>
@@ -7385,9 +7716,7 @@
           <a:fontRef idx="minor"/>
         </p:style>
         <p:txBody>
-          <a:bodyPr lIns="90000" rIns="90000" tIns="91440" bIns="91440">
-            <a:normAutofit/>
-          </a:bodyPr>
+          <a:bodyPr lIns="90000" rIns="90000" tIns="91440" bIns="91440"/>
           <a:p>
             <a:pPr>
               <a:lnSpc>
@@ -7402,7 +7731,7 @@
                 <a:latin typeface="Arial"/>
                 <a:ea typeface="Arial"/>
               </a:rPr>
-              <a:t>+++INS sample_name +++</a:t>
+              <a:t>+++INS table_name_column +++</a:t>
             </a:r>
             <a:endParaRPr b="0" lang="en-US" sz="2800" spc="-1" strike="noStrike">
               <a:latin typeface="Arial"/>
@@ -7412,14 +7741,14 @@
       </p:sp>
       <p:sp>
         <p:nvSpPr>
-          <p:cNvPr id="91" name="CustomShape 2"/>
+          <p:cNvPr id="98" name="CustomShape 2"/>
           <p:cNvSpPr/>
           <p:nvPr/>
         </p:nvSpPr>
         <p:spPr>
           <a:xfrm>
             <a:off x="311760" y="1152360"/>
-            <a:ext cx="8502120" cy="3398040"/>
+            <a:ext cx="8499600" cy="3395520"/>
           </a:xfrm>
           <a:prstGeom prst="rect">
             <a:avLst/>
@@ -7436,54 +7765,1117 @@
           <a:fontRef idx="minor"/>
         </p:style>
         <p:txBody>
-          <a:bodyPr lIns="90000" rIns="90000" tIns="91440" bIns="91440">
-            <a:normAutofit/>
-          </a:bodyPr>
+          <a:bodyPr lIns="90000" rIns="90000" tIns="91440" bIns="91440"/>
           <a:p>
             <a:pPr>
               <a:lnSpc>
                 <a:spcPct val="115000"/>
               </a:lnSpc>
-              <a:spcBef>
-                <a:spcPts val="1199"/>
-              </a:spcBef>
-              <a:spcAft>
-                <a:spcPts val="1199"/>
-              </a:spcAft>
             </a:pPr>
             <a:r>
-              <a:rPr b="0" lang="en-US" sz="1600" spc="-1" strike="noStrike">
+              <a:rPr b="0" lang="en-US" sz="1800" spc="-1" strike="noStrike">
                 <a:solidFill>
                   <a:srgbClr val="595959"/>
                 </a:solidFill>
                 <a:latin typeface="Arial"/>
                 <a:ea typeface="Arial"/>
               </a:rPr>
-              <a:t>+++FOR ((sample_data_1))&lt;&lt; +++INS name +++  +++INS age +++&gt;&gt; FOR-END+++</a:t>
+              <a:t>+++IF ((not table_1_col_4_present))&lt;&lt; +++TABLE_COLUMN_REMOVE 4thCol +++ &gt;&gt;IF-END+++</a:t>
             </a:r>
             <a:br/>
-            <a:r>
-              <a:rPr b="0" lang="en-US" sz="1600" spc="-1" strike="noStrike">
+            <a:endParaRPr b="0" lang="en-US" sz="1800" spc="-1" strike="noStrike">
+              <a:latin typeface="Arial"/>
+            </a:endParaRPr>
+          </a:p>
+        </p:txBody>
+      </p:sp>
+      <p:graphicFrame>
+        <p:nvGraphicFramePr>
+          <p:cNvPr id="99" name="Table 3"/>
+          <p:cNvGraphicFramePr/>
+          <p:nvPr/>
+        </p:nvGraphicFramePr>
+        <p:xfrm>
+          <a:off x="952560" y="1809720"/>
+          <a:ext cx="7237800" cy="2145600"/>
+        </p:xfrm>
+        <a:graphic>
+          <a:graphicData uri="http://schemas.openxmlformats.org/drawingml/2006/table">
+            <a:tbl>
+              <a:tblPr/>
+              <a:tblGrid>
+                <a:gridCol w="1447200"/>
+                <a:gridCol w="1447200"/>
+                <a:gridCol w="1447200"/>
+                <a:gridCol w="1447200"/>
+                <a:gridCol w="1449360"/>
+              </a:tblGrid>
+              <a:tr h="859680">
+                <a:tc>
+                  <a:txBody>
+                    <a:bodyPr lIns="90000" rIns="90000"/>
+                    <a:p>
+                      <a:pPr>
+                        <a:lnSpc>
+                          <a:spcPct val="100000"/>
+                        </a:lnSpc>
+                      </a:pPr>
+                      <a:r>
+                        <a:rPr b="1" lang="en-US" sz="1800" spc="-1" strike="noStrike">
+                          <a:solidFill>
+                            <a:srgbClr val="000000"/>
+                          </a:solidFill>
+                          <a:latin typeface="Arial"/>
+                          <a:ea typeface="Arial"/>
+                        </a:rPr>
+                        <a:t>Header 1</a:t>
+                      </a:r>
+                      <a:endParaRPr b="0" lang="en-US" sz="1800" spc="-1" strike="noStrike">
+                        <a:latin typeface="Arial"/>
+                      </a:endParaRPr>
+                    </a:p>
+                  </a:txBody>
+                  <a:tcPr marL="90000" marR="90000">
+                    <a:lnL w="9360">
+                      <a:solidFill>
+                        <a:srgbClr val="ffffff"/>
+                      </a:solidFill>
+                    </a:lnL>
+                    <a:lnR w="9360">
+                      <a:solidFill>
+                        <a:srgbClr val="ffffff"/>
+                      </a:solidFill>
+                    </a:lnR>
+                    <a:lnT w="9360">
+                      <a:solidFill>
+                        <a:srgbClr val="ffffff"/>
+                      </a:solidFill>
+                    </a:lnT>
+                    <a:lnB w="9360">
+                      <a:solidFill>
+                        <a:srgbClr val="ffffff"/>
+                      </a:solidFill>
+                    </a:lnB>
+                    <a:solidFill>
+                      <a:srgbClr val="9999cc"/>
+                    </a:solidFill>
+                  </a:tcPr>
+                </a:tc>
+                <a:tc>
+                  <a:txBody>
+                    <a:bodyPr lIns="90000" rIns="90000"/>
+                    <a:p>
+                      <a:pPr>
+                        <a:lnSpc>
+                          <a:spcPct val="100000"/>
+                        </a:lnSpc>
+                      </a:pPr>
+                      <a:r>
+                        <a:rPr b="1" lang="en-US" sz="1800" spc="-1" strike="noStrike">
+                          <a:solidFill>
+                            <a:srgbClr val="000000"/>
+                          </a:solidFill>
+                          <a:latin typeface="Arial"/>
+                          <a:ea typeface="Arial"/>
+                        </a:rPr>
+                        <a:t>Header 2</a:t>
+                      </a:r>
+                      <a:endParaRPr b="0" lang="en-US" sz="1800" spc="-1" strike="noStrike">
+                        <a:latin typeface="Arial"/>
+                      </a:endParaRPr>
+                    </a:p>
+                  </a:txBody>
+                  <a:tcPr marL="90000" marR="90000">
+                    <a:lnL w="9360">
+                      <a:solidFill>
+                        <a:srgbClr val="ffffff"/>
+                      </a:solidFill>
+                    </a:lnL>
+                    <a:lnR w="9360">
+                      <a:solidFill>
+                        <a:srgbClr val="ffffff"/>
+                      </a:solidFill>
+                    </a:lnR>
+                    <a:lnT w="9360">
+                      <a:solidFill>
+                        <a:srgbClr val="ffffff"/>
+                      </a:solidFill>
+                    </a:lnT>
+                    <a:lnB w="9360">
+                      <a:solidFill>
+                        <a:srgbClr val="ffffff"/>
+                      </a:solidFill>
+                    </a:lnB>
+                    <a:solidFill>
+                      <a:srgbClr val="9999cc"/>
+                    </a:solidFill>
+                  </a:tcPr>
+                </a:tc>
+                <a:tc>
+                  <a:txBody>
+                    <a:bodyPr lIns="90000" rIns="90000"/>
+                    <a:p>
+                      <a:pPr>
+                        <a:lnSpc>
+                          <a:spcPct val="100000"/>
+                        </a:lnSpc>
+                      </a:pPr>
+                      <a:r>
+                        <a:rPr b="1" lang="en-US" sz="1800" spc="-1" strike="noStrike">
+                          <a:solidFill>
+                            <a:srgbClr val="000000"/>
+                          </a:solidFill>
+                          <a:latin typeface="Arial"/>
+                          <a:ea typeface="Arial"/>
+                        </a:rPr>
+                        <a:t>Header 3</a:t>
+                      </a:r>
+                      <a:endParaRPr b="0" lang="en-US" sz="1800" spc="-1" strike="noStrike">
+                        <a:latin typeface="Arial"/>
+                      </a:endParaRPr>
+                    </a:p>
+                  </a:txBody>
+                  <a:tcPr marL="90000" marR="90000">
+                    <a:lnL w="9360">
+                      <a:solidFill>
+                        <a:srgbClr val="ffffff"/>
+                      </a:solidFill>
+                    </a:lnL>
+                    <a:lnR w="9360">
+                      <a:solidFill>
+                        <a:srgbClr val="ffffff"/>
+                      </a:solidFill>
+                    </a:lnR>
+                    <a:lnT w="9360">
+                      <a:solidFill>
+                        <a:srgbClr val="ffffff"/>
+                      </a:solidFill>
+                    </a:lnT>
+                    <a:lnB w="9360">
+                      <a:solidFill>
+                        <a:srgbClr val="ffffff"/>
+                      </a:solidFill>
+                    </a:lnB>
+                    <a:solidFill>
+                      <a:srgbClr val="9999cc"/>
+                    </a:solidFill>
+                  </a:tcPr>
+                </a:tc>
+                <a:tc>
+                  <a:txBody>
+                    <a:bodyPr lIns="90000" rIns="90000"/>
+                    <a:p>
+                      <a:pPr>
+                        <a:lnSpc>
+                          <a:spcPct val="100000"/>
+                        </a:lnSpc>
+                      </a:pPr>
+                      <a:r>
+                        <a:rPr b="0" lang="en-US" sz="1800" spc="-1" strike="noStrike">
+                          <a:solidFill>
+                            <a:srgbClr val="595959"/>
+                          </a:solidFill>
+                          <a:latin typeface="Arial"/>
+                          <a:ea typeface="Arial"/>
+                        </a:rPr>
+                        <a:t>+++COL_ID 4thCol +++ </a:t>
+                      </a:r>
+                      <a:r>
+                        <a:rPr b="1" lang="en-US" sz="1800" spc="-1" strike="noStrike">
+                          <a:solidFill>
+                            <a:srgbClr val="000000"/>
+                          </a:solidFill>
+                          <a:latin typeface="Arial"/>
+                          <a:ea typeface="Arial"/>
+                        </a:rPr>
+                        <a:t>Header 4</a:t>
+                      </a:r>
+                      <a:endParaRPr b="0" lang="en-US" sz="1800" spc="-1" strike="noStrike">
+                        <a:latin typeface="Arial"/>
+                      </a:endParaRPr>
+                    </a:p>
+                  </a:txBody>
+                  <a:tcPr marL="90000" marR="90000">
+                    <a:lnL w="9360">
+                      <a:solidFill>
+                        <a:srgbClr val="ffffff"/>
+                      </a:solidFill>
+                    </a:lnL>
+                    <a:lnR w="9360">
+                      <a:solidFill>
+                        <a:srgbClr val="ffffff"/>
+                      </a:solidFill>
+                    </a:lnR>
+                    <a:lnT w="9360">
+                      <a:solidFill>
+                        <a:srgbClr val="ffffff"/>
+                      </a:solidFill>
+                    </a:lnT>
+                    <a:lnB w="9360">
+                      <a:solidFill>
+                        <a:srgbClr val="ffffff"/>
+                      </a:solidFill>
+                    </a:lnB>
+                    <a:solidFill>
+                      <a:srgbClr val="9999cc"/>
+                    </a:solidFill>
+                  </a:tcPr>
+                </a:tc>
+                <a:tc>
+                  <a:txBody>
+                    <a:bodyPr lIns="90000" rIns="90000"/>
+                    <a:p>
+                      <a:pPr>
+                        <a:lnSpc>
+                          <a:spcPct val="100000"/>
+                        </a:lnSpc>
+                      </a:pPr>
+                      <a:r>
+                        <a:rPr b="1" lang="en-US" sz="1800" spc="-1" strike="noStrike">
+                          <a:solidFill>
+                            <a:srgbClr val="000000"/>
+                          </a:solidFill>
+                          <a:latin typeface="Arial"/>
+                          <a:ea typeface="Arial"/>
+                        </a:rPr>
+                        <a:t>Header 5</a:t>
+                      </a:r>
+                      <a:endParaRPr b="0" lang="en-US" sz="1800" spc="-1" strike="noStrike">
+                        <a:latin typeface="Arial"/>
+                      </a:endParaRPr>
+                    </a:p>
+                  </a:txBody>
+                  <a:tcPr marL="90000" marR="90000">
+                    <a:lnL w="9360">
+                      <a:solidFill>
+                        <a:srgbClr val="ffffff"/>
+                      </a:solidFill>
+                    </a:lnL>
+                    <a:lnR w="9360">
+                      <a:solidFill>
+                        <a:srgbClr val="ffffff"/>
+                      </a:solidFill>
+                    </a:lnR>
+                    <a:lnT w="9360">
+                      <a:solidFill>
+                        <a:srgbClr val="ffffff"/>
+                      </a:solidFill>
+                    </a:lnT>
+                    <a:lnB w="9360">
+                      <a:solidFill>
+                        <a:srgbClr val="ffffff"/>
+                      </a:solidFill>
+                    </a:lnB>
+                    <a:solidFill>
+                      <a:srgbClr val="9999cc"/>
+                    </a:solidFill>
+                  </a:tcPr>
+                </a:tc>
+              </a:tr>
+              <a:tr h="428760">
+                <a:tc>
+                  <a:txBody>
+                    <a:bodyPr lIns="90000" rIns="90000"/>
+                    <a:p>
+                      <a:pPr>
+                        <a:lnSpc>
+                          <a:spcPct val="100000"/>
+                        </a:lnSpc>
+                      </a:pPr>
+                      <a:r>
+                        <a:rPr b="0" lang="en-US" sz="2400" spc="-1" strike="noStrike">
+                          <a:solidFill>
+                            <a:srgbClr val="000000"/>
+                          </a:solidFill>
+                          <a:latin typeface="Times New Roman"/>
+                          <a:ea typeface="Times New Roman"/>
+                        </a:rPr>
+                        <a:t>11</a:t>
+                      </a:r>
+                      <a:endParaRPr b="0" lang="en-US" sz="2400" spc="-1" strike="noStrike">
+                        <a:latin typeface="Arial"/>
+                      </a:endParaRPr>
+                    </a:p>
+                  </a:txBody>
+                  <a:tcPr marL="90000" marR="90000">
+                    <a:lnL w="9360">
+                      <a:solidFill>
+                        <a:srgbClr val="ffffff"/>
+                      </a:solidFill>
+                    </a:lnL>
+                    <a:lnR w="9360">
+                      <a:solidFill>
+                        <a:srgbClr val="ffffff"/>
+                      </a:solidFill>
+                    </a:lnR>
+                    <a:lnT w="9360">
+                      <a:solidFill>
+                        <a:srgbClr val="ffffff"/>
+                      </a:solidFill>
+                    </a:lnT>
+                    <a:lnB w="9360">
+                      <a:solidFill>
+                        <a:srgbClr val="ffffff"/>
+                      </a:solidFill>
+                    </a:lnB>
+                    <a:solidFill>
+                      <a:srgbClr val="e6e6ff"/>
+                    </a:solidFill>
+                  </a:tcPr>
+                </a:tc>
+                <a:tc>
+                  <a:txBody>
+                    <a:bodyPr lIns="90000" rIns="90000"/>
+                    <a:p>
+                      <a:pPr>
+                        <a:lnSpc>
+                          <a:spcPct val="100000"/>
+                        </a:lnSpc>
+                      </a:pPr>
+                      <a:r>
+                        <a:rPr b="0" lang="en-US" sz="2400" spc="-1" strike="noStrike">
+                          <a:solidFill>
+                            <a:srgbClr val="000000"/>
+                          </a:solidFill>
+                          <a:latin typeface="Times New Roman"/>
+                          <a:ea typeface="Times New Roman"/>
+                        </a:rPr>
+                        <a:t>12</a:t>
+                      </a:r>
+                      <a:endParaRPr b="0" lang="en-US" sz="2400" spc="-1" strike="noStrike">
+                        <a:latin typeface="Arial"/>
+                      </a:endParaRPr>
+                    </a:p>
+                  </a:txBody>
+                  <a:tcPr marL="90000" marR="90000">
+                    <a:lnL w="9360">
+                      <a:solidFill>
+                        <a:srgbClr val="ffffff"/>
+                      </a:solidFill>
+                    </a:lnL>
+                    <a:lnR w="9360">
+                      <a:solidFill>
+                        <a:srgbClr val="ffffff"/>
+                      </a:solidFill>
+                    </a:lnR>
+                    <a:lnT w="9360">
+                      <a:solidFill>
+                        <a:srgbClr val="ffffff"/>
+                      </a:solidFill>
+                    </a:lnT>
+                    <a:lnB w="9360">
+                      <a:solidFill>
+                        <a:srgbClr val="ffffff"/>
+                      </a:solidFill>
+                    </a:lnB>
+                    <a:solidFill>
+                      <a:srgbClr val="e6e6ff"/>
+                    </a:solidFill>
+                  </a:tcPr>
+                </a:tc>
+                <a:tc>
+                  <a:txBody>
+                    <a:bodyPr lIns="90000" rIns="90000"/>
+                    <a:p>
+                      <a:pPr>
+                        <a:lnSpc>
+                          <a:spcPct val="100000"/>
+                        </a:lnSpc>
+                      </a:pPr>
+                      <a:r>
+                        <a:rPr b="0" lang="en-US" sz="2400" spc="-1" strike="noStrike">
+                          <a:solidFill>
+                            <a:srgbClr val="000000"/>
+                          </a:solidFill>
+                          <a:latin typeface="Times New Roman"/>
+                          <a:ea typeface="Times New Roman"/>
+                        </a:rPr>
+                        <a:t>13</a:t>
+                      </a:r>
+                      <a:endParaRPr b="0" lang="en-US" sz="2400" spc="-1" strike="noStrike">
+                        <a:latin typeface="Arial"/>
+                      </a:endParaRPr>
+                    </a:p>
+                  </a:txBody>
+                  <a:tcPr marL="90000" marR="90000">
+                    <a:lnL w="9360">
+                      <a:solidFill>
+                        <a:srgbClr val="ffffff"/>
+                      </a:solidFill>
+                    </a:lnL>
+                    <a:lnR w="9360">
+                      <a:solidFill>
+                        <a:srgbClr val="ffffff"/>
+                      </a:solidFill>
+                    </a:lnR>
+                    <a:lnT w="9360">
+                      <a:solidFill>
+                        <a:srgbClr val="ffffff"/>
+                      </a:solidFill>
+                    </a:lnT>
+                    <a:lnB w="9360">
+                      <a:solidFill>
+                        <a:srgbClr val="ffffff"/>
+                      </a:solidFill>
+                    </a:lnB>
+                    <a:solidFill>
+                      <a:srgbClr val="e6e6ff"/>
+                    </a:solidFill>
+                  </a:tcPr>
+                </a:tc>
+                <a:tc>
+                  <a:txBody>
+                    <a:bodyPr lIns="90000" rIns="90000"/>
+                    <a:p>
+                      <a:pPr>
+                        <a:lnSpc>
+                          <a:spcPct val="100000"/>
+                        </a:lnSpc>
+                      </a:pPr>
+                      <a:r>
+                        <a:rPr b="0" lang="en-US" sz="2400" spc="-1" strike="noStrike">
+                          <a:solidFill>
+                            <a:srgbClr val="000000"/>
+                          </a:solidFill>
+                          <a:latin typeface="Times New Roman"/>
+                          <a:ea typeface="Times New Roman"/>
+                        </a:rPr>
+                        <a:t>14</a:t>
+                      </a:r>
+                      <a:endParaRPr b="0" lang="en-US" sz="2400" spc="-1" strike="noStrike">
+                        <a:latin typeface="Arial"/>
+                      </a:endParaRPr>
+                    </a:p>
+                  </a:txBody>
+                  <a:tcPr marL="90000" marR="90000">
+                    <a:lnL w="9360">
+                      <a:solidFill>
+                        <a:srgbClr val="ffffff"/>
+                      </a:solidFill>
+                    </a:lnL>
+                    <a:lnR w="9360">
+                      <a:solidFill>
+                        <a:srgbClr val="ffffff"/>
+                      </a:solidFill>
+                    </a:lnR>
+                    <a:lnT w="9360">
+                      <a:solidFill>
+                        <a:srgbClr val="ffffff"/>
+                      </a:solidFill>
+                    </a:lnT>
+                    <a:lnB w="9360">
+                      <a:solidFill>
+                        <a:srgbClr val="ffffff"/>
+                      </a:solidFill>
+                    </a:lnB>
+                    <a:solidFill>
+                      <a:srgbClr val="e6e6ff"/>
+                    </a:solidFill>
+                  </a:tcPr>
+                </a:tc>
+                <a:tc>
+                  <a:txBody>
+                    <a:bodyPr lIns="90000" rIns="90000"/>
+                    <a:p>
+                      <a:pPr>
+                        <a:lnSpc>
+                          <a:spcPct val="100000"/>
+                        </a:lnSpc>
+                      </a:pPr>
+                      <a:r>
+                        <a:rPr b="0" lang="en-US" sz="2400" spc="-1" strike="noStrike">
+                          <a:solidFill>
+                            <a:srgbClr val="000000"/>
+                          </a:solidFill>
+                          <a:latin typeface="Times New Roman"/>
+                          <a:ea typeface="Times New Roman"/>
+                        </a:rPr>
+                        <a:t>15</a:t>
+                      </a:r>
+                      <a:endParaRPr b="0" lang="en-US" sz="2400" spc="-1" strike="noStrike">
+                        <a:latin typeface="Arial"/>
+                      </a:endParaRPr>
+                    </a:p>
+                  </a:txBody>
+                  <a:tcPr marL="90000" marR="90000">
+                    <a:lnL w="9360">
+                      <a:solidFill>
+                        <a:srgbClr val="ffffff"/>
+                      </a:solidFill>
+                    </a:lnL>
+                    <a:lnR w="9360">
+                      <a:solidFill>
+                        <a:srgbClr val="ffffff"/>
+                      </a:solidFill>
+                    </a:lnR>
+                    <a:lnT w="9360">
+                      <a:solidFill>
+                        <a:srgbClr val="ffffff"/>
+                      </a:solidFill>
+                    </a:lnT>
+                    <a:lnB w="9360">
+                      <a:solidFill>
+                        <a:srgbClr val="ffffff"/>
+                      </a:solidFill>
+                    </a:lnB>
+                    <a:solidFill>
+                      <a:srgbClr val="e6e6ff"/>
+                    </a:solidFill>
+                  </a:tcPr>
+                </a:tc>
+              </a:tr>
+              <a:tr h="428760">
+                <a:tc>
+                  <a:txBody>
+                    <a:bodyPr lIns="90000" rIns="90000"/>
+                    <a:p>
+                      <a:pPr>
+                        <a:lnSpc>
+                          <a:spcPct val="100000"/>
+                        </a:lnSpc>
+                      </a:pPr>
+                      <a:r>
+                        <a:rPr b="0" lang="en-US" sz="1800" spc="-1" strike="noStrike">
+                          <a:solidFill>
+                            <a:srgbClr val="595959"/>
+                          </a:solidFill>
+                          <a:latin typeface="Arial"/>
+                          <a:ea typeface="Arial"/>
+                        </a:rPr>
+                        <a:t>21 </a:t>
+                      </a:r>
+                      <a:endParaRPr b="0" lang="en-US" sz="1800" spc="-1" strike="noStrike">
+                        <a:latin typeface="Arial"/>
+                      </a:endParaRPr>
+                    </a:p>
+                  </a:txBody>
+                  <a:tcPr marL="90000" marR="90000">
+                    <a:lnL w="9360">
+                      <a:solidFill>
+                        <a:srgbClr val="ffffff"/>
+                      </a:solidFill>
+                    </a:lnL>
+                    <a:lnR w="9360">
+                      <a:solidFill>
+                        <a:srgbClr val="ffffff"/>
+                      </a:solidFill>
+                    </a:lnR>
+                    <a:lnT w="9360">
+                      <a:solidFill>
+                        <a:srgbClr val="ffffff"/>
+                      </a:solidFill>
+                    </a:lnT>
+                    <a:lnB w="9360">
+                      <a:solidFill>
+                        <a:srgbClr val="ffffff"/>
+                      </a:solidFill>
+                    </a:lnB>
+                    <a:solidFill>
+                      <a:srgbClr val="ffffff"/>
+                    </a:solidFill>
+                  </a:tcPr>
+                </a:tc>
+                <a:tc>
+                  <a:txBody>
+                    <a:bodyPr lIns="90000" rIns="90000"/>
+                    <a:p>
+                      <a:pPr>
+                        <a:lnSpc>
+                          <a:spcPct val="100000"/>
+                        </a:lnSpc>
+                      </a:pPr>
+                      <a:r>
+                        <a:rPr b="0" lang="en-US" sz="2400" spc="-1" strike="noStrike">
+                          <a:solidFill>
+                            <a:srgbClr val="000000"/>
+                          </a:solidFill>
+                          <a:latin typeface="Times New Roman"/>
+                          <a:ea typeface="Times New Roman"/>
+                        </a:rPr>
+                        <a:t>22</a:t>
+                      </a:r>
+                      <a:endParaRPr b="0" lang="en-US" sz="2400" spc="-1" strike="noStrike">
+                        <a:latin typeface="Arial"/>
+                      </a:endParaRPr>
+                    </a:p>
+                  </a:txBody>
+                  <a:tcPr marL="90000" marR="90000">
+                    <a:lnL w="9360">
+                      <a:solidFill>
+                        <a:srgbClr val="ffffff"/>
+                      </a:solidFill>
+                    </a:lnL>
+                    <a:lnR w="9360">
+                      <a:solidFill>
+                        <a:srgbClr val="ffffff"/>
+                      </a:solidFill>
+                    </a:lnR>
+                    <a:lnT w="9360">
+                      <a:solidFill>
+                        <a:srgbClr val="ffffff"/>
+                      </a:solidFill>
+                    </a:lnT>
+                    <a:lnB w="9360">
+                      <a:solidFill>
+                        <a:srgbClr val="ffffff"/>
+                      </a:solidFill>
+                    </a:lnB>
+                    <a:solidFill>
+                      <a:srgbClr val="ffffff"/>
+                    </a:solidFill>
+                  </a:tcPr>
+                </a:tc>
+                <a:tc>
+                  <a:txBody>
+                    <a:bodyPr lIns="90000" rIns="90000"/>
+                    <a:p>
+                      <a:pPr>
+                        <a:lnSpc>
+                          <a:spcPct val="100000"/>
+                        </a:lnSpc>
+                      </a:pPr>
+                      <a:r>
+                        <a:rPr b="0" lang="en-US" sz="2400" spc="-1" strike="noStrike">
+                          <a:solidFill>
+                            <a:srgbClr val="000000"/>
+                          </a:solidFill>
+                          <a:latin typeface="Times New Roman"/>
+                          <a:ea typeface="Times New Roman"/>
+                        </a:rPr>
+                        <a:t>23</a:t>
+                      </a:r>
+                      <a:endParaRPr b="0" lang="en-US" sz="2400" spc="-1" strike="noStrike">
+                        <a:latin typeface="Arial"/>
+                      </a:endParaRPr>
+                    </a:p>
+                  </a:txBody>
+                  <a:tcPr marL="90000" marR="90000">
+                    <a:lnL w="9360">
+                      <a:solidFill>
+                        <a:srgbClr val="ffffff"/>
+                      </a:solidFill>
+                    </a:lnL>
+                    <a:lnR w="9360">
+                      <a:solidFill>
+                        <a:srgbClr val="ffffff"/>
+                      </a:solidFill>
+                    </a:lnR>
+                    <a:lnT w="9360">
+                      <a:solidFill>
+                        <a:srgbClr val="ffffff"/>
+                      </a:solidFill>
+                    </a:lnT>
+                    <a:lnB w="9360">
+                      <a:solidFill>
+                        <a:srgbClr val="ffffff"/>
+                      </a:solidFill>
+                    </a:lnB>
+                    <a:solidFill>
+                      <a:srgbClr val="ffffff"/>
+                    </a:solidFill>
+                  </a:tcPr>
+                </a:tc>
+                <a:tc>
+                  <a:txBody>
+                    <a:bodyPr lIns="90000" rIns="90000"/>
+                    <a:p>
+                      <a:pPr>
+                        <a:lnSpc>
+                          <a:spcPct val="100000"/>
+                        </a:lnSpc>
+                      </a:pPr>
+                      <a:r>
+                        <a:rPr b="0" lang="en-US" sz="2400" spc="-1" strike="noStrike">
+                          <a:solidFill>
+                            <a:srgbClr val="000000"/>
+                          </a:solidFill>
+                          <a:latin typeface="Times New Roman"/>
+                          <a:ea typeface="Times New Roman"/>
+                        </a:rPr>
+                        <a:t>24</a:t>
+                      </a:r>
+                      <a:endParaRPr b="0" lang="en-US" sz="2400" spc="-1" strike="noStrike">
+                        <a:latin typeface="Arial"/>
+                      </a:endParaRPr>
+                    </a:p>
+                  </a:txBody>
+                  <a:tcPr marL="90000" marR="90000">
+                    <a:lnL w="9360">
+                      <a:solidFill>
+                        <a:srgbClr val="ffffff"/>
+                      </a:solidFill>
+                    </a:lnL>
+                    <a:lnR w="9360">
+                      <a:solidFill>
+                        <a:srgbClr val="ffffff"/>
+                      </a:solidFill>
+                    </a:lnR>
+                    <a:lnT w="9360">
+                      <a:solidFill>
+                        <a:srgbClr val="ffffff"/>
+                      </a:solidFill>
+                    </a:lnT>
+                    <a:lnB w="9360">
+                      <a:solidFill>
+                        <a:srgbClr val="ffffff"/>
+                      </a:solidFill>
+                    </a:lnB>
+                    <a:solidFill>
+                      <a:srgbClr val="ffffff"/>
+                    </a:solidFill>
+                  </a:tcPr>
+                </a:tc>
+                <a:tc>
+                  <a:txBody>
+                    <a:bodyPr lIns="90000" rIns="90000"/>
+                    <a:p>
+                      <a:pPr>
+                        <a:lnSpc>
+                          <a:spcPct val="100000"/>
+                        </a:lnSpc>
+                      </a:pPr>
+                      <a:r>
+                        <a:rPr b="0" lang="en-US" sz="2400" spc="-1" strike="noStrike">
+                          <a:solidFill>
+                            <a:srgbClr val="000000"/>
+                          </a:solidFill>
+                          <a:latin typeface="Times New Roman"/>
+                          <a:ea typeface="Times New Roman"/>
+                        </a:rPr>
+                        <a:t>25</a:t>
+                      </a:r>
+                      <a:endParaRPr b="0" lang="en-US" sz="2400" spc="-1" strike="noStrike">
+                        <a:latin typeface="Arial"/>
+                      </a:endParaRPr>
+                    </a:p>
+                  </a:txBody>
+                  <a:tcPr marL="90000" marR="90000">
+                    <a:lnL w="9360">
+                      <a:solidFill>
+                        <a:srgbClr val="ffffff"/>
+                      </a:solidFill>
+                    </a:lnL>
+                    <a:lnR w="9360">
+                      <a:solidFill>
+                        <a:srgbClr val="ffffff"/>
+                      </a:solidFill>
+                    </a:lnR>
+                    <a:lnT w="9360">
+                      <a:solidFill>
+                        <a:srgbClr val="ffffff"/>
+                      </a:solidFill>
+                    </a:lnT>
+                    <a:lnB w="9360">
+                      <a:solidFill>
+                        <a:srgbClr val="ffffff"/>
+                      </a:solidFill>
+                    </a:lnB>
+                    <a:solidFill>
+                      <a:srgbClr val="ffffff"/>
+                    </a:solidFill>
+                  </a:tcPr>
+                </a:tc>
+              </a:tr>
+              <a:tr h="428760">
+                <a:tc>
+                  <a:txBody>
+                    <a:bodyPr lIns="90000" rIns="90000"/>
+                    <a:p>
+                      <a:pPr>
+                        <a:lnSpc>
+                          <a:spcPct val="100000"/>
+                        </a:lnSpc>
+                      </a:pPr>
+                      <a:r>
+                        <a:rPr b="0" lang="en-US" sz="2400" spc="-1" strike="noStrike">
+                          <a:solidFill>
+                            <a:srgbClr val="000000"/>
+                          </a:solidFill>
+                          <a:latin typeface="Times New Roman"/>
+                          <a:ea typeface="Times New Roman"/>
+                        </a:rPr>
+                        <a:t>31</a:t>
+                      </a:r>
+                      <a:endParaRPr b="0" lang="en-US" sz="2400" spc="-1" strike="noStrike">
+                        <a:latin typeface="Arial"/>
+                      </a:endParaRPr>
+                    </a:p>
+                  </a:txBody>
+                  <a:tcPr marL="90000" marR="90000">
+                    <a:lnL w="9360">
+                      <a:solidFill>
+                        <a:srgbClr val="ffffff"/>
+                      </a:solidFill>
+                    </a:lnL>
+                    <a:lnR w="9360">
+                      <a:solidFill>
+                        <a:srgbClr val="ffffff"/>
+                      </a:solidFill>
+                    </a:lnR>
+                    <a:lnT w="9360">
+                      <a:solidFill>
+                        <a:srgbClr val="ffffff"/>
+                      </a:solidFill>
+                    </a:lnT>
+                    <a:lnB w="9360">
+                      <a:solidFill>
+                        <a:srgbClr val="ffffff"/>
+                      </a:solidFill>
+                    </a:lnB>
+                    <a:solidFill>
+                      <a:srgbClr val="e6e6ff"/>
+                    </a:solidFill>
+                  </a:tcPr>
+                </a:tc>
+                <a:tc>
+                  <a:txBody>
+                    <a:bodyPr lIns="90000" rIns="90000"/>
+                    <a:p>
+                      <a:pPr>
+                        <a:lnSpc>
+                          <a:spcPct val="100000"/>
+                        </a:lnSpc>
+                      </a:pPr>
+                      <a:r>
+                        <a:rPr b="0" lang="en-US" sz="2400" spc="-1" strike="noStrike">
+                          <a:solidFill>
+                            <a:srgbClr val="000000"/>
+                          </a:solidFill>
+                          <a:latin typeface="Times New Roman"/>
+                          <a:ea typeface="Times New Roman"/>
+                        </a:rPr>
+                        <a:t>32</a:t>
+                      </a:r>
+                      <a:endParaRPr b="0" lang="en-US" sz="2400" spc="-1" strike="noStrike">
+                        <a:latin typeface="Arial"/>
+                      </a:endParaRPr>
+                    </a:p>
+                  </a:txBody>
+                  <a:tcPr marL="90000" marR="90000">
+                    <a:lnL w="9360">
+                      <a:solidFill>
+                        <a:srgbClr val="ffffff"/>
+                      </a:solidFill>
+                    </a:lnL>
+                    <a:lnR w="9360">
+                      <a:solidFill>
+                        <a:srgbClr val="ffffff"/>
+                      </a:solidFill>
+                    </a:lnR>
+                    <a:lnT w="9360">
+                      <a:solidFill>
+                        <a:srgbClr val="ffffff"/>
+                      </a:solidFill>
+                    </a:lnT>
+                    <a:lnB w="9360">
+                      <a:solidFill>
+                        <a:srgbClr val="ffffff"/>
+                      </a:solidFill>
+                    </a:lnB>
+                    <a:solidFill>
+                      <a:srgbClr val="e6e6ff"/>
+                    </a:solidFill>
+                  </a:tcPr>
+                </a:tc>
+                <a:tc>
+                  <a:txBody>
+                    <a:bodyPr lIns="90000" rIns="90000"/>
+                    <a:p>
+                      <a:pPr>
+                        <a:lnSpc>
+                          <a:spcPct val="100000"/>
+                        </a:lnSpc>
+                      </a:pPr>
+                      <a:r>
+                        <a:rPr b="0" lang="en-US" sz="2400" spc="-1" strike="noStrike">
+                          <a:solidFill>
+                            <a:srgbClr val="000000"/>
+                          </a:solidFill>
+                          <a:latin typeface="Times New Roman"/>
+                          <a:ea typeface="Times New Roman"/>
+                        </a:rPr>
+                        <a:t>33</a:t>
+                      </a:r>
+                      <a:endParaRPr b="0" lang="en-US" sz="2400" spc="-1" strike="noStrike">
+                        <a:latin typeface="Arial"/>
+                      </a:endParaRPr>
+                    </a:p>
+                  </a:txBody>
+                  <a:tcPr marL="90000" marR="90000">
+                    <a:lnL w="9360">
+                      <a:solidFill>
+                        <a:srgbClr val="ffffff"/>
+                      </a:solidFill>
+                    </a:lnL>
+                    <a:lnR w="9360">
+                      <a:solidFill>
+                        <a:srgbClr val="ffffff"/>
+                      </a:solidFill>
+                    </a:lnR>
+                    <a:lnT w="9360">
+                      <a:solidFill>
+                        <a:srgbClr val="ffffff"/>
+                      </a:solidFill>
+                    </a:lnT>
+                    <a:lnB w="9360">
+                      <a:solidFill>
+                        <a:srgbClr val="ffffff"/>
+                      </a:solidFill>
+                    </a:lnB>
+                    <a:solidFill>
+                      <a:srgbClr val="e6e6ff"/>
+                    </a:solidFill>
+                  </a:tcPr>
+                </a:tc>
+                <a:tc>
+                  <a:txBody>
+                    <a:bodyPr lIns="90000" rIns="90000"/>
+                    <a:p>
+                      <a:pPr>
+                        <a:lnSpc>
+                          <a:spcPct val="100000"/>
+                        </a:lnSpc>
+                      </a:pPr>
+                      <a:r>
+                        <a:rPr b="0" lang="en-US" sz="2400" spc="-1" strike="noStrike">
+                          <a:solidFill>
+                            <a:srgbClr val="000000"/>
+                          </a:solidFill>
+                          <a:latin typeface="Times New Roman"/>
+                          <a:ea typeface="Times New Roman"/>
+                        </a:rPr>
+                        <a:t>34</a:t>
+                      </a:r>
+                      <a:endParaRPr b="0" lang="en-US" sz="2400" spc="-1" strike="noStrike">
+                        <a:latin typeface="Arial"/>
+                      </a:endParaRPr>
+                    </a:p>
+                  </a:txBody>
+                  <a:tcPr marL="90000" marR="90000">
+                    <a:lnL w="9360">
+                      <a:solidFill>
+                        <a:srgbClr val="ffffff"/>
+                      </a:solidFill>
+                    </a:lnL>
+                    <a:lnR w="9360">
+                      <a:solidFill>
+                        <a:srgbClr val="ffffff"/>
+                      </a:solidFill>
+                    </a:lnR>
+                    <a:lnT w="9360">
+                      <a:solidFill>
+                        <a:srgbClr val="ffffff"/>
+                      </a:solidFill>
+                    </a:lnT>
+                    <a:lnB w="9360">
+                      <a:solidFill>
+                        <a:srgbClr val="ffffff"/>
+                      </a:solidFill>
+                    </a:lnB>
+                    <a:solidFill>
+                      <a:srgbClr val="e6e6ff"/>
+                    </a:solidFill>
+                  </a:tcPr>
+                </a:tc>
+                <a:tc>
+                  <a:txBody>
+                    <a:bodyPr lIns="90000" rIns="90000"/>
+                    <a:p>
+                      <a:pPr>
+                        <a:lnSpc>
+                          <a:spcPct val="100000"/>
+                        </a:lnSpc>
+                      </a:pPr>
+                      <a:r>
+                        <a:rPr b="0" lang="en-US" sz="1800" spc="-1" strike="noStrike">
+                          <a:solidFill>
+                            <a:srgbClr val="000000"/>
+                          </a:solidFill>
+                          <a:latin typeface="Arial"/>
+                          <a:ea typeface="Arial"/>
+                        </a:rPr>
+                        <a:t>35</a:t>
+                      </a:r>
+                      <a:endParaRPr b="0" lang="en-US" sz="1800" spc="-1" strike="noStrike">
+                        <a:latin typeface="Arial"/>
+                      </a:endParaRPr>
+                    </a:p>
+                  </a:txBody>
+                  <a:tcPr marL="90000" marR="90000">
+                    <a:lnL w="9360">
+                      <a:solidFill>
+                        <a:srgbClr val="ffffff"/>
+                      </a:solidFill>
+                    </a:lnL>
+                    <a:lnR w="9360">
+                      <a:solidFill>
+                        <a:srgbClr val="ffffff"/>
+                      </a:solidFill>
+                    </a:lnR>
+                    <a:lnT w="9360">
+                      <a:solidFill>
+                        <a:srgbClr val="ffffff"/>
+                      </a:solidFill>
+                    </a:lnT>
+                    <a:lnB w="9360">
+                      <a:solidFill>
+                        <a:srgbClr val="ffffff"/>
+                      </a:solidFill>
+                    </a:lnB>
+                    <a:solidFill>
+                      <a:srgbClr val="e6e6ff"/>
+                    </a:solidFill>
+                  </a:tcPr>
+                </a:tc>
+              </a:tr>
+            </a:tbl>
+          </a:graphicData>
+        </a:graphic>
+      </p:graphicFrame>
+      <p:sp>
+        <p:nvSpPr>
+          <p:cNvPr id="100" name="CustomShape 4"/>
+          <p:cNvSpPr/>
+          <p:nvPr/>
+        </p:nvSpPr>
+        <p:spPr>
+          <a:xfrm>
+            <a:off x="8556840" y="4749840"/>
+            <a:ext cx="546480" cy="391320"/>
+          </a:xfrm>
+          <a:prstGeom prst="rect">
+            <a:avLst/>
+          </a:prstGeom>
+          <a:noFill/>
+          <a:ln>
+            <a:noFill/>
+          </a:ln>
+        </p:spPr>
+        <p:style>
+          <a:lnRef idx="0"/>
+          <a:fillRef idx="0"/>
+          <a:effectRef idx="0"/>
+          <a:fontRef idx="minor"/>
+        </p:style>
+        <p:txBody>
+          <a:bodyPr lIns="90000" rIns="90000" tIns="91440" bIns="91440"/>
+          <a:p>
+            <a:pPr algn="r">
+              <a:lnSpc>
+                <a:spcPct val="100000"/>
+              </a:lnSpc>
+            </a:pPr>
+            <a:fld id="{6C04D72B-1A18-4B72-9FDD-288E6ACA0C46}" type="slidenum">
+              <a:rPr b="0" lang="en-US" sz="1300" spc="-1" strike="noStrike">
                 <a:solidFill>
-                  <a:srgbClr val="595959"/>
+                  <a:srgbClr val="000000"/>
                 </a:solidFill>
                 <a:latin typeface="Arial"/>
                 <a:ea typeface="Arial"/>
               </a:rPr>
-              <a:t>+++FOR ((sample_data_2))&lt;&lt; +++INS name +++   +++INS age +++ &gt;&gt; FOR-END+++</a:t>
-            </a:r>
-            <a:br/>
-            <a:r>
-              <a:rPr b="0" lang="en-US" sz="1600" spc="-1" strike="noStrike">
-                <a:solidFill>
-                  <a:srgbClr val="595959"/>
-                </a:solidFill>
-                <a:latin typeface="Arial"/>
-                <a:ea typeface="Arial"/>
-              </a:rPr>
-              <a:t>+++FOR ((sample_data_3))&lt;&lt; +++INS city +++ +++INS number +++ &gt;&gt; FOR-END+++</a:t>
-            </a:r>
-            <a:endParaRPr b="0" lang="en-US" sz="1600" spc="-1" strike="noStrike">
+              <a:t>&lt;number&gt;</a:t>
+            </a:fld>
+            <a:endParaRPr b="0" lang="en-US" sz="1300" spc="-1" strike="noStrike">
               <a:latin typeface="Arial"/>
             </a:endParaRPr>
           </a:p>
@@ -7540,14 +8932,14 @@
       </p:grpSpPr>
       <p:sp>
         <p:nvSpPr>
-          <p:cNvPr id="92" name="CustomShape 1"/>
+          <p:cNvPr id="101" name="CustomShape 1"/>
           <p:cNvSpPr/>
           <p:nvPr/>
         </p:nvSpPr>
         <p:spPr>
           <a:xfrm>
             <a:off x="311760" y="444960"/>
-            <a:ext cx="8502120" cy="554400"/>
+            <a:ext cx="8499600" cy="551880"/>
           </a:xfrm>
           <a:prstGeom prst="rect">
             <a:avLst/>
@@ -7563,17 +8955,40 @@
           <a:effectRef idx="0"/>
           <a:fontRef idx="minor"/>
         </p:style>
-      </p:sp>
-      <p:sp>
-        <p:nvSpPr>
-          <p:cNvPr id="93" name="CustomShape 2"/>
+        <p:txBody>
+          <a:bodyPr lIns="90000" rIns="90000" tIns="91440" bIns="91440"/>
+          <a:p>
+            <a:pPr>
+              <a:lnSpc>
+                <a:spcPct val="100000"/>
+              </a:lnSpc>
+            </a:pPr>
+            <a:r>
+              <a:rPr b="0" lang="en-US" sz="2800" spc="-1" strike="noStrike">
+                <a:solidFill>
+                  <a:srgbClr val="000000"/>
+                </a:solidFill>
+                <a:latin typeface="Arial"/>
+                <a:ea typeface="Arial"/>
+              </a:rPr>
+              <a:t>+++INS sample_name +++</a:t>
+            </a:r>
+            <a:endParaRPr b="0" lang="en-US" sz="2800" spc="-1" strike="noStrike">
+              <a:latin typeface="Arial"/>
+            </a:endParaRPr>
+          </a:p>
+        </p:txBody>
+      </p:sp>
+      <p:sp>
+        <p:nvSpPr>
+          <p:cNvPr id="102" name="CustomShape 2"/>
           <p:cNvSpPr/>
           <p:nvPr/>
         </p:nvSpPr>
         <p:spPr>
           <a:xfrm>
             <a:off x="311760" y="1152360"/>
-            <a:ext cx="8502120" cy="3398040"/>
+            <a:ext cx="8499600" cy="3395520"/>
           </a:xfrm>
           <a:prstGeom prst="rect">
             <a:avLst/>
@@ -7590,29 +9005,95 @@
           <a:fontRef idx="minor"/>
         </p:style>
         <p:txBody>
-          <a:bodyPr lIns="90000" rIns="90000" tIns="91440" bIns="91440">
-            <a:normAutofit/>
-          </a:bodyPr>
+          <a:bodyPr lIns="90000" rIns="90000" tIns="91440" bIns="91440"/>
           <a:p>
             <a:pPr>
               <a:lnSpc>
                 <a:spcPct val="115000"/>
               </a:lnSpc>
-              <a:spcAft>
-                <a:spcPts val="1199"/>
-              </a:spcAft>
             </a:pPr>
             <a:r>
-              <a:rPr b="0" lang="en-US" sz="1800" spc="-1" strike="noStrike">
+              <a:rPr b="0" lang="en-US" sz="1600" spc="-1" strike="noStrike">
                 <a:solidFill>
                   <a:srgbClr val="595959"/>
                 </a:solidFill>
                 <a:latin typeface="Arial"/>
                 <a:ea typeface="Arial"/>
               </a:rPr>
-              <a:t>+++TB_ADD cashFlows +++</a:t>
+              <a:t>+++FOR ((sample_data_1))&lt;&lt; +++INS name +++  +++INS age +++&gt;&gt; FOR-END+++</a:t>
             </a:r>
-            <a:endParaRPr b="0" lang="en-US" sz="1800" spc="-1" strike="noStrike">
+            <a:br/>
+            <a:r>
+              <a:rPr b="0" lang="en-US" sz="1600" spc="-1" strike="noStrike">
+                <a:solidFill>
+                  <a:srgbClr val="595959"/>
+                </a:solidFill>
+                <a:latin typeface="Arial"/>
+                <a:ea typeface="Arial"/>
+              </a:rPr>
+              <a:t>+++FOR ((sample_data_2))&lt;&lt; +++INS name +++   +++INS age +++ &gt;&gt; FOR-END+++</a:t>
+            </a:r>
+            <a:br/>
+            <a:r>
+              <a:rPr b="0" lang="en-US" sz="1600" spc="-1" strike="noStrike">
+                <a:solidFill>
+                  <a:srgbClr val="595959"/>
+                </a:solidFill>
+                <a:latin typeface="Arial"/>
+                <a:ea typeface="Arial"/>
+              </a:rPr>
+              <a:t>+++FOR ((sample_data_3))&lt;&lt; +++INS city +++ +++INS number +++ &gt;&gt; FOR-END+++</a:t>
+            </a:r>
+            <a:endParaRPr b="0" lang="en-US" sz="1600" spc="-1" strike="noStrike">
+              <a:latin typeface="Arial"/>
+            </a:endParaRPr>
+          </a:p>
+        </p:txBody>
+      </p:sp>
+      <p:sp>
+        <p:nvSpPr>
+          <p:cNvPr id="103" name="CustomShape 3"/>
+          <p:cNvSpPr/>
+          <p:nvPr/>
+        </p:nvSpPr>
+        <p:spPr>
+          <a:xfrm>
+            <a:off x="8556840" y="4749840"/>
+            <a:ext cx="546480" cy="391320"/>
+          </a:xfrm>
+          <a:prstGeom prst="rect">
+            <a:avLst/>
+          </a:prstGeom>
+          <a:noFill/>
+          <a:ln>
+            <a:noFill/>
+          </a:ln>
+        </p:spPr>
+        <p:style>
+          <a:lnRef idx="0"/>
+          <a:fillRef idx="0"/>
+          <a:effectRef idx="0"/>
+          <a:fontRef idx="minor"/>
+        </p:style>
+        <p:txBody>
+          <a:bodyPr lIns="90000" rIns="90000" tIns="91440" bIns="91440"/>
+          <a:p>
+            <a:pPr algn="r">
+              <a:lnSpc>
+                <a:spcPct val="100000"/>
+              </a:lnSpc>
+            </a:pPr>
+            <a:fld id="{E6FF853A-A889-4ACF-A23A-D7A76876C5EB}" type="slidenum">
+              <a:rPr b="0" lang="en-US" sz="1300" spc="-1" strike="noStrike">
+                <a:solidFill>
+                  <a:srgbClr val="000000"/>
+                </a:solidFill>
+                <a:latin typeface="Arial"/>
+                <a:ea typeface="Arial"/>
+              </a:rPr>
+              <a:t>&lt;number&gt;</a:t>
+            </a:fld>
+            <a:endParaRPr b="0" lang="en-US" sz="1300" spc="-1" strike="noStrike">
               <a:latin typeface="Arial"/>
             </a:endParaRPr>
           </a:p>
@@ -7669,14 +9150,14 @@
       </p:grpSpPr>
       <p:sp>
         <p:nvSpPr>
-          <p:cNvPr id="94" name="CustomShape 1"/>
+          <p:cNvPr id="104" name="CustomShape 1"/>
           <p:cNvSpPr/>
           <p:nvPr/>
         </p:nvSpPr>
         <p:spPr>
           <a:xfrm>
-            <a:off x="640080" y="640080"/>
-            <a:ext cx="7938720" cy="329760"/>
+            <a:off x="311760" y="444960"/>
+            <a:ext cx="8499600" cy="551880"/>
           </a:xfrm>
           <a:prstGeom prst="rect">
             <a:avLst/>
@@ -7695,14 +9176,14 @@
       </p:sp>
       <p:sp>
         <p:nvSpPr>
-          <p:cNvPr id="95" name="CustomShape 2"/>
+          <p:cNvPr id="105" name="CustomShape 2"/>
           <p:cNvSpPr/>
           <p:nvPr/>
         </p:nvSpPr>
         <p:spPr>
           <a:xfrm>
             <a:off x="311760" y="1152360"/>
-            <a:ext cx="8502120" cy="3398040"/>
+            <a:ext cx="8499600" cy="3395520"/>
           </a:xfrm>
           <a:prstGeom prst="rect">
             <a:avLst/>
@@ -7719,17 +9200,12 @@
           <a:fontRef idx="minor"/>
         </p:style>
         <p:txBody>
-          <a:bodyPr lIns="90000" rIns="90000" tIns="91440" bIns="91440">
-            <a:normAutofit/>
-          </a:bodyPr>
+          <a:bodyPr lIns="90000" rIns="90000" tIns="91440" bIns="91440"/>
           <a:p>
             <a:pPr>
               <a:lnSpc>
                 <a:spcPct val="115000"/>
               </a:lnSpc>
-              <a:spcAft>
-                <a:spcPts val="1199"/>
-              </a:spcAft>
             </a:pPr>
             <a:r>
               <a:rPr b="0" lang="en-US" sz="1800" spc="-1" strike="noStrike">
@@ -7739,9 +9215,58 @@
                 <a:latin typeface="Arial"/>
                 <a:ea typeface="Arial"/>
               </a:rPr>
-              <a:t>+++ EXTRA_SLIDE +++</a:t>
+              <a:t>+++TB_ADD cashFlows +++</a:t>
             </a:r>
             <a:endParaRPr b="0" lang="en-US" sz="1800" spc="-1" strike="noStrike">
+              <a:latin typeface="Arial"/>
+            </a:endParaRPr>
+          </a:p>
+        </p:txBody>
+      </p:sp>
+      <p:sp>
+        <p:nvSpPr>
+          <p:cNvPr id="106" name="CustomShape 3"/>
+          <p:cNvSpPr/>
+          <p:nvPr/>
+        </p:nvSpPr>
+        <p:spPr>
+          <a:xfrm>
+            <a:off x="8556840" y="4749840"/>
+            <a:ext cx="546480" cy="391320"/>
+          </a:xfrm>
+          <a:prstGeom prst="rect">
+            <a:avLst/>
+          </a:prstGeom>
+          <a:noFill/>
+          <a:ln>
+            <a:noFill/>
+          </a:ln>
+        </p:spPr>
+        <p:style>
+          <a:lnRef idx="0"/>
+          <a:fillRef idx="0"/>
+          <a:effectRef idx="0"/>
+          <a:fontRef idx="minor"/>
+        </p:style>
+        <p:txBody>
+          <a:bodyPr lIns="90000" rIns="90000" tIns="91440" bIns="91440"/>
+          <a:p>
+            <a:pPr algn="r">
+              <a:lnSpc>
+                <a:spcPct val="100000"/>
+              </a:lnSpc>
+            </a:pPr>
+            <a:fld id="{56AF7984-6F92-43CC-B0FD-4692555092C3}" type="slidenum">
+              <a:rPr b="0" lang="en-US" sz="1300" spc="-1" strike="noStrike">
+                <a:solidFill>
+                  <a:srgbClr val="000000"/>
+                </a:solidFill>
+                <a:latin typeface="Arial"/>
+                <a:ea typeface="Arial"/>
+              </a:rPr>
+              <a:t>&lt;number&gt;</a:t>
+            </a:fld>
+            <a:endParaRPr b="0" lang="en-US" sz="1300" spc="-1" strike="noStrike">
               <a:latin typeface="Arial"/>
             </a:endParaRPr>
           </a:p>
@@ -7790,34 +9315,34 @@
         <a:sysClr val="window" lastClr="FFFFFF"/>
       </a:lt1>
       <a:dk2>
-        <a:srgbClr val="595959"/>
+        <a:srgbClr val="1f497d"/>
       </a:dk2>
       <a:lt2>
-        <a:srgbClr val="eeeeee"/>
+        <a:srgbClr val="eeece1"/>
       </a:lt2>
       <a:accent1>
-        <a:srgbClr val="4285f4"/>
+        <a:srgbClr val="4f81bd"/>
       </a:accent1>
       <a:accent2>
-        <a:srgbClr val="212121"/>
+        <a:srgbClr val="c0504d"/>
       </a:accent2>
       <a:accent3>
-        <a:srgbClr val="78909c"/>
+        <a:srgbClr val="9bbb59"/>
       </a:accent3>
       <a:accent4>
-        <a:srgbClr val="ffab40"/>
+        <a:srgbClr val="8064a2"/>
       </a:accent4>
       <a:accent5>
-        <a:srgbClr val="0097a7"/>
+        <a:srgbClr val="4bacc6"/>
       </a:accent5>
       <a:accent6>
-        <a:srgbClr val="eeff41"/>
+        <a:srgbClr val="f79646"/>
       </a:accent6>
       <a:hlink>
-        <a:srgbClr val="0097a7"/>
+        <a:srgbClr val="0000ff"/>
       </a:hlink>
       <a:folHlink>
-        <a:srgbClr val="0097a7"/>
+        <a:srgbClr val="800080"/>
       </a:folHlink>
     </a:clrScheme>
     <a:fontScheme name="Office">
